--- a/apresentação/ANADI - Trabalho Prático 2.pptx
+++ b/apresentação/ANADI - Trabalho Prático 2.pptx
@@ -18,6 +18,12 @@
     <p:sldId id="275" r:id="rId12"/>
     <p:sldId id="276" r:id="rId13"/>
     <p:sldId id="277" r:id="rId14"/>
+    <p:sldId id="278" r:id="rId15"/>
+    <p:sldId id="279" r:id="rId16"/>
+    <p:sldId id="280" r:id="rId17"/>
+    <p:sldId id="281" r:id="rId18"/>
+    <p:sldId id="282" r:id="rId19"/>
+    <p:sldId id="283" r:id="rId20"/>
   </p:sldIdLst>
   <p:sldSz cx="12192000" cy="6858000"/>
   <p:notesSz cx="6858000" cy="9144000"/>
@@ -994,6 +1000,1709 @@
   <dgm:styleLbl name="trBgShp">
     <dgm:fillClrLst meth="repeat">
       <a:schemeClr val="accent1">
+        <a:tint val="50000"/>
+        <a:alpha val="40000"/>
+      </a:schemeClr>
+    </dgm:fillClrLst>
+    <dgm:linClrLst meth="repeat">
+      <a:schemeClr val="accent2"/>
+    </dgm:linClrLst>
+    <dgm:effectClrLst/>
+    <dgm:txLinClrLst/>
+    <dgm:txFillClrLst meth="repeat">
+      <a:schemeClr val="lt1"/>
+    </dgm:txFillClrLst>
+    <dgm:txEffectClrLst/>
+  </dgm:styleLbl>
+  <dgm:styleLbl name="fgShp">
+    <dgm:fillClrLst meth="repeat">
+      <a:schemeClr val="accent2">
+        <a:tint val="40000"/>
+      </a:schemeClr>
+    </dgm:fillClrLst>
+    <dgm:linClrLst meth="repeat">
+      <a:schemeClr val="lt1"/>
+    </dgm:linClrLst>
+    <dgm:effectClrLst/>
+    <dgm:txLinClrLst/>
+    <dgm:txFillClrLst meth="repeat">
+      <a:schemeClr val="dk1"/>
+    </dgm:txFillClrLst>
+    <dgm:txEffectClrLst/>
+  </dgm:styleLbl>
+  <dgm:styleLbl name="revTx">
+    <dgm:fillClrLst meth="repeat">
+      <a:schemeClr val="lt1">
+        <a:alpha val="0"/>
+      </a:schemeClr>
+    </dgm:fillClrLst>
+    <dgm:linClrLst meth="repeat">
+      <a:schemeClr val="dk1">
+        <a:alpha val="0"/>
+      </a:schemeClr>
+    </dgm:linClrLst>
+    <dgm:effectClrLst/>
+    <dgm:txLinClrLst/>
+    <dgm:txFillClrLst meth="repeat">
+      <a:schemeClr val="tx1"/>
+    </dgm:txFillClrLst>
+    <dgm:txEffectClrLst/>
+  </dgm:styleLbl>
+</dgm:colorsDef>
+</file>
+
+<file path=ppt/diagrams/colors2.xml><?xml version="1.0" encoding="utf-8"?>
+<dgm:colorsDef xmlns:dgm="http://schemas.openxmlformats.org/drawingml/2006/diagram" xmlns:a="http://schemas.openxmlformats.org/drawingml/2006/main" uniqueId="urn:microsoft.com/office/officeart/2018/5/colors/Iconchunking_neutralicontext_colorful1">
+  <dgm:title val=""/>
+  <dgm:desc val=""/>
+  <dgm:catLst>
+    <dgm:cat type="colorful" pri="10100"/>
+  </dgm:catLst>
+  <dgm:styleLbl name="node0">
+    <dgm:fillClrLst meth="repeat">
+      <a:schemeClr val="accent1"/>
+    </dgm:fillClrLst>
+    <dgm:linClrLst meth="repeat">
+      <a:schemeClr val="lt1"/>
+    </dgm:linClrLst>
+    <dgm:effectClrLst/>
+    <dgm:txLinClrLst/>
+    <dgm:txFillClrLst/>
+    <dgm:txEffectClrLst/>
+  </dgm:styleLbl>
+  <dgm:styleLbl name="node1">
+    <dgm:fillClrLst meth="repeat">
+      <a:schemeClr val="bg1"/>
+    </dgm:fillClrLst>
+    <dgm:linClrLst meth="repeat">
+      <a:schemeClr val="lt1">
+        <a:alpha val="0"/>
+      </a:schemeClr>
+    </dgm:linClrLst>
+    <dgm:effectClrLst/>
+    <dgm:txLinClrLst/>
+    <dgm:txFillClrLst meth="repeat">
+      <a:schemeClr val="dk1"/>
+    </dgm:txFillClrLst>
+    <dgm:txEffectClrLst/>
+  </dgm:styleLbl>
+  <dgm:styleLbl name="alignNode1">
+    <dgm:fillClrLst meth="repeat">
+      <a:schemeClr val="accent2"/>
+      <a:schemeClr val="accent3"/>
+      <a:schemeClr val="accent4"/>
+      <a:schemeClr val="accent5"/>
+      <a:schemeClr val="accent6"/>
+    </dgm:fillClrLst>
+    <dgm:linClrLst meth="repeat">
+      <a:schemeClr val="accent2"/>
+      <a:schemeClr val="accent3"/>
+      <a:schemeClr val="accent4"/>
+      <a:schemeClr val="accent5"/>
+      <a:schemeClr val="accent6"/>
+    </dgm:linClrLst>
+    <dgm:effectClrLst/>
+    <dgm:txLinClrLst/>
+    <dgm:txFillClrLst/>
+    <dgm:txEffectClrLst/>
+  </dgm:styleLbl>
+  <dgm:styleLbl name="lnNode1">
+    <dgm:fillClrLst meth="repeat">
+      <a:schemeClr val="accent2"/>
+      <a:schemeClr val="accent3"/>
+      <a:schemeClr val="accent4"/>
+      <a:schemeClr val="accent5"/>
+      <a:schemeClr val="accent6"/>
+    </dgm:fillClrLst>
+    <dgm:linClrLst meth="repeat">
+      <a:schemeClr val="lt1"/>
+    </dgm:linClrLst>
+    <dgm:effectClrLst/>
+    <dgm:txLinClrLst/>
+    <dgm:txFillClrLst/>
+    <dgm:txEffectClrLst/>
+  </dgm:styleLbl>
+  <dgm:styleLbl name="vennNode1">
+    <dgm:fillClrLst meth="repeat">
+      <a:schemeClr val="accent2">
+        <a:alpha val="50000"/>
+      </a:schemeClr>
+      <a:schemeClr val="accent3">
+        <a:alpha val="50000"/>
+      </a:schemeClr>
+      <a:schemeClr val="accent4">
+        <a:alpha val="50000"/>
+      </a:schemeClr>
+      <a:schemeClr val="accent5">
+        <a:alpha val="50000"/>
+      </a:schemeClr>
+      <a:schemeClr val="accent6">
+        <a:alpha val="50000"/>
+      </a:schemeClr>
+    </dgm:fillClrLst>
+    <dgm:linClrLst meth="repeat">
+      <a:schemeClr val="lt1"/>
+    </dgm:linClrLst>
+    <dgm:effectClrLst/>
+    <dgm:txLinClrLst/>
+    <dgm:txFillClrLst/>
+    <dgm:txEffectClrLst/>
+  </dgm:styleLbl>
+  <dgm:styleLbl name="node2">
+    <dgm:fillClrLst>
+      <a:schemeClr val="accent2"/>
+    </dgm:fillClrLst>
+    <dgm:linClrLst meth="repeat">
+      <a:schemeClr val="lt1"/>
+    </dgm:linClrLst>
+    <dgm:effectClrLst/>
+    <dgm:txLinClrLst/>
+    <dgm:txFillClrLst/>
+    <dgm:txEffectClrLst/>
+  </dgm:styleLbl>
+  <dgm:styleLbl name="node3">
+    <dgm:fillClrLst>
+      <a:schemeClr val="accent3"/>
+    </dgm:fillClrLst>
+    <dgm:linClrLst meth="repeat">
+      <a:schemeClr val="lt1"/>
+    </dgm:linClrLst>
+    <dgm:effectClrLst/>
+    <dgm:txLinClrLst/>
+    <dgm:txFillClrLst/>
+    <dgm:txEffectClrLst/>
+  </dgm:styleLbl>
+  <dgm:styleLbl name="node4">
+    <dgm:fillClrLst>
+      <a:schemeClr val="accent4"/>
+    </dgm:fillClrLst>
+    <dgm:linClrLst meth="repeat">
+      <a:schemeClr val="lt1"/>
+    </dgm:linClrLst>
+    <dgm:effectClrLst/>
+    <dgm:txLinClrLst/>
+    <dgm:txFillClrLst/>
+    <dgm:txEffectClrLst/>
+  </dgm:styleLbl>
+  <dgm:styleLbl name="fgImgPlace1">
+    <dgm:fillClrLst meth="repeat">
+      <a:schemeClr val="accent2">
+        <a:tint val="50000"/>
+      </a:schemeClr>
+      <a:schemeClr val="accent3">
+        <a:tint val="50000"/>
+      </a:schemeClr>
+      <a:schemeClr val="accent4">
+        <a:tint val="50000"/>
+      </a:schemeClr>
+      <a:schemeClr val="accent5">
+        <a:tint val="50000"/>
+      </a:schemeClr>
+      <a:schemeClr val="accent6">
+        <a:tint val="50000"/>
+      </a:schemeClr>
+    </dgm:fillClrLst>
+    <dgm:linClrLst meth="repeat">
+      <a:schemeClr val="lt1"/>
+    </dgm:linClrLst>
+    <dgm:effectClrLst/>
+    <dgm:txLinClrLst/>
+    <dgm:txFillClrLst meth="repeat">
+      <a:schemeClr val="lt1"/>
+    </dgm:txFillClrLst>
+    <dgm:txEffectClrLst/>
+  </dgm:styleLbl>
+  <dgm:styleLbl name="alignImgPlace1">
+    <dgm:fillClrLst>
+      <a:schemeClr val="accent1">
+        <a:tint val="50000"/>
+      </a:schemeClr>
+      <a:schemeClr val="accent2">
+        <a:tint val="20000"/>
+      </a:schemeClr>
+    </dgm:fillClrLst>
+    <dgm:linClrLst meth="repeat">
+      <a:schemeClr val="lt1"/>
+    </dgm:linClrLst>
+    <dgm:effectClrLst/>
+    <dgm:txLinClrLst/>
+    <dgm:txFillClrLst meth="repeat">
+      <a:schemeClr val="lt1"/>
+    </dgm:txFillClrLst>
+    <dgm:txEffectClrLst/>
+  </dgm:styleLbl>
+  <dgm:styleLbl name="bgImgPlace1">
+    <dgm:fillClrLst>
+      <a:schemeClr val="accent1">
+        <a:tint val="50000"/>
+      </a:schemeClr>
+      <a:schemeClr val="accent2">
+        <a:tint val="20000"/>
+      </a:schemeClr>
+    </dgm:fillClrLst>
+    <dgm:linClrLst meth="repeat">
+      <a:schemeClr val="lt1"/>
+    </dgm:linClrLst>
+    <dgm:effectClrLst/>
+    <dgm:txLinClrLst/>
+    <dgm:txFillClrLst meth="repeat">
+      <a:schemeClr val="lt1"/>
+    </dgm:txFillClrLst>
+    <dgm:txEffectClrLst/>
+  </dgm:styleLbl>
+  <dgm:styleLbl name="sibTrans2D1">
+    <dgm:fillClrLst meth="repeat">
+      <a:schemeClr val="accent2"/>
+      <a:schemeClr val="accent3"/>
+      <a:schemeClr val="accent4"/>
+      <a:schemeClr val="accent5"/>
+      <a:schemeClr val="accent6"/>
+    </dgm:fillClrLst>
+    <dgm:linClrLst meth="cycle">
+      <a:schemeClr val="lt1"/>
+    </dgm:linClrLst>
+    <dgm:effectClrLst/>
+    <dgm:txLinClrLst/>
+    <dgm:txFillClrLst/>
+    <dgm:txEffectClrLst/>
+  </dgm:styleLbl>
+  <dgm:styleLbl name="fgSibTrans2D1">
+    <dgm:fillClrLst meth="repeat">
+      <a:schemeClr val="accent2"/>
+      <a:schemeClr val="accent3"/>
+      <a:schemeClr val="accent4"/>
+      <a:schemeClr val="accent5"/>
+      <a:schemeClr val="accent6"/>
+    </dgm:fillClrLst>
+    <dgm:linClrLst meth="cycle">
+      <a:schemeClr val="lt1"/>
+    </dgm:linClrLst>
+    <dgm:effectClrLst/>
+    <dgm:txLinClrLst/>
+    <dgm:txFillClrLst meth="repeat">
+      <a:schemeClr val="lt1"/>
+    </dgm:txFillClrLst>
+    <dgm:txEffectClrLst/>
+  </dgm:styleLbl>
+  <dgm:styleLbl name="bgSibTrans2D1">
+    <dgm:fillClrLst meth="repeat">
+      <a:schemeClr val="accent2"/>
+      <a:schemeClr val="accent3"/>
+      <a:schemeClr val="accent4"/>
+      <a:schemeClr val="accent5"/>
+      <a:schemeClr val="accent6"/>
+    </dgm:fillClrLst>
+    <dgm:linClrLst meth="cycle">
+      <a:schemeClr val="lt1"/>
+    </dgm:linClrLst>
+    <dgm:effectClrLst/>
+    <dgm:txLinClrLst/>
+    <dgm:txFillClrLst meth="repeat">
+      <a:schemeClr val="lt1"/>
+    </dgm:txFillClrLst>
+    <dgm:txEffectClrLst/>
+  </dgm:styleLbl>
+  <dgm:styleLbl name="sibTrans1D1">
+    <dgm:fillClrLst meth="repeat">
+      <a:schemeClr val="accent2"/>
+      <a:schemeClr val="accent3"/>
+      <a:schemeClr val="accent4"/>
+      <a:schemeClr val="accent5"/>
+      <a:schemeClr val="accent6"/>
+    </dgm:fillClrLst>
+    <dgm:linClrLst meth="repeat">
+      <a:schemeClr val="accent2"/>
+      <a:schemeClr val="accent3"/>
+      <a:schemeClr val="accent4"/>
+      <a:schemeClr val="accent5"/>
+      <a:schemeClr val="accent6"/>
+    </dgm:linClrLst>
+    <dgm:effectClrLst/>
+    <dgm:txLinClrLst/>
+    <dgm:txFillClrLst meth="repeat">
+      <a:schemeClr val="tx1"/>
+    </dgm:txFillClrLst>
+    <dgm:txEffectClrLst/>
+  </dgm:styleLbl>
+  <dgm:styleLbl name="callout">
+    <dgm:fillClrLst meth="repeat">
+      <a:schemeClr val="accent2"/>
+    </dgm:fillClrLst>
+    <dgm:linClrLst meth="repeat">
+      <a:schemeClr val="accent2">
+        <a:tint val="50000"/>
+      </a:schemeClr>
+    </dgm:linClrLst>
+    <dgm:effectClrLst/>
+    <dgm:txLinClrLst/>
+    <dgm:txFillClrLst meth="repeat">
+      <a:schemeClr val="tx1"/>
+    </dgm:txFillClrLst>
+    <dgm:txEffectClrLst/>
+  </dgm:styleLbl>
+  <dgm:styleLbl name="asst0">
+    <dgm:fillClrLst meth="repeat">
+      <a:schemeClr val="accent1"/>
+    </dgm:fillClrLst>
+    <dgm:linClrLst meth="repeat">
+      <a:schemeClr val="lt1"/>
+    </dgm:linClrLst>
+    <dgm:effectClrLst/>
+    <dgm:txLinClrLst/>
+    <dgm:txFillClrLst/>
+    <dgm:txEffectClrLst/>
+  </dgm:styleLbl>
+  <dgm:styleLbl name="asst1">
+    <dgm:fillClrLst meth="repeat">
+      <a:schemeClr val="accent2"/>
+    </dgm:fillClrLst>
+    <dgm:linClrLst meth="repeat">
+      <a:schemeClr val="lt1"/>
+    </dgm:linClrLst>
+    <dgm:effectClrLst/>
+    <dgm:txLinClrLst/>
+    <dgm:txFillClrLst/>
+    <dgm:txEffectClrLst/>
+  </dgm:styleLbl>
+  <dgm:styleLbl name="asst2">
+    <dgm:fillClrLst>
+      <a:schemeClr val="accent3"/>
+    </dgm:fillClrLst>
+    <dgm:linClrLst meth="repeat">
+      <a:schemeClr val="lt1"/>
+    </dgm:linClrLst>
+    <dgm:effectClrLst/>
+    <dgm:txLinClrLst/>
+    <dgm:txFillClrLst/>
+    <dgm:txEffectClrLst/>
+  </dgm:styleLbl>
+  <dgm:styleLbl name="asst3">
+    <dgm:fillClrLst>
+      <a:schemeClr val="accent4"/>
+    </dgm:fillClrLst>
+    <dgm:linClrLst meth="repeat">
+      <a:schemeClr val="lt1"/>
+    </dgm:linClrLst>
+    <dgm:effectClrLst/>
+    <dgm:txLinClrLst/>
+    <dgm:txFillClrLst/>
+    <dgm:txEffectClrLst/>
+  </dgm:styleLbl>
+  <dgm:styleLbl name="asst4">
+    <dgm:fillClrLst>
+      <a:schemeClr val="accent5"/>
+    </dgm:fillClrLst>
+    <dgm:linClrLst meth="repeat">
+      <a:schemeClr val="lt1"/>
+    </dgm:linClrLst>
+    <dgm:effectClrLst/>
+    <dgm:txLinClrLst/>
+    <dgm:txFillClrLst/>
+    <dgm:txEffectClrLst/>
+  </dgm:styleLbl>
+  <dgm:styleLbl name="parChTrans2D1">
+    <dgm:fillClrLst meth="repeat">
+      <a:schemeClr val="accent2"/>
+    </dgm:fillClrLst>
+    <dgm:linClrLst meth="repeat">
+      <a:schemeClr val="lt1"/>
+    </dgm:linClrLst>
+    <dgm:effectClrLst/>
+    <dgm:txLinClrLst/>
+    <dgm:txFillClrLst meth="repeat">
+      <a:schemeClr val="lt1"/>
+    </dgm:txFillClrLst>
+    <dgm:txEffectClrLst/>
+  </dgm:styleLbl>
+  <dgm:styleLbl name="parChTrans2D2">
+    <dgm:fillClrLst meth="repeat">
+      <a:schemeClr val="accent3"/>
+    </dgm:fillClrLst>
+    <dgm:linClrLst meth="repeat">
+      <a:schemeClr val="lt1"/>
+    </dgm:linClrLst>
+    <dgm:effectClrLst/>
+    <dgm:txLinClrLst/>
+    <dgm:txFillClrLst/>
+    <dgm:txEffectClrLst/>
+  </dgm:styleLbl>
+  <dgm:styleLbl name="parChTrans2D3">
+    <dgm:fillClrLst meth="repeat">
+      <a:schemeClr val="accent4"/>
+    </dgm:fillClrLst>
+    <dgm:linClrLst meth="repeat">
+      <a:schemeClr val="lt1"/>
+    </dgm:linClrLst>
+    <dgm:effectClrLst/>
+    <dgm:txLinClrLst/>
+    <dgm:txFillClrLst/>
+    <dgm:txEffectClrLst/>
+  </dgm:styleLbl>
+  <dgm:styleLbl name="parChTrans2D4">
+    <dgm:fillClrLst meth="repeat">
+      <a:schemeClr val="accent5"/>
+    </dgm:fillClrLst>
+    <dgm:linClrLst meth="repeat">
+      <a:schemeClr val="lt1"/>
+    </dgm:linClrLst>
+    <dgm:effectClrLst/>
+    <dgm:txLinClrLst/>
+    <dgm:txFillClrLst meth="repeat">
+      <a:schemeClr val="lt1"/>
+    </dgm:txFillClrLst>
+    <dgm:txEffectClrLst/>
+  </dgm:styleLbl>
+  <dgm:styleLbl name="parChTrans1D1">
+    <dgm:fillClrLst meth="repeat">
+      <a:schemeClr val="accent2"/>
+    </dgm:fillClrLst>
+    <dgm:linClrLst meth="repeat">
+      <a:schemeClr val="accent1"/>
+    </dgm:linClrLst>
+    <dgm:effectClrLst/>
+    <dgm:txLinClrLst/>
+    <dgm:txFillClrLst meth="repeat">
+      <a:schemeClr val="tx1"/>
+    </dgm:txFillClrLst>
+    <dgm:txEffectClrLst/>
+  </dgm:styleLbl>
+  <dgm:styleLbl name="parChTrans1D2">
+    <dgm:fillClrLst meth="repeat">
+      <a:schemeClr val="accent3">
+        <a:tint val="90000"/>
+      </a:schemeClr>
+    </dgm:fillClrLst>
+    <dgm:linClrLst meth="repeat">
+      <a:schemeClr val="accent2"/>
+    </dgm:linClrLst>
+    <dgm:effectClrLst/>
+    <dgm:txLinClrLst/>
+    <dgm:txFillClrLst meth="repeat">
+      <a:schemeClr val="tx1"/>
+    </dgm:txFillClrLst>
+    <dgm:txEffectClrLst/>
+  </dgm:styleLbl>
+  <dgm:styleLbl name="parChTrans1D3">
+    <dgm:fillClrLst meth="repeat">
+      <a:schemeClr val="accent4">
+        <a:tint val="70000"/>
+      </a:schemeClr>
+    </dgm:fillClrLst>
+    <dgm:linClrLst meth="repeat">
+      <a:schemeClr val="accent3"/>
+    </dgm:linClrLst>
+    <dgm:effectClrLst/>
+    <dgm:txLinClrLst/>
+    <dgm:txFillClrLst meth="repeat">
+      <a:schemeClr val="tx1"/>
+    </dgm:txFillClrLst>
+    <dgm:txEffectClrLst/>
+  </dgm:styleLbl>
+  <dgm:styleLbl name="parChTrans1D4">
+    <dgm:fillClrLst meth="repeat">
+      <a:schemeClr val="accent5">
+        <a:tint val="50000"/>
+      </a:schemeClr>
+    </dgm:fillClrLst>
+    <dgm:linClrLst meth="repeat">
+      <a:schemeClr val="accent4"/>
+    </dgm:linClrLst>
+    <dgm:effectClrLst/>
+    <dgm:txLinClrLst/>
+    <dgm:txFillClrLst meth="repeat">
+      <a:schemeClr val="tx1"/>
+    </dgm:txFillClrLst>
+    <dgm:txEffectClrLst/>
+  </dgm:styleLbl>
+  <dgm:styleLbl name="fgAcc1">
+    <dgm:fillClrLst meth="repeat">
+      <a:schemeClr val="lt1">
+        <a:alpha val="90000"/>
+      </a:schemeClr>
+    </dgm:fillClrLst>
+    <dgm:linClrLst meth="repeat">
+      <a:schemeClr val="accent2"/>
+      <a:schemeClr val="accent3"/>
+      <a:schemeClr val="accent4"/>
+      <a:schemeClr val="accent5"/>
+      <a:schemeClr val="accent6"/>
+    </dgm:linClrLst>
+    <dgm:effectClrLst/>
+    <dgm:txLinClrLst/>
+    <dgm:txFillClrLst meth="repeat">
+      <a:schemeClr val="dk1"/>
+    </dgm:txFillClrLst>
+    <dgm:txEffectClrLst/>
+  </dgm:styleLbl>
+  <dgm:styleLbl name="conFgAcc1">
+    <dgm:fillClrLst meth="repeat">
+      <a:schemeClr val="lt1">
+        <a:alpha val="90000"/>
+      </a:schemeClr>
+    </dgm:fillClrLst>
+    <dgm:linClrLst meth="repeat">
+      <a:schemeClr val="accent2"/>
+      <a:schemeClr val="accent3"/>
+      <a:schemeClr val="accent4"/>
+      <a:schemeClr val="accent5"/>
+      <a:schemeClr val="accent6"/>
+    </dgm:linClrLst>
+    <dgm:effectClrLst/>
+    <dgm:txLinClrLst/>
+    <dgm:txFillClrLst meth="repeat">
+      <a:schemeClr val="dk1"/>
+    </dgm:txFillClrLst>
+    <dgm:txEffectClrLst/>
+  </dgm:styleLbl>
+  <dgm:styleLbl name="alignAcc1">
+    <dgm:fillClrLst meth="repeat">
+      <a:schemeClr val="lt1">
+        <a:alpha val="90000"/>
+      </a:schemeClr>
+    </dgm:fillClrLst>
+    <dgm:linClrLst meth="repeat">
+      <a:schemeClr val="accent2"/>
+      <a:schemeClr val="accent3"/>
+      <a:schemeClr val="accent4"/>
+      <a:schemeClr val="accent5"/>
+      <a:schemeClr val="accent6"/>
+    </dgm:linClrLst>
+    <dgm:effectClrLst/>
+    <dgm:txLinClrLst/>
+    <dgm:txFillClrLst meth="repeat">
+      <a:schemeClr val="dk1"/>
+    </dgm:txFillClrLst>
+    <dgm:txEffectClrLst/>
+  </dgm:styleLbl>
+  <dgm:styleLbl name="trAlignAcc1">
+    <dgm:fillClrLst meth="repeat">
+      <a:schemeClr val="lt1">
+        <a:alpha val="40000"/>
+      </a:schemeClr>
+    </dgm:fillClrLst>
+    <dgm:linClrLst meth="repeat">
+      <a:schemeClr val="accent1"/>
+    </dgm:linClrLst>
+    <dgm:effectClrLst/>
+    <dgm:txLinClrLst/>
+    <dgm:txFillClrLst meth="repeat">
+      <a:schemeClr val="dk1"/>
+    </dgm:txFillClrLst>
+    <dgm:txEffectClrLst/>
+  </dgm:styleLbl>
+  <dgm:styleLbl name="bgAcc1">
+    <dgm:fillClrLst meth="repeat">
+      <a:schemeClr val="lt1">
+        <a:alpha val="90000"/>
+      </a:schemeClr>
+    </dgm:fillClrLst>
+    <dgm:linClrLst meth="repeat">
+      <a:schemeClr val="accent2"/>
+      <a:schemeClr val="accent3"/>
+      <a:schemeClr val="accent4"/>
+      <a:schemeClr val="accent5"/>
+      <a:schemeClr val="accent6"/>
+    </dgm:linClrLst>
+    <dgm:effectClrLst/>
+    <dgm:txLinClrLst/>
+    <dgm:txFillClrLst meth="repeat">
+      <a:schemeClr val="dk1"/>
+    </dgm:txFillClrLst>
+    <dgm:txEffectClrLst/>
+  </dgm:styleLbl>
+  <dgm:styleLbl name="solidFgAcc1">
+    <dgm:fillClrLst meth="repeat">
+      <a:schemeClr val="lt1"/>
+    </dgm:fillClrLst>
+    <dgm:linClrLst meth="repeat">
+      <a:schemeClr val="accent2"/>
+      <a:schemeClr val="accent3"/>
+      <a:schemeClr val="accent4"/>
+      <a:schemeClr val="accent5"/>
+      <a:schemeClr val="accent6"/>
+    </dgm:linClrLst>
+    <dgm:effectClrLst/>
+    <dgm:txLinClrLst/>
+    <dgm:txFillClrLst meth="repeat">
+      <a:schemeClr val="dk1"/>
+    </dgm:txFillClrLst>
+    <dgm:txEffectClrLst/>
+  </dgm:styleLbl>
+  <dgm:styleLbl name="solidAlignAcc1">
+    <dgm:fillClrLst meth="repeat">
+      <a:schemeClr val="lt1"/>
+    </dgm:fillClrLst>
+    <dgm:linClrLst meth="repeat">
+      <a:schemeClr val="accent2"/>
+      <a:schemeClr val="accent3"/>
+      <a:schemeClr val="accent4"/>
+      <a:schemeClr val="accent5"/>
+      <a:schemeClr val="accent6"/>
+    </dgm:linClrLst>
+    <dgm:effectClrLst/>
+    <dgm:txLinClrLst/>
+    <dgm:txFillClrLst meth="repeat">
+      <a:schemeClr val="dk1"/>
+    </dgm:txFillClrLst>
+    <dgm:txEffectClrLst/>
+  </dgm:styleLbl>
+  <dgm:styleLbl name="solidBgAcc1">
+    <dgm:fillClrLst meth="repeat">
+      <a:schemeClr val="lt1"/>
+    </dgm:fillClrLst>
+    <dgm:linClrLst meth="repeat">
+      <a:schemeClr val="accent2"/>
+      <a:schemeClr val="accent3"/>
+      <a:schemeClr val="accent4"/>
+      <a:schemeClr val="accent5"/>
+      <a:schemeClr val="accent6"/>
+    </dgm:linClrLst>
+    <dgm:effectClrLst/>
+    <dgm:txLinClrLst/>
+    <dgm:txFillClrLst meth="repeat">
+      <a:schemeClr val="dk1"/>
+    </dgm:txFillClrLst>
+    <dgm:txEffectClrLst/>
+  </dgm:styleLbl>
+  <dgm:styleLbl name="fgAccFollowNode1">
+    <dgm:fillClrLst meth="repeat">
+      <a:schemeClr val="accent2">
+        <a:tint val="40000"/>
+        <a:alpha val="90000"/>
+      </a:schemeClr>
+      <a:schemeClr val="accent3">
+        <a:tint val="40000"/>
+        <a:alpha val="90000"/>
+      </a:schemeClr>
+      <a:schemeClr val="accent4">
+        <a:tint val="40000"/>
+        <a:alpha val="90000"/>
+      </a:schemeClr>
+      <a:schemeClr val="accent5">
+        <a:tint val="40000"/>
+        <a:alpha val="90000"/>
+      </a:schemeClr>
+      <a:schemeClr val="accent6">
+        <a:tint val="40000"/>
+        <a:alpha val="90000"/>
+      </a:schemeClr>
+    </dgm:fillClrLst>
+    <dgm:linClrLst meth="repeat">
+      <a:schemeClr val="accent2">
+        <a:tint val="40000"/>
+        <a:alpha val="90000"/>
+      </a:schemeClr>
+      <a:schemeClr val="accent3">
+        <a:tint val="40000"/>
+        <a:alpha val="90000"/>
+      </a:schemeClr>
+      <a:schemeClr val="accent4">
+        <a:tint val="40000"/>
+        <a:alpha val="90000"/>
+      </a:schemeClr>
+      <a:schemeClr val="accent5">
+        <a:tint val="40000"/>
+        <a:alpha val="90000"/>
+      </a:schemeClr>
+      <a:schemeClr val="accent6">
+        <a:tint val="40000"/>
+        <a:alpha val="90000"/>
+      </a:schemeClr>
+    </dgm:linClrLst>
+    <dgm:effectClrLst/>
+    <dgm:txLinClrLst/>
+    <dgm:txFillClrLst meth="repeat">
+      <a:schemeClr val="dk1"/>
+    </dgm:txFillClrLst>
+    <dgm:txEffectClrLst/>
+  </dgm:styleLbl>
+  <dgm:styleLbl name="alignAccFollowNode1">
+    <dgm:fillClrLst meth="repeat">
+      <a:schemeClr val="accent2">
+        <a:tint val="40000"/>
+        <a:alpha val="90000"/>
+      </a:schemeClr>
+      <a:schemeClr val="accent3">
+        <a:tint val="40000"/>
+        <a:alpha val="90000"/>
+      </a:schemeClr>
+      <a:schemeClr val="accent4">
+        <a:tint val="40000"/>
+        <a:alpha val="90000"/>
+      </a:schemeClr>
+      <a:schemeClr val="accent5">
+        <a:tint val="40000"/>
+        <a:alpha val="90000"/>
+      </a:schemeClr>
+      <a:schemeClr val="accent6">
+        <a:tint val="40000"/>
+        <a:alpha val="90000"/>
+      </a:schemeClr>
+    </dgm:fillClrLst>
+    <dgm:linClrLst meth="repeat">
+      <a:schemeClr val="accent2">
+        <a:tint val="40000"/>
+        <a:alpha val="90000"/>
+      </a:schemeClr>
+      <a:schemeClr val="accent3">
+        <a:tint val="40000"/>
+        <a:alpha val="90000"/>
+      </a:schemeClr>
+      <a:schemeClr val="accent4">
+        <a:tint val="40000"/>
+        <a:alpha val="90000"/>
+      </a:schemeClr>
+      <a:schemeClr val="accent5">
+        <a:tint val="40000"/>
+        <a:alpha val="90000"/>
+      </a:schemeClr>
+      <a:schemeClr val="accent6">
+        <a:tint val="40000"/>
+        <a:alpha val="90000"/>
+      </a:schemeClr>
+    </dgm:linClrLst>
+    <dgm:effectClrLst/>
+    <dgm:txLinClrLst/>
+    <dgm:txFillClrLst meth="repeat">
+      <a:schemeClr val="dk1"/>
+    </dgm:txFillClrLst>
+    <dgm:txEffectClrLst/>
+  </dgm:styleLbl>
+  <dgm:styleLbl name="bgAccFollowNode1">
+    <dgm:fillClrLst meth="repeat">
+      <a:schemeClr val="accent2">
+        <a:tint val="40000"/>
+        <a:alpha val="90000"/>
+      </a:schemeClr>
+      <a:schemeClr val="accent3">
+        <a:tint val="40000"/>
+        <a:alpha val="90000"/>
+      </a:schemeClr>
+      <a:schemeClr val="accent4">
+        <a:tint val="40000"/>
+        <a:alpha val="90000"/>
+      </a:schemeClr>
+      <a:schemeClr val="accent5">
+        <a:tint val="40000"/>
+        <a:alpha val="90000"/>
+      </a:schemeClr>
+      <a:schemeClr val="accent6">
+        <a:tint val="40000"/>
+        <a:alpha val="90000"/>
+      </a:schemeClr>
+    </dgm:fillClrLst>
+    <dgm:linClrLst meth="repeat">
+      <a:schemeClr val="accent2">
+        <a:tint val="40000"/>
+        <a:alpha val="90000"/>
+      </a:schemeClr>
+      <a:schemeClr val="accent3">
+        <a:tint val="40000"/>
+        <a:alpha val="90000"/>
+      </a:schemeClr>
+      <a:schemeClr val="accent4">
+        <a:tint val="40000"/>
+        <a:alpha val="90000"/>
+      </a:schemeClr>
+      <a:schemeClr val="accent5">
+        <a:tint val="40000"/>
+        <a:alpha val="90000"/>
+      </a:schemeClr>
+      <a:schemeClr val="accent6">
+        <a:tint val="40000"/>
+        <a:alpha val="90000"/>
+      </a:schemeClr>
+    </dgm:linClrLst>
+    <dgm:effectClrLst/>
+    <dgm:txLinClrLst/>
+    <dgm:txFillClrLst meth="repeat">
+      <a:schemeClr val="dk1"/>
+    </dgm:txFillClrLst>
+    <dgm:txEffectClrLst/>
+  </dgm:styleLbl>
+  <dgm:styleLbl name="fgAcc0">
+    <dgm:fillClrLst meth="repeat">
+      <a:schemeClr val="lt1">
+        <a:alpha val="90000"/>
+      </a:schemeClr>
+    </dgm:fillClrLst>
+    <dgm:linClrLst>
+      <a:schemeClr val="accent1"/>
+    </dgm:linClrLst>
+    <dgm:effectClrLst/>
+    <dgm:txLinClrLst/>
+    <dgm:txFillClrLst meth="repeat">
+      <a:schemeClr val="dk1"/>
+    </dgm:txFillClrLst>
+    <dgm:txEffectClrLst/>
+  </dgm:styleLbl>
+  <dgm:styleLbl name="fgAcc2">
+    <dgm:fillClrLst meth="repeat">
+      <a:schemeClr val="lt1">
+        <a:alpha val="90000"/>
+      </a:schemeClr>
+    </dgm:fillClrLst>
+    <dgm:linClrLst>
+      <a:schemeClr val="accent2"/>
+    </dgm:linClrLst>
+    <dgm:effectClrLst/>
+    <dgm:txLinClrLst/>
+    <dgm:txFillClrLst meth="repeat">
+      <a:schemeClr val="dk1"/>
+    </dgm:txFillClrLst>
+    <dgm:txEffectClrLst/>
+  </dgm:styleLbl>
+  <dgm:styleLbl name="fgAcc3">
+    <dgm:fillClrLst meth="repeat">
+      <a:schemeClr val="lt1">
+        <a:alpha val="90000"/>
+      </a:schemeClr>
+    </dgm:fillClrLst>
+    <dgm:linClrLst>
+      <a:schemeClr val="accent3"/>
+    </dgm:linClrLst>
+    <dgm:effectClrLst/>
+    <dgm:txLinClrLst/>
+    <dgm:txFillClrLst meth="repeat">
+      <a:schemeClr val="dk1"/>
+    </dgm:txFillClrLst>
+    <dgm:txEffectClrLst/>
+  </dgm:styleLbl>
+  <dgm:styleLbl name="fgAcc4">
+    <dgm:fillClrLst meth="repeat">
+      <a:schemeClr val="lt1">
+        <a:alpha val="90000"/>
+      </a:schemeClr>
+    </dgm:fillClrLst>
+    <dgm:linClrLst>
+      <a:schemeClr val="accent4"/>
+    </dgm:linClrLst>
+    <dgm:effectClrLst/>
+    <dgm:txLinClrLst/>
+    <dgm:txFillClrLst meth="repeat">
+      <a:schemeClr val="dk1"/>
+    </dgm:txFillClrLst>
+    <dgm:txEffectClrLst/>
+  </dgm:styleLbl>
+  <dgm:styleLbl name="bgShp">
+    <dgm:fillClrLst meth="repeat">
+      <a:schemeClr val="accent2"/>
+      <a:schemeClr val="accent3"/>
+      <a:schemeClr val="accent4"/>
+      <a:schemeClr val="accent5"/>
+      <a:schemeClr val="accent6"/>
+    </dgm:fillClrLst>
+    <dgm:linClrLst meth="repeat">
+      <a:schemeClr val="lt1">
+        <a:alpha val="0"/>
+      </a:schemeClr>
+    </dgm:linClrLst>
+    <dgm:effectClrLst/>
+    <dgm:txLinClrLst/>
+    <dgm:txFillClrLst/>
+    <dgm:txEffectClrLst/>
+  </dgm:styleLbl>
+  <dgm:styleLbl name="dkBgShp">
+    <dgm:fillClrLst meth="repeat">
+      <a:schemeClr val="accent2">
+        <a:shade val="90000"/>
+      </a:schemeClr>
+    </dgm:fillClrLst>
+    <dgm:linClrLst meth="repeat">
+      <a:schemeClr val="dk1"/>
+    </dgm:linClrLst>
+    <dgm:effectClrLst/>
+    <dgm:txLinClrLst/>
+    <dgm:txFillClrLst meth="repeat">
+      <a:schemeClr val="lt1"/>
+    </dgm:txFillClrLst>
+    <dgm:txEffectClrLst/>
+  </dgm:styleLbl>
+  <dgm:styleLbl name="trBgShp">
+    <dgm:fillClrLst meth="repeat">
+      <a:schemeClr val="accent1">
+        <a:tint val="50000"/>
+        <a:alpha val="40000"/>
+      </a:schemeClr>
+    </dgm:fillClrLst>
+    <dgm:linClrLst meth="repeat">
+      <a:schemeClr val="accent2"/>
+    </dgm:linClrLst>
+    <dgm:effectClrLst/>
+    <dgm:txLinClrLst/>
+    <dgm:txFillClrLst meth="repeat">
+      <a:schemeClr val="lt1"/>
+    </dgm:txFillClrLst>
+    <dgm:txEffectClrLst/>
+  </dgm:styleLbl>
+  <dgm:styleLbl name="fgShp">
+    <dgm:fillClrLst meth="repeat">
+      <a:schemeClr val="accent2">
+        <a:tint val="40000"/>
+      </a:schemeClr>
+    </dgm:fillClrLst>
+    <dgm:linClrLst meth="repeat">
+      <a:schemeClr val="lt1"/>
+    </dgm:linClrLst>
+    <dgm:effectClrLst/>
+    <dgm:txLinClrLst/>
+    <dgm:txFillClrLst meth="repeat">
+      <a:schemeClr val="dk1"/>
+    </dgm:txFillClrLst>
+    <dgm:txEffectClrLst/>
+  </dgm:styleLbl>
+  <dgm:styleLbl name="revTx">
+    <dgm:fillClrLst meth="repeat">
+      <a:schemeClr val="lt1">
+        <a:alpha val="0"/>
+      </a:schemeClr>
+    </dgm:fillClrLst>
+    <dgm:linClrLst meth="repeat">
+      <a:schemeClr val="dk1">
+        <a:alpha val="0"/>
+      </a:schemeClr>
+    </dgm:linClrLst>
+    <dgm:effectClrLst/>
+    <dgm:txLinClrLst/>
+    <dgm:txFillClrLst meth="repeat">
+      <a:schemeClr val="bg1"/>
+    </dgm:txFillClrLst>
+    <dgm:txEffectClrLst/>
+  </dgm:styleLbl>
+</dgm:colorsDef>
+</file>
+
+<file path=ppt/diagrams/colors3.xml><?xml version="1.0" encoding="utf-8"?>
+<dgm:colorsDef xmlns:dgm="http://schemas.openxmlformats.org/drawingml/2006/diagram" xmlns:a="http://schemas.openxmlformats.org/drawingml/2006/main" uniqueId="urn:microsoft.com/office/officeart/2005/8/colors/colorful2">
+  <dgm:title val=""/>
+  <dgm:desc val=""/>
+  <dgm:catLst>
+    <dgm:cat type="colorful" pri="10200"/>
+  </dgm:catLst>
+  <dgm:styleLbl name="node0">
+    <dgm:fillClrLst meth="repeat">
+      <a:schemeClr val="accent1"/>
+    </dgm:fillClrLst>
+    <dgm:linClrLst meth="repeat">
+      <a:schemeClr val="lt1"/>
+    </dgm:linClrLst>
+    <dgm:effectClrLst/>
+    <dgm:txLinClrLst/>
+    <dgm:txFillClrLst/>
+    <dgm:txEffectClrLst/>
+  </dgm:styleLbl>
+  <dgm:styleLbl name="node1">
+    <dgm:fillClrLst>
+      <a:schemeClr val="accent2"/>
+      <a:schemeClr val="accent3"/>
+    </dgm:fillClrLst>
+    <dgm:linClrLst meth="repeat">
+      <a:schemeClr val="lt1"/>
+    </dgm:linClrLst>
+    <dgm:effectClrLst/>
+    <dgm:txLinClrLst/>
+    <dgm:txFillClrLst/>
+    <dgm:txEffectClrLst/>
+  </dgm:styleLbl>
+  <dgm:styleLbl name="alignNode1">
+    <dgm:fillClrLst>
+      <a:schemeClr val="accent2"/>
+      <a:schemeClr val="accent3"/>
+    </dgm:fillClrLst>
+    <dgm:linClrLst>
+      <a:schemeClr val="accent2"/>
+      <a:schemeClr val="accent3"/>
+    </dgm:linClrLst>
+    <dgm:effectClrLst/>
+    <dgm:txLinClrLst/>
+    <dgm:txFillClrLst/>
+    <dgm:txEffectClrLst/>
+  </dgm:styleLbl>
+  <dgm:styleLbl name="lnNode1">
+    <dgm:fillClrLst>
+      <a:schemeClr val="accent2"/>
+      <a:schemeClr val="accent3"/>
+    </dgm:fillClrLst>
+    <dgm:linClrLst meth="repeat">
+      <a:schemeClr val="lt1"/>
+    </dgm:linClrLst>
+    <dgm:effectClrLst/>
+    <dgm:txLinClrLst/>
+    <dgm:txFillClrLst/>
+    <dgm:txEffectClrLst/>
+  </dgm:styleLbl>
+  <dgm:styleLbl name="vennNode1">
+    <dgm:fillClrLst>
+      <a:schemeClr val="accent2">
+        <a:alpha val="50000"/>
+      </a:schemeClr>
+      <a:schemeClr val="accent3">
+        <a:alpha val="50000"/>
+      </a:schemeClr>
+    </dgm:fillClrLst>
+    <dgm:linClrLst meth="repeat">
+      <a:schemeClr val="lt1"/>
+    </dgm:linClrLst>
+    <dgm:effectClrLst/>
+    <dgm:txLinClrLst/>
+    <dgm:txFillClrLst/>
+    <dgm:txEffectClrLst/>
+  </dgm:styleLbl>
+  <dgm:styleLbl name="node2">
+    <dgm:fillClrLst>
+      <a:schemeClr val="accent3"/>
+    </dgm:fillClrLst>
+    <dgm:linClrLst meth="repeat">
+      <a:schemeClr val="lt1"/>
+    </dgm:linClrLst>
+    <dgm:effectClrLst/>
+    <dgm:txLinClrLst/>
+    <dgm:txFillClrLst/>
+    <dgm:txEffectClrLst/>
+  </dgm:styleLbl>
+  <dgm:styleLbl name="node3">
+    <dgm:fillClrLst>
+      <a:schemeClr val="accent4"/>
+    </dgm:fillClrLst>
+    <dgm:linClrLst meth="repeat">
+      <a:schemeClr val="lt1"/>
+    </dgm:linClrLst>
+    <dgm:effectClrLst/>
+    <dgm:txLinClrLst/>
+    <dgm:txFillClrLst/>
+    <dgm:txEffectClrLst/>
+  </dgm:styleLbl>
+  <dgm:styleLbl name="node4">
+    <dgm:fillClrLst>
+      <a:schemeClr val="accent5"/>
+    </dgm:fillClrLst>
+    <dgm:linClrLst meth="repeat">
+      <a:schemeClr val="lt1"/>
+    </dgm:linClrLst>
+    <dgm:effectClrLst/>
+    <dgm:txLinClrLst/>
+    <dgm:txFillClrLst/>
+    <dgm:txEffectClrLst/>
+  </dgm:styleLbl>
+  <dgm:styleLbl name="fgImgPlace1">
+    <dgm:fillClrLst>
+      <a:schemeClr val="accent2">
+        <a:tint val="50000"/>
+      </a:schemeClr>
+      <a:schemeClr val="accent3">
+        <a:tint val="50000"/>
+      </a:schemeClr>
+    </dgm:fillClrLst>
+    <dgm:linClrLst meth="repeat">
+      <a:schemeClr val="lt1"/>
+    </dgm:linClrLst>
+    <dgm:effectClrLst/>
+    <dgm:txLinClrLst/>
+    <dgm:txFillClrLst meth="repeat">
+      <a:schemeClr val="lt1"/>
+    </dgm:txFillClrLst>
+    <dgm:txEffectClrLst/>
+  </dgm:styleLbl>
+  <dgm:styleLbl name="alignImgPlace1">
+    <dgm:fillClrLst>
+      <a:schemeClr val="accent2">
+        <a:tint val="50000"/>
+      </a:schemeClr>
+      <a:schemeClr val="accent3">
+        <a:tint val="20000"/>
+      </a:schemeClr>
+    </dgm:fillClrLst>
+    <dgm:linClrLst meth="repeat">
+      <a:schemeClr val="lt1"/>
+    </dgm:linClrLst>
+    <dgm:effectClrLst/>
+    <dgm:txLinClrLst/>
+    <dgm:txFillClrLst meth="repeat">
+      <a:schemeClr val="lt1"/>
+    </dgm:txFillClrLst>
+    <dgm:txEffectClrLst/>
+  </dgm:styleLbl>
+  <dgm:styleLbl name="bgImgPlace1">
+    <dgm:fillClrLst>
+      <a:schemeClr val="accent2">
+        <a:tint val="50000"/>
+      </a:schemeClr>
+      <a:schemeClr val="accent3">
+        <a:tint val="20000"/>
+      </a:schemeClr>
+    </dgm:fillClrLst>
+    <dgm:linClrLst meth="repeat">
+      <a:schemeClr val="lt1"/>
+    </dgm:linClrLst>
+    <dgm:effectClrLst/>
+    <dgm:txLinClrLst/>
+    <dgm:txFillClrLst meth="repeat">
+      <a:schemeClr val="lt1"/>
+    </dgm:txFillClrLst>
+    <dgm:txEffectClrLst/>
+  </dgm:styleLbl>
+  <dgm:styleLbl name="sibTrans2D1">
+    <dgm:fillClrLst>
+      <a:schemeClr val="accent2"/>
+      <a:schemeClr val="accent3"/>
+    </dgm:fillClrLst>
+    <dgm:linClrLst meth="repeat">
+      <a:schemeClr val="lt1"/>
+    </dgm:linClrLst>
+    <dgm:effectClrLst/>
+    <dgm:txLinClrLst/>
+    <dgm:txFillClrLst/>
+    <dgm:txEffectClrLst/>
+  </dgm:styleLbl>
+  <dgm:styleLbl name="fgSibTrans2D1">
+    <dgm:fillClrLst>
+      <a:schemeClr val="accent2"/>
+      <a:schemeClr val="accent3"/>
+    </dgm:fillClrLst>
+    <dgm:linClrLst meth="repeat">
+      <a:schemeClr val="lt1"/>
+    </dgm:linClrLst>
+    <dgm:effectClrLst/>
+    <dgm:txLinClrLst/>
+    <dgm:txFillClrLst meth="repeat">
+      <a:schemeClr val="lt1"/>
+    </dgm:txFillClrLst>
+    <dgm:txEffectClrLst/>
+  </dgm:styleLbl>
+  <dgm:styleLbl name="bgSibTrans2D1">
+    <dgm:fillClrLst>
+      <a:schemeClr val="accent2"/>
+      <a:schemeClr val="accent3"/>
+    </dgm:fillClrLst>
+    <dgm:linClrLst meth="repeat">
+      <a:schemeClr val="lt1"/>
+    </dgm:linClrLst>
+    <dgm:effectClrLst/>
+    <dgm:txLinClrLst/>
+    <dgm:txFillClrLst meth="repeat">
+      <a:schemeClr val="lt1"/>
+    </dgm:txFillClrLst>
+    <dgm:txEffectClrLst/>
+  </dgm:styleLbl>
+  <dgm:styleLbl name="sibTrans1D1">
+    <dgm:fillClrLst/>
+    <dgm:linClrLst>
+      <a:schemeClr val="accent2"/>
+      <a:schemeClr val="accent3"/>
+    </dgm:linClrLst>
+    <dgm:effectClrLst/>
+    <dgm:txLinClrLst/>
+    <dgm:txFillClrLst meth="repeat">
+      <a:schemeClr val="tx1"/>
+    </dgm:txFillClrLst>
+    <dgm:txEffectClrLst/>
+  </dgm:styleLbl>
+  <dgm:styleLbl name="callout">
+    <dgm:fillClrLst meth="repeat">
+      <a:schemeClr val="accent2"/>
+    </dgm:fillClrLst>
+    <dgm:linClrLst meth="repeat">
+      <a:schemeClr val="accent2">
+        <a:tint val="50000"/>
+      </a:schemeClr>
+    </dgm:linClrLst>
+    <dgm:effectClrLst/>
+    <dgm:txLinClrLst/>
+    <dgm:txFillClrLst meth="repeat">
+      <a:schemeClr val="tx1"/>
+    </dgm:txFillClrLst>
+    <dgm:txEffectClrLst/>
+  </dgm:styleLbl>
+  <dgm:styleLbl name="asst0">
+    <dgm:fillClrLst meth="repeat">
+      <a:schemeClr val="accent2"/>
+    </dgm:fillClrLst>
+    <dgm:linClrLst meth="repeat">
+      <a:schemeClr val="lt1">
+        <a:shade val="80000"/>
+      </a:schemeClr>
+    </dgm:linClrLst>
+    <dgm:effectClrLst/>
+    <dgm:txLinClrLst/>
+    <dgm:txFillClrLst/>
+    <dgm:txEffectClrLst/>
+  </dgm:styleLbl>
+  <dgm:styleLbl name="asst1">
+    <dgm:fillClrLst meth="repeat">
+      <a:schemeClr val="accent3"/>
+    </dgm:fillClrLst>
+    <dgm:linClrLst meth="repeat">
+      <a:schemeClr val="lt1">
+        <a:shade val="80000"/>
+      </a:schemeClr>
+    </dgm:linClrLst>
+    <dgm:effectClrLst/>
+    <dgm:txLinClrLst/>
+    <dgm:txFillClrLst/>
+    <dgm:txEffectClrLst/>
+  </dgm:styleLbl>
+  <dgm:styleLbl name="asst2">
+    <dgm:fillClrLst>
+      <a:schemeClr val="accent4"/>
+    </dgm:fillClrLst>
+    <dgm:linClrLst meth="repeat">
+      <a:schemeClr val="lt1"/>
+    </dgm:linClrLst>
+    <dgm:effectClrLst/>
+    <dgm:txLinClrLst/>
+    <dgm:txFillClrLst/>
+    <dgm:txEffectClrLst/>
+  </dgm:styleLbl>
+  <dgm:styleLbl name="asst3">
+    <dgm:fillClrLst>
+      <a:schemeClr val="accent5"/>
+    </dgm:fillClrLst>
+    <dgm:linClrLst meth="repeat">
+      <a:schemeClr val="lt1"/>
+    </dgm:linClrLst>
+    <dgm:effectClrLst/>
+    <dgm:txLinClrLst/>
+    <dgm:txFillClrLst/>
+    <dgm:txEffectClrLst/>
+  </dgm:styleLbl>
+  <dgm:styleLbl name="asst4">
+    <dgm:fillClrLst>
+      <a:schemeClr val="accent6"/>
+    </dgm:fillClrLst>
+    <dgm:linClrLst meth="repeat">
+      <a:schemeClr val="lt1"/>
+    </dgm:linClrLst>
+    <dgm:effectClrLst/>
+    <dgm:txLinClrLst/>
+    <dgm:txFillClrLst/>
+    <dgm:txEffectClrLst/>
+  </dgm:styleLbl>
+  <dgm:styleLbl name="parChTrans2D1">
+    <dgm:fillClrLst meth="repeat">
+      <a:schemeClr val="accent2"/>
+    </dgm:fillClrLst>
+    <dgm:linClrLst meth="repeat">
+      <a:schemeClr val="lt1"/>
+    </dgm:linClrLst>
+    <dgm:effectClrLst/>
+    <dgm:txLinClrLst/>
+    <dgm:txFillClrLst meth="repeat">
+      <a:schemeClr val="lt1"/>
+    </dgm:txFillClrLst>
+    <dgm:txEffectClrLst/>
+  </dgm:styleLbl>
+  <dgm:styleLbl name="parChTrans2D2">
+    <dgm:fillClrLst meth="repeat">
+      <a:schemeClr val="accent3"/>
+    </dgm:fillClrLst>
+    <dgm:linClrLst meth="repeat">
+      <a:schemeClr val="lt1"/>
+    </dgm:linClrLst>
+    <dgm:effectClrLst/>
+    <dgm:txLinClrLst/>
+    <dgm:txFillClrLst/>
+    <dgm:txEffectClrLst/>
+  </dgm:styleLbl>
+  <dgm:styleLbl name="parChTrans2D3">
+    <dgm:fillClrLst meth="repeat">
+      <a:schemeClr val="accent4"/>
+    </dgm:fillClrLst>
+    <dgm:linClrLst meth="repeat">
+      <a:schemeClr val="lt1"/>
+    </dgm:linClrLst>
+    <dgm:effectClrLst/>
+    <dgm:txLinClrLst/>
+    <dgm:txFillClrLst/>
+    <dgm:txEffectClrLst/>
+  </dgm:styleLbl>
+  <dgm:styleLbl name="parChTrans2D4">
+    <dgm:fillClrLst meth="repeat">
+      <a:schemeClr val="accent5"/>
+    </dgm:fillClrLst>
+    <dgm:linClrLst meth="repeat">
+      <a:schemeClr val="lt1"/>
+    </dgm:linClrLst>
+    <dgm:effectClrLst/>
+    <dgm:txLinClrLst/>
+    <dgm:txFillClrLst meth="repeat">
+      <a:schemeClr val="lt1"/>
+    </dgm:txFillClrLst>
+    <dgm:txEffectClrLst/>
+  </dgm:styleLbl>
+  <dgm:styleLbl name="parChTrans1D1">
+    <dgm:fillClrLst meth="repeat">
+      <a:schemeClr val="accent2"/>
+    </dgm:fillClrLst>
+    <dgm:linClrLst meth="repeat">
+      <a:schemeClr val="accent2"/>
+    </dgm:linClrLst>
+    <dgm:effectClrLst/>
+    <dgm:txLinClrLst/>
+    <dgm:txFillClrLst meth="repeat">
+      <a:schemeClr val="tx1"/>
+    </dgm:txFillClrLst>
+    <dgm:txEffectClrLst/>
+  </dgm:styleLbl>
+  <dgm:styleLbl name="parChTrans1D2">
+    <dgm:fillClrLst meth="repeat">
+      <a:schemeClr val="accent2">
+        <a:tint val="90000"/>
+      </a:schemeClr>
+    </dgm:fillClrLst>
+    <dgm:linClrLst meth="repeat">
+      <a:schemeClr val="accent3"/>
+    </dgm:linClrLst>
+    <dgm:effectClrLst/>
+    <dgm:txLinClrLst/>
+    <dgm:txFillClrLst meth="repeat">
+      <a:schemeClr val="tx1"/>
+    </dgm:txFillClrLst>
+    <dgm:txEffectClrLst/>
+  </dgm:styleLbl>
+  <dgm:styleLbl name="parChTrans1D3">
+    <dgm:fillClrLst meth="repeat">
+      <a:schemeClr val="accent2">
+        <a:tint val="70000"/>
+      </a:schemeClr>
+    </dgm:fillClrLst>
+    <dgm:linClrLst meth="repeat">
+      <a:schemeClr val="accent4"/>
+    </dgm:linClrLst>
+    <dgm:effectClrLst/>
+    <dgm:txLinClrLst/>
+    <dgm:txFillClrLst meth="repeat">
+      <a:schemeClr val="tx1"/>
+    </dgm:txFillClrLst>
+    <dgm:txEffectClrLst/>
+  </dgm:styleLbl>
+  <dgm:styleLbl name="parChTrans1D4">
+    <dgm:fillClrLst meth="repeat">
+      <a:schemeClr val="accent2">
+        <a:tint val="50000"/>
+      </a:schemeClr>
+    </dgm:fillClrLst>
+    <dgm:linClrLst meth="repeat">
+      <a:schemeClr val="accent5"/>
+    </dgm:linClrLst>
+    <dgm:effectClrLst/>
+    <dgm:txLinClrLst/>
+    <dgm:txFillClrLst meth="repeat">
+      <a:schemeClr val="tx1"/>
+    </dgm:txFillClrLst>
+    <dgm:txEffectClrLst/>
+  </dgm:styleLbl>
+  <dgm:styleLbl name="fgAcc1">
+    <dgm:fillClrLst meth="repeat">
+      <a:schemeClr val="lt1">
+        <a:alpha val="90000"/>
+      </a:schemeClr>
+    </dgm:fillClrLst>
+    <dgm:linClrLst>
+      <a:schemeClr val="accent2"/>
+      <a:schemeClr val="accent3"/>
+    </dgm:linClrLst>
+    <dgm:effectClrLst/>
+    <dgm:txLinClrLst/>
+    <dgm:txFillClrLst meth="repeat">
+      <a:schemeClr val="dk1"/>
+    </dgm:txFillClrLst>
+    <dgm:txEffectClrLst/>
+  </dgm:styleLbl>
+  <dgm:styleLbl name="conFgAcc1">
+    <dgm:fillClrLst meth="repeat">
+      <a:schemeClr val="lt1">
+        <a:alpha val="90000"/>
+      </a:schemeClr>
+    </dgm:fillClrLst>
+    <dgm:linClrLst>
+      <a:schemeClr val="accent2"/>
+      <a:schemeClr val="accent3"/>
+    </dgm:linClrLst>
+    <dgm:effectClrLst/>
+    <dgm:txLinClrLst/>
+    <dgm:txFillClrLst meth="repeat">
+      <a:schemeClr val="dk1"/>
+    </dgm:txFillClrLst>
+    <dgm:txEffectClrLst/>
+  </dgm:styleLbl>
+  <dgm:styleLbl name="alignAcc1">
+    <dgm:fillClrLst meth="repeat">
+      <a:schemeClr val="lt1">
+        <a:alpha val="90000"/>
+      </a:schemeClr>
+    </dgm:fillClrLst>
+    <dgm:linClrLst>
+      <a:schemeClr val="accent2"/>
+      <a:schemeClr val="accent3"/>
+    </dgm:linClrLst>
+    <dgm:effectClrLst/>
+    <dgm:txLinClrLst/>
+    <dgm:txFillClrLst meth="repeat">
+      <a:schemeClr val="dk1"/>
+    </dgm:txFillClrLst>
+    <dgm:txEffectClrLst/>
+  </dgm:styleLbl>
+  <dgm:styleLbl name="trAlignAcc1">
+    <dgm:fillClrLst meth="repeat">
+      <a:schemeClr val="lt1">
+        <a:alpha val="40000"/>
+      </a:schemeClr>
+    </dgm:fillClrLst>
+    <dgm:linClrLst meth="repeat">
+      <a:schemeClr val="accent2"/>
+    </dgm:linClrLst>
+    <dgm:effectClrLst/>
+    <dgm:txLinClrLst/>
+    <dgm:txFillClrLst meth="repeat">
+      <a:schemeClr val="dk1"/>
+    </dgm:txFillClrLst>
+    <dgm:txEffectClrLst/>
+  </dgm:styleLbl>
+  <dgm:styleLbl name="bgAcc1">
+    <dgm:fillClrLst meth="repeat">
+      <a:schemeClr val="lt1">
+        <a:alpha val="90000"/>
+      </a:schemeClr>
+    </dgm:fillClrLst>
+    <dgm:linClrLst>
+      <a:schemeClr val="accent2"/>
+      <a:schemeClr val="accent3"/>
+    </dgm:linClrLst>
+    <dgm:effectClrLst/>
+    <dgm:txLinClrLst/>
+    <dgm:txFillClrLst meth="repeat">
+      <a:schemeClr val="dk1"/>
+    </dgm:txFillClrLst>
+    <dgm:txEffectClrLst/>
+  </dgm:styleLbl>
+  <dgm:styleLbl name="solidFgAcc1">
+    <dgm:fillClrLst meth="repeat">
+      <a:schemeClr val="lt1"/>
+    </dgm:fillClrLst>
+    <dgm:linClrLst>
+      <a:schemeClr val="accent2"/>
+      <a:schemeClr val="accent3"/>
+    </dgm:linClrLst>
+    <dgm:effectClrLst/>
+    <dgm:txLinClrLst/>
+    <dgm:txFillClrLst meth="repeat">
+      <a:schemeClr val="dk1"/>
+    </dgm:txFillClrLst>
+    <dgm:txEffectClrLst/>
+  </dgm:styleLbl>
+  <dgm:styleLbl name="solidAlignAcc1">
+    <dgm:fillClrLst meth="repeat">
+      <a:schemeClr val="lt1"/>
+    </dgm:fillClrLst>
+    <dgm:linClrLst>
+      <a:schemeClr val="accent2"/>
+      <a:schemeClr val="accent3"/>
+    </dgm:linClrLst>
+    <dgm:effectClrLst/>
+    <dgm:txLinClrLst/>
+    <dgm:txFillClrLst meth="repeat">
+      <a:schemeClr val="dk1"/>
+    </dgm:txFillClrLst>
+    <dgm:txEffectClrLst/>
+  </dgm:styleLbl>
+  <dgm:styleLbl name="solidBgAcc1">
+    <dgm:fillClrLst meth="repeat">
+      <a:schemeClr val="lt1"/>
+    </dgm:fillClrLst>
+    <dgm:linClrLst>
+      <a:schemeClr val="accent2"/>
+      <a:schemeClr val="accent3"/>
+    </dgm:linClrLst>
+    <dgm:effectClrLst/>
+    <dgm:txLinClrLst/>
+    <dgm:txFillClrLst meth="repeat">
+      <a:schemeClr val="dk1"/>
+    </dgm:txFillClrLst>
+    <dgm:txEffectClrLst/>
+  </dgm:styleLbl>
+  <dgm:styleLbl name="fgAccFollowNode1">
+    <dgm:fillClrLst>
+      <a:schemeClr val="accent2">
+        <a:tint val="40000"/>
+        <a:alpha val="90000"/>
+      </a:schemeClr>
+      <a:schemeClr val="accent3">
+        <a:tint val="40000"/>
+        <a:alpha val="90000"/>
+      </a:schemeClr>
+    </dgm:fillClrLst>
+    <dgm:linClrLst>
+      <a:schemeClr val="accent2">
+        <a:tint val="40000"/>
+        <a:alpha val="90000"/>
+      </a:schemeClr>
+      <a:schemeClr val="accent3">
+        <a:tint val="40000"/>
+        <a:alpha val="90000"/>
+      </a:schemeClr>
+    </dgm:linClrLst>
+    <dgm:effectClrLst/>
+    <dgm:txLinClrLst/>
+    <dgm:txFillClrLst meth="repeat">
+      <a:schemeClr val="dk1"/>
+    </dgm:txFillClrLst>
+    <dgm:txEffectClrLst/>
+  </dgm:styleLbl>
+  <dgm:styleLbl name="alignAccFollowNode1">
+    <dgm:fillClrLst>
+      <a:schemeClr val="accent2">
+        <a:tint val="40000"/>
+        <a:alpha val="90000"/>
+      </a:schemeClr>
+      <a:schemeClr val="accent3">
+        <a:tint val="40000"/>
+        <a:alpha val="90000"/>
+      </a:schemeClr>
+    </dgm:fillClrLst>
+    <dgm:linClrLst>
+      <a:schemeClr val="accent2">
+        <a:tint val="40000"/>
+        <a:alpha val="90000"/>
+      </a:schemeClr>
+      <a:schemeClr val="accent3">
+        <a:tint val="40000"/>
+        <a:alpha val="90000"/>
+      </a:schemeClr>
+    </dgm:linClrLst>
+    <dgm:effectClrLst/>
+    <dgm:txLinClrLst/>
+    <dgm:txFillClrLst meth="repeat">
+      <a:schemeClr val="dk1"/>
+    </dgm:txFillClrLst>
+    <dgm:txEffectClrLst/>
+  </dgm:styleLbl>
+  <dgm:styleLbl name="bgAccFollowNode1">
+    <dgm:fillClrLst>
+      <a:schemeClr val="accent2">
+        <a:tint val="40000"/>
+        <a:alpha val="90000"/>
+      </a:schemeClr>
+      <a:schemeClr val="accent3">
+        <a:tint val="40000"/>
+        <a:alpha val="90000"/>
+      </a:schemeClr>
+    </dgm:fillClrLst>
+    <dgm:linClrLst>
+      <a:schemeClr val="accent2">
+        <a:tint val="40000"/>
+        <a:alpha val="90000"/>
+      </a:schemeClr>
+      <a:schemeClr val="accent3">
+        <a:tint val="40000"/>
+        <a:alpha val="90000"/>
+      </a:schemeClr>
+    </dgm:linClrLst>
+    <dgm:effectClrLst/>
+    <dgm:txLinClrLst/>
+    <dgm:txFillClrLst meth="repeat">
+      <a:schemeClr val="dk1"/>
+    </dgm:txFillClrLst>
+    <dgm:txEffectClrLst/>
+  </dgm:styleLbl>
+  <dgm:styleLbl name="fgAcc0">
+    <dgm:fillClrLst meth="repeat">
+      <a:schemeClr val="lt1">
+        <a:alpha val="90000"/>
+      </a:schemeClr>
+    </dgm:fillClrLst>
+    <dgm:linClrLst>
+      <a:schemeClr val="accent1"/>
+    </dgm:linClrLst>
+    <dgm:effectClrLst/>
+    <dgm:txLinClrLst/>
+    <dgm:txFillClrLst meth="repeat">
+      <a:schemeClr val="dk1"/>
+    </dgm:txFillClrLst>
+    <dgm:txEffectClrLst/>
+  </dgm:styleLbl>
+  <dgm:styleLbl name="fgAcc2">
+    <dgm:fillClrLst meth="repeat">
+      <a:schemeClr val="lt1">
+        <a:alpha val="90000"/>
+      </a:schemeClr>
+    </dgm:fillClrLst>
+    <dgm:linClrLst>
+      <a:schemeClr val="accent3"/>
+    </dgm:linClrLst>
+    <dgm:effectClrLst/>
+    <dgm:txLinClrLst/>
+    <dgm:txFillClrLst meth="repeat">
+      <a:schemeClr val="dk1"/>
+    </dgm:txFillClrLst>
+    <dgm:txEffectClrLst/>
+  </dgm:styleLbl>
+  <dgm:styleLbl name="fgAcc3">
+    <dgm:fillClrLst meth="repeat">
+      <a:schemeClr val="lt1">
+        <a:alpha val="90000"/>
+      </a:schemeClr>
+    </dgm:fillClrLst>
+    <dgm:linClrLst>
+      <a:schemeClr val="accent4"/>
+    </dgm:linClrLst>
+    <dgm:effectClrLst/>
+    <dgm:txLinClrLst/>
+    <dgm:txFillClrLst meth="repeat">
+      <a:schemeClr val="dk1"/>
+    </dgm:txFillClrLst>
+    <dgm:txEffectClrLst/>
+  </dgm:styleLbl>
+  <dgm:styleLbl name="fgAcc4">
+    <dgm:fillClrLst meth="repeat">
+      <a:schemeClr val="lt1">
+        <a:alpha val="90000"/>
+      </a:schemeClr>
+    </dgm:fillClrLst>
+    <dgm:linClrLst>
+      <a:schemeClr val="accent5"/>
+    </dgm:linClrLst>
+    <dgm:effectClrLst/>
+    <dgm:txLinClrLst/>
+    <dgm:txFillClrLst meth="repeat">
+      <a:schemeClr val="dk1"/>
+    </dgm:txFillClrLst>
+    <dgm:txEffectClrLst/>
+  </dgm:styleLbl>
+  <dgm:styleLbl name="bgShp">
+    <dgm:fillClrLst meth="repeat">
+      <a:schemeClr val="accent2">
+        <a:tint val="40000"/>
+      </a:schemeClr>
+    </dgm:fillClrLst>
+    <dgm:linClrLst meth="repeat">
+      <a:schemeClr val="dk1"/>
+    </dgm:linClrLst>
+    <dgm:effectClrLst/>
+    <dgm:txLinClrLst/>
+    <dgm:txFillClrLst meth="repeat">
+      <a:schemeClr val="dk1"/>
+    </dgm:txFillClrLst>
+    <dgm:txEffectClrLst/>
+  </dgm:styleLbl>
+  <dgm:styleLbl name="dkBgShp">
+    <dgm:fillClrLst meth="repeat">
+      <a:schemeClr val="accent2">
+        <a:shade val="90000"/>
+      </a:schemeClr>
+    </dgm:fillClrLst>
+    <dgm:linClrLst meth="repeat">
+      <a:schemeClr val="dk1"/>
+    </dgm:linClrLst>
+    <dgm:effectClrLst/>
+    <dgm:txLinClrLst/>
+    <dgm:txFillClrLst meth="repeat">
+      <a:schemeClr val="lt1"/>
+    </dgm:txFillClrLst>
+    <dgm:txEffectClrLst/>
+  </dgm:styleLbl>
+  <dgm:styleLbl name="trBgShp">
+    <dgm:fillClrLst meth="repeat">
+      <a:schemeClr val="accent2">
         <a:tint val="50000"/>
         <a:alpha val="40000"/>
       </a:schemeClr>
@@ -1273,6 +2982,428 @@
     <dgm:cxn modelId="{AA9D46BF-9865-4366-9DD4-6742D8125F5F}" type="presParOf" srcId="{7715CBA4-14BB-45CC-8017-6B9520ED4259}" destId="{6D849F70-1B29-409F-B516-C9F6C916263B}" srcOrd="1" destOrd="0" presId="urn:microsoft.com/office/officeart/2018/2/layout/IconCircleList"/>
     <dgm:cxn modelId="{EB1647DE-EDD7-41F0-800D-4A7694BB1543}" type="presParOf" srcId="{7715CBA4-14BB-45CC-8017-6B9520ED4259}" destId="{B0BC1663-B929-43B0-8A83-FBF8C7A0ABEB}" srcOrd="2" destOrd="0" presId="urn:microsoft.com/office/officeart/2018/2/layout/IconCircleList"/>
     <dgm:cxn modelId="{35ACD93D-6B7C-491D-AA47-45781FD5CBDF}" type="presParOf" srcId="{7715CBA4-14BB-45CC-8017-6B9520ED4259}" destId="{FC143FD9-91B3-40EA-9457-6D60D8FCAE74}" srcOrd="3" destOrd="0" presId="urn:microsoft.com/office/officeart/2018/2/layout/IconCircleList"/>
+  </dgm:cxnLst>
+  <dgm:bg/>
+  <dgm:whole/>
+  <dgm:extLst>
+    <a:ext uri="http://schemas.microsoft.com/office/drawing/2008/diagram">
+      <dsp:dataModelExt xmlns:dsp="http://schemas.microsoft.com/office/drawing/2008/diagram" relId="rId6" minVer="http://schemas.openxmlformats.org/drawingml/2006/diagram"/>
+    </a:ext>
+  </dgm:extLst>
+</dgm:dataModel>
+</file>
+
+<file path=ppt/diagrams/data2.xml><?xml version="1.0" encoding="utf-8"?>
+<dgm:dataModel xmlns:dgm="http://schemas.openxmlformats.org/drawingml/2006/diagram" xmlns:a="http://schemas.openxmlformats.org/drawingml/2006/main">
+  <dgm:ptLst>
+    <dgm:pt modelId="{3B3425EA-3B1F-44B4-82CB-79925FCCABB8}" type="doc">
+      <dgm:prSet loTypeId="urn:microsoft.com/office/officeart/2018/2/layout/IconVerticalSolidList" loCatId="icon" qsTypeId="urn:microsoft.com/office/officeart/2005/8/quickstyle/simple1" qsCatId="simple" csTypeId="urn:microsoft.com/office/officeart/2018/5/colors/Iconchunking_neutralicontext_colorful1" csCatId="colorful" phldr="1"/>
+      <dgm:spPr/>
+      <dgm:t>
+        <a:bodyPr/>
+        <a:lstStyle/>
+        <a:p>
+          <a:endParaRPr lang="en-US"/>
+        </a:p>
+      </dgm:t>
+    </dgm:pt>
+    <dgm:pt modelId="{5EDBC916-3C9F-49BD-810C-157C33F96997}">
+      <dgm:prSet/>
+      <dgm:spPr/>
+      <dgm:t>
+        <a:bodyPr/>
+        <a:lstStyle/>
+        <a:p>
+          <a:r>
+            <a:rPr lang="pt-PT"/>
+            <a:t>Foram utilizados vários modelos de classificação de modo a fazer previsões sobre um atributo.</a:t>
+          </a:r>
+          <a:endParaRPr lang="en-US"/>
+        </a:p>
+      </dgm:t>
+    </dgm:pt>
+    <dgm:pt modelId="{902D4CB7-E2DA-4108-8DC4-623DE7C27629}" type="parTrans" cxnId="{67633D9E-BE19-4C7C-942B-72492611B161}">
+      <dgm:prSet/>
+      <dgm:spPr/>
+      <dgm:t>
+        <a:bodyPr/>
+        <a:lstStyle/>
+        <a:p>
+          <a:endParaRPr lang="en-US"/>
+        </a:p>
+      </dgm:t>
+    </dgm:pt>
+    <dgm:pt modelId="{48B06FA3-D715-428A-903F-998663580412}" type="sibTrans" cxnId="{67633D9E-BE19-4C7C-942B-72492611B161}">
+      <dgm:prSet/>
+      <dgm:spPr/>
+      <dgm:t>
+        <a:bodyPr/>
+        <a:lstStyle/>
+        <a:p>
+          <a:endParaRPr lang="en-US"/>
+        </a:p>
+      </dgm:t>
+    </dgm:pt>
+    <dgm:pt modelId="{06C98559-0B43-490A-8C59-913E34C0019C}">
+      <dgm:prSet/>
+      <dgm:spPr/>
+      <dgm:t>
+        <a:bodyPr/>
+        <a:lstStyle/>
+        <a:p>
+          <a:r>
+            <a:rPr lang="pt-PT"/>
+            <a:t>Árvore de decisão, rede neuronal, SVM e k-nearest neighbors</a:t>
+          </a:r>
+          <a:endParaRPr lang="en-US"/>
+        </a:p>
+      </dgm:t>
+    </dgm:pt>
+    <dgm:pt modelId="{21328AB5-1884-4F57-AE47-657143DABA7B}" type="parTrans" cxnId="{E2D89D92-C433-4F3A-8545-7B7B89463FBD}">
+      <dgm:prSet/>
+      <dgm:spPr/>
+      <dgm:t>
+        <a:bodyPr/>
+        <a:lstStyle/>
+        <a:p>
+          <a:endParaRPr lang="en-US"/>
+        </a:p>
+      </dgm:t>
+    </dgm:pt>
+    <dgm:pt modelId="{B2B2F539-4693-424F-9424-63D7335B0A4D}" type="sibTrans" cxnId="{E2D89D92-C433-4F3A-8545-7B7B89463FBD}">
+      <dgm:prSet/>
+      <dgm:spPr/>
+      <dgm:t>
+        <a:bodyPr/>
+        <a:lstStyle/>
+        <a:p>
+          <a:endParaRPr lang="en-US"/>
+        </a:p>
+      </dgm:t>
+    </dgm:pt>
+    <dgm:pt modelId="{B1E4BDE3-0831-4B19-9949-AD94E2F9E0BE}" type="pres">
+      <dgm:prSet presAssocID="{3B3425EA-3B1F-44B4-82CB-79925FCCABB8}" presName="root" presStyleCnt="0">
+        <dgm:presLayoutVars>
+          <dgm:dir/>
+          <dgm:resizeHandles val="exact"/>
+        </dgm:presLayoutVars>
+      </dgm:prSet>
+      <dgm:spPr/>
+    </dgm:pt>
+    <dgm:pt modelId="{5CAAEE62-0341-40F1-962C-A427ED296C64}" type="pres">
+      <dgm:prSet presAssocID="{5EDBC916-3C9F-49BD-810C-157C33F96997}" presName="compNode" presStyleCnt="0"/>
+      <dgm:spPr/>
+    </dgm:pt>
+    <dgm:pt modelId="{A29B3262-3C60-46CA-89D3-C67BB243F98F}" type="pres">
+      <dgm:prSet presAssocID="{5EDBC916-3C9F-49BD-810C-157C33F96997}" presName="bgRect" presStyleLbl="bgShp" presStyleIdx="0" presStyleCnt="2"/>
+      <dgm:spPr/>
+    </dgm:pt>
+    <dgm:pt modelId="{4A67C295-27FB-4EFF-9FF3-D698C17BE6B7}" type="pres">
+      <dgm:prSet presAssocID="{5EDBC916-3C9F-49BD-810C-157C33F96997}" presName="iconRect" presStyleLbl="node1" presStyleIdx="0" presStyleCnt="2"/>
+      <dgm:spPr>
+        <a:blipFill>
+          <a:blip xmlns:r="http://schemas.openxmlformats.org/officeDocument/2006/relationships" r:embed="rId1">
+            <a:extLst>
+              <a:ext uri="{28A0092B-C50C-407E-A947-70E740481C1C}">
+                <a14:useLocalDpi xmlns:a14="http://schemas.microsoft.com/office/drawing/2010/main" val="0"/>
+              </a:ext>
+              <a:ext uri="{96DAC541-7B7A-43D3-8B79-37D633B846F1}">
+                <asvg:svgBlip xmlns:asvg="http://schemas.microsoft.com/office/drawing/2016/SVG/main" r:embed="rId2"/>
+              </a:ext>
+            </a:extLst>
+          </a:blip>
+          <a:stretch>
+            <a:fillRect/>
+          </a:stretch>
+        </a:blipFill>
+        <a:ln>
+          <a:noFill/>
+        </a:ln>
+      </dgm:spPr>
+      <dgm:extLst>
+        <a:ext uri="{E40237B7-FDA0-4F09-8148-C483321AD2D9}">
+          <dgm14:cNvPr xmlns:dgm14="http://schemas.microsoft.com/office/drawing/2010/diagram" id="0" name="" descr="Base de Dados"/>
+        </a:ext>
+      </dgm:extLst>
+    </dgm:pt>
+    <dgm:pt modelId="{33042331-CEE1-42B0-825E-5F9E2636AC52}" type="pres">
+      <dgm:prSet presAssocID="{5EDBC916-3C9F-49BD-810C-157C33F96997}" presName="spaceRect" presStyleCnt="0"/>
+      <dgm:spPr/>
+    </dgm:pt>
+    <dgm:pt modelId="{B25443FD-9AD9-4717-8737-070CF78DB2D5}" type="pres">
+      <dgm:prSet presAssocID="{5EDBC916-3C9F-49BD-810C-157C33F96997}" presName="parTx" presStyleLbl="revTx" presStyleIdx="0" presStyleCnt="2">
+        <dgm:presLayoutVars>
+          <dgm:chMax val="0"/>
+          <dgm:chPref val="0"/>
+        </dgm:presLayoutVars>
+      </dgm:prSet>
+      <dgm:spPr/>
+    </dgm:pt>
+    <dgm:pt modelId="{6722D5C3-9A1B-4088-8369-5F881C2376E4}" type="pres">
+      <dgm:prSet presAssocID="{48B06FA3-D715-428A-903F-998663580412}" presName="sibTrans" presStyleCnt="0"/>
+      <dgm:spPr/>
+    </dgm:pt>
+    <dgm:pt modelId="{772888C9-0F9D-46D3-8F5E-7A6BDC1439F2}" type="pres">
+      <dgm:prSet presAssocID="{06C98559-0B43-490A-8C59-913E34C0019C}" presName="compNode" presStyleCnt="0"/>
+      <dgm:spPr/>
+    </dgm:pt>
+    <dgm:pt modelId="{E00FF2E6-6CE9-406A-952E-B0E4B8BFB568}" type="pres">
+      <dgm:prSet presAssocID="{06C98559-0B43-490A-8C59-913E34C0019C}" presName="bgRect" presStyleLbl="bgShp" presStyleIdx="1" presStyleCnt="2"/>
+      <dgm:spPr/>
+    </dgm:pt>
+    <dgm:pt modelId="{A00FD688-F9BF-4D79-BB1B-72AC63C57B55}" type="pres">
+      <dgm:prSet presAssocID="{06C98559-0B43-490A-8C59-913E34C0019C}" presName="iconRect" presStyleLbl="node1" presStyleIdx="1" presStyleCnt="2"/>
+      <dgm:spPr>
+        <a:blipFill>
+          <a:blip xmlns:r="http://schemas.openxmlformats.org/officeDocument/2006/relationships" r:embed="rId3">
+            <a:extLst>
+              <a:ext uri="{28A0092B-C50C-407E-A947-70E740481C1C}">
+                <a14:useLocalDpi xmlns:a14="http://schemas.microsoft.com/office/drawing/2010/main" val="0"/>
+              </a:ext>
+              <a:ext uri="{96DAC541-7B7A-43D3-8B79-37D633B846F1}">
+                <asvg:svgBlip xmlns:asvg="http://schemas.microsoft.com/office/drawing/2016/SVG/main" r:embed="rId4"/>
+              </a:ext>
+            </a:extLst>
+          </a:blip>
+          <a:stretch>
+            <a:fillRect/>
+          </a:stretch>
+        </a:blipFill>
+        <a:ln>
+          <a:noFill/>
+        </a:ln>
+      </dgm:spPr>
+      <dgm:extLst>
+        <a:ext uri="{E40237B7-FDA0-4F09-8148-C483321AD2D9}">
+          <dgm14:cNvPr xmlns:dgm14="http://schemas.microsoft.com/office/drawing/2010/diagram" id="0" name="" descr="Cérebro"/>
+        </a:ext>
+      </dgm:extLst>
+    </dgm:pt>
+    <dgm:pt modelId="{7A79E929-DEC1-4BFE-BB97-73EFC637CDC4}" type="pres">
+      <dgm:prSet presAssocID="{06C98559-0B43-490A-8C59-913E34C0019C}" presName="spaceRect" presStyleCnt="0"/>
+      <dgm:spPr/>
+    </dgm:pt>
+    <dgm:pt modelId="{7B40EACE-79E2-4810-A653-72025702A066}" type="pres">
+      <dgm:prSet presAssocID="{06C98559-0B43-490A-8C59-913E34C0019C}" presName="parTx" presStyleLbl="revTx" presStyleIdx="1" presStyleCnt="2">
+        <dgm:presLayoutVars>
+          <dgm:chMax val="0"/>
+          <dgm:chPref val="0"/>
+        </dgm:presLayoutVars>
+      </dgm:prSet>
+      <dgm:spPr/>
+    </dgm:pt>
+  </dgm:ptLst>
+  <dgm:cxnLst>
+    <dgm:cxn modelId="{75248B6C-0093-476A-B5A8-439BF18BEFDC}" type="presOf" srcId="{5EDBC916-3C9F-49BD-810C-157C33F96997}" destId="{B25443FD-9AD9-4717-8737-070CF78DB2D5}" srcOrd="0" destOrd="0" presId="urn:microsoft.com/office/officeart/2018/2/layout/IconVerticalSolidList"/>
+    <dgm:cxn modelId="{84687771-F0FA-4A61-980D-0E4626B9D567}" type="presOf" srcId="{3B3425EA-3B1F-44B4-82CB-79925FCCABB8}" destId="{B1E4BDE3-0831-4B19-9949-AD94E2F9E0BE}" srcOrd="0" destOrd="0" presId="urn:microsoft.com/office/officeart/2018/2/layout/IconVerticalSolidList"/>
+    <dgm:cxn modelId="{2036468B-D5D1-4C6A-BDDD-3E8DF26BC8E9}" type="presOf" srcId="{06C98559-0B43-490A-8C59-913E34C0019C}" destId="{7B40EACE-79E2-4810-A653-72025702A066}" srcOrd="0" destOrd="0" presId="urn:microsoft.com/office/officeart/2018/2/layout/IconVerticalSolidList"/>
+    <dgm:cxn modelId="{E2D89D92-C433-4F3A-8545-7B7B89463FBD}" srcId="{3B3425EA-3B1F-44B4-82CB-79925FCCABB8}" destId="{06C98559-0B43-490A-8C59-913E34C0019C}" srcOrd="1" destOrd="0" parTransId="{21328AB5-1884-4F57-AE47-657143DABA7B}" sibTransId="{B2B2F539-4693-424F-9424-63D7335B0A4D}"/>
+    <dgm:cxn modelId="{67633D9E-BE19-4C7C-942B-72492611B161}" srcId="{3B3425EA-3B1F-44B4-82CB-79925FCCABB8}" destId="{5EDBC916-3C9F-49BD-810C-157C33F96997}" srcOrd="0" destOrd="0" parTransId="{902D4CB7-E2DA-4108-8DC4-623DE7C27629}" sibTransId="{48B06FA3-D715-428A-903F-998663580412}"/>
+    <dgm:cxn modelId="{EA90CDFB-1C10-41A5-9A92-B858725CE636}" type="presParOf" srcId="{B1E4BDE3-0831-4B19-9949-AD94E2F9E0BE}" destId="{5CAAEE62-0341-40F1-962C-A427ED296C64}" srcOrd="0" destOrd="0" presId="urn:microsoft.com/office/officeart/2018/2/layout/IconVerticalSolidList"/>
+    <dgm:cxn modelId="{15E74CC3-DB64-4127-B938-8CDF154F0B92}" type="presParOf" srcId="{5CAAEE62-0341-40F1-962C-A427ED296C64}" destId="{A29B3262-3C60-46CA-89D3-C67BB243F98F}" srcOrd="0" destOrd="0" presId="urn:microsoft.com/office/officeart/2018/2/layout/IconVerticalSolidList"/>
+    <dgm:cxn modelId="{0284C9CC-E08A-426A-A01F-612AACE84FEF}" type="presParOf" srcId="{5CAAEE62-0341-40F1-962C-A427ED296C64}" destId="{4A67C295-27FB-4EFF-9FF3-D698C17BE6B7}" srcOrd="1" destOrd="0" presId="urn:microsoft.com/office/officeart/2018/2/layout/IconVerticalSolidList"/>
+    <dgm:cxn modelId="{780443EB-FBC9-4D77-AC85-DD7FCF697398}" type="presParOf" srcId="{5CAAEE62-0341-40F1-962C-A427ED296C64}" destId="{33042331-CEE1-42B0-825E-5F9E2636AC52}" srcOrd="2" destOrd="0" presId="urn:microsoft.com/office/officeart/2018/2/layout/IconVerticalSolidList"/>
+    <dgm:cxn modelId="{ECD72C48-4C62-42E1-9A7C-C88AD82D13A2}" type="presParOf" srcId="{5CAAEE62-0341-40F1-962C-A427ED296C64}" destId="{B25443FD-9AD9-4717-8737-070CF78DB2D5}" srcOrd="3" destOrd="0" presId="urn:microsoft.com/office/officeart/2018/2/layout/IconVerticalSolidList"/>
+    <dgm:cxn modelId="{3ACB9A35-41C3-415E-8FB9-C3276FB1FDA0}" type="presParOf" srcId="{B1E4BDE3-0831-4B19-9949-AD94E2F9E0BE}" destId="{6722D5C3-9A1B-4088-8369-5F881C2376E4}" srcOrd="1" destOrd="0" presId="urn:microsoft.com/office/officeart/2018/2/layout/IconVerticalSolidList"/>
+    <dgm:cxn modelId="{6C228077-9DE9-441D-A9B2-D7191584B913}" type="presParOf" srcId="{B1E4BDE3-0831-4B19-9949-AD94E2F9E0BE}" destId="{772888C9-0F9D-46D3-8F5E-7A6BDC1439F2}" srcOrd="2" destOrd="0" presId="urn:microsoft.com/office/officeart/2018/2/layout/IconVerticalSolidList"/>
+    <dgm:cxn modelId="{86A4BA1F-445A-4CFD-9C57-A813A86E9BD2}" type="presParOf" srcId="{772888C9-0F9D-46D3-8F5E-7A6BDC1439F2}" destId="{E00FF2E6-6CE9-406A-952E-B0E4B8BFB568}" srcOrd="0" destOrd="0" presId="urn:microsoft.com/office/officeart/2018/2/layout/IconVerticalSolidList"/>
+    <dgm:cxn modelId="{420CC083-4FC6-45DA-B50B-52E7625DC95B}" type="presParOf" srcId="{772888C9-0F9D-46D3-8F5E-7A6BDC1439F2}" destId="{A00FD688-F9BF-4D79-BB1B-72AC63C57B55}" srcOrd="1" destOrd="0" presId="urn:microsoft.com/office/officeart/2018/2/layout/IconVerticalSolidList"/>
+    <dgm:cxn modelId="{11238426-517C-4A98-B33F-5D59DAD5C886}" type="presParOf" srcId="{772888C9-0F9D-46D3-8F5E-7A6BDC1439F2}" destId="{7A79E929-DEC1-4BFE-BB97-73EFC637CDC4}" srcOrd="2" destOrd="0" presId="urn:microsoft.com/office/officeart/2018/2/layout/IconVerticalSolidList"/>
+    <dgm:cxn modelId="{DB253B23-6954-4823-8B98-7218B9CD3777}" type="presParOf" srcId="{772888C9-0F9D-46D3-8F5E-7A6BDC1439F2}" destId="{7B40EACE-79E2-4810-A653-72025702A066}" srcOrd="3" destOrd="0" presId="urn:microsoft.com/office/officeart/2018/2/layout/IconVerticalSolidList"/>
+  </dgm:cxnLst>
+  <dgm:bg/>
+  <dgm:whole/>
+  <dgm:extLst>
+    <a:ext uri="http://schemas.microsoft.com/office/drawing/2008/diagram">
+      <dsp:dataModelExt xmlns:dsp="http://schemas.microsoft.com/office/drawing/2008/diagram" relId="rId6" minVer="http://schemas.openxmlformats.org/drawingml/2006/diagram"/>
+    </a:ext>
+  </dgm:extLst>
+</dgm:dataModel>
+</file>
+
+<file path=ppt/diagrams/data3.xml><?xml version="1.0" encoding="utf-8"?>
+<dgm:dataModel xmlns:dgm="http://schemas.openxmlformats.org/drawingml/2006/diagram" xmlns:a="http://schemas.openxmlformats.org/drawingml/2006/main">
+  <dgm:ptLst>
+    <dgm:pt modelId="{912192CF-FB3C-41BD-9993-3FB26C51161C}" type="doc">
+      <dgm:prSet loTypeId="urn:microsoft.com/office/officeart/2005/8/layout/vList2" loCatId="list" qsTypeId="urn:microsoft.com/office/officeart/2005/8/quickstyle/simple1" qsCatId="simple" csTypeId="urn:microsoft.com/office/officeart/2005/8/colors/colorful2" csCatId="colorful"/>
+      <dgm:spPr/>
+      <dgm:t>
+        <a:bodyPr/>
+        <a:lstStyle/>
+        <a:p>
+          <a:endParaRPr lang="en-US"/>
+        </a:p>
+      </dgm:t>
+    </dgm:pt>
+    <dgm:pt modelId="{D4BCC64F-75AE-4FB6-9196-A5CBE60F7250}">
+      <dgm:prSet/>
+      <dgm:spPr/>
+      <dgm:t>
+        <a:bodyPr/>
+        <a:lstStyle/>
+        <a:p>
+          <a:r>
+            <a:rPr lang="pt-PT"/>
+            <a:t>Partindo do atributo “Outcome”, foi derivado um novo atributo denominado “RespDisease”, que identifica se uma doença é respiratória ou não</a:t>
+          </a:r>
+          <a:endParaRPr lang="en-US"/>
+        </a:p>
+      </dgm:t>
+    </dgm:pt>
+    <dgm:pt modelId="{B4368EFB-1563-4E5D-A52E-F4C250CECEA1}" type="parTrans" cxnId="{B4D3AD4F-3F03-40DA-97C5-B3AEF006F0A1}">
+      <dgm:prSet/>
+      <dgm:spPr/>
+      <dgm:t>
+        <a:bodyPr/>
+        <a:lstStyle/>
+        <a:p>
+          <a:endParaRPr lang="en-US"/>
+        </a:p>
+      </dgm:t>
+    </dgm:pt>
+    <dgm:pt modelId="{0A185FC4-96BC-40D6-92A8-4DFD385D6BF8}" type="sibTrans" cxnId="{B4D3AD4F-3F03-40DA-97C5-B3AEF006F0A1}">
+      <dgm:prSet/>
+      <dgm:spPr/>
+      <dgm:t>
+        <a:bodyPr/>
+        <a:lstStyle/>
+        <a:p>
+          <a:endParaRPr lang="en-US"/>
+        </a:p>
+      </dgm:t>
+    </dgm:pt>
+    <dgm:pt modelId="{71923CD3-BE43-4228-A921-A90240175D92}">
+      <dgm:prSet/>
+      <dgm:spPr/>
+      <dgm:t>
+        <a:bodyPr/>
+        <a:lstStyle/>
+        <a:p>
+          <a:r>
+            <a:rPr lang="pt-PT"/>
+            <a:t>Foram consideradas doenças respiratórias “Asthma” e “Chronic obstructive pulmonary disease”</a:t>
+          </a:r>
+          <a:endParaRPr lang="en-US"/>
+        </a:p>
+      </dgm:t>
+    </dgm:pt>
+    <dgm:pt modelId="{64CF617C-F724-4983-A4FD-72D97C0A9E41}" type="parTrans" cxnId="{8129C49A-79D1-4468-B8A1-FC6877109ED0}">
+      <dgm:prSet/>
+      <dgm:spPr/>
+      <dgm:t>
+        <a:bodyPr/>
+        <a:lstStyle/>
+        <a:p>
+          <a:endParaRPr lang="en-US"/>
+        </a:p>
+      </dgm:t>
+    </dgm:pt>
+    <dgm:pt modelId="{754CB044-3635-4106-BACB-2B43134BD154}" type="sibTrans" cxnId="{8129C49A-79D1-4468-B8A1-FC6877109ED0}">
+      <dgm:prSet/>
+      <dgm:spPr/>
+      <dgm:t>
+        <a:bodyPr/>
+        <a:lstStyle/>
+        <a:p>
+          <a:endParaRPr lang="en-US"/>
+        </a:p>
+      </dgm:t>
+    </dgm:pt>
+    <dgm:pt modelId="{50DFBBC8-8FF5-4604-A8E1-89935978CDD7}">
+      <dgm:prSet/>
+      <dgm:spPr/>
+      <dgm:t>
+        <a:bodyPr/>
+        <a:lstStyle/>
+        <a:p>
+          <a:r>
+            <a:rPr lang="pt-PT"/>
+            <a:t>Classificação binária: 1 para doenças respiratórias e 0 para o oposto</a:t>
+          </a:r>
+          <a:endParaRPr lang="en-US"/>
+        </a:p>
+      </dgm:t>
+    </dgm:pt>
+    <dgm:pt modelId="{B838C7C1-3DAE-469B-9A0F-BB581245E1A0}" type="parTrans" cxnId="{C82D046C-5E9A-4A53-9353-5D96C51D402B}">
+      <dgm:prSet/>
+      <dgm:spPr/>
+      <dgm:t>
+        <a:bodyPr/>
+        <a:lstStyle/>
+        <a:p>
+          <a:endParaRPr lang="en-US"/>
+        </a:p>
+      </dgm:t>
+    </dgm:pt>
+    <dgm:pt modelId="{FCA4E3FF-CFFA-4C9D-8225-AC2E15820AC7}" type="sibTrans" cxnId="{C82D046C-5E9A-4A53-9353-5D96C51D402B}">
+      <dgm:prSet/>
+      <dgm:spPr/>
+      <dgm:t>
+        <a:bodyPr/>
+        <a:lstStyle/>
+        <a:p>
+          <a:endParaRPr lang="en-US"/>
+        </a:p>
+      </dgm:t>
+    </dgm:pt>
+    <dgm:pt modelId="{2D9AB90B-FD05-4830-BDC5-C3AFD292140A}" type="pres">
+      <dgm:prSet presAssocID="{912192CF-FB3C-41BD-9993-3FB26C51161C}" presName="linear" presStyleCnt="0">
+        <dgm:presLayoutVars>
+          <dgm:animLvl val="lvl"/>
+          <dgm:resizeHandles val="exact"/>
+        </dgm:presLayoutVars>
+      </dgm:prSet>
+      <dgm:spPr/>
+    </dgm:pt>
+    <dgm:pt modelId="{3C2D7C41-E85F-48A1-9835-BFA74C4E8396}" type="pres">
+      <dgm:prSet presAssocID="{D4BCC64F-75AE-4FB6-9196-A5CBE60F7250}" presName="parentText" presStyleLbl="node1" presStyleIdx="0" presStyleCnt="3">
+        <dgm:presLayoutVars>
+          <dgm:chMax val="0"/>
+          <dgm:bulletEnabled val="1"/>
+        </dgm:presLayoutVars>
+      </dgm:prSet>
+      <dgm:spPr/>
+    </dgm:pt>
+    <dgm:pt modelId="{767BF393-3DB1-448D-B45C-294D6A8A0A3B}" type="pres">
+      <dgm:prSet presAssocID="{0A185FC4-96BC-40D6-92A8-4DFD385D6BF8}" presName="spacer" presStyleCnt="0"/>
+      <dgm:spPr/>
+    </dgm:pt>
+    <dgm:pt modelId="{1E191BE8-C77C-407F-87AB-C55154433C08}" type="pres">
+      <dgm:prSet presAssocID="{71923CD3-BE43-4228-A921-A90240175D92}" presName="parentText" presStyleLbl="node1" presStyleIdx="1" presStyleCnt="3">
+        <dgm:presLayoutVars>
+          <dgm:chMax val="0"/>
+          <dgm:bulletEnabled val="1"/>
+        </dgm:presLayoutVars>
+      </dgm:prSet>
+      <dgm:spPr/>
+    </dgm:pt>
+    <dgm:pt modelId="{0CC5E844-FF72-427C-8A17-D3E3B49C7738}" type="pres">
+      <dgm:prSet presAssocID="{754CB044-3635-4106-BACB-2B43134BD154}" presName="spacer" presStyleCnt="0"/>
+      <dgm:spPr/>
+    </dgm:pt>
+    <dgm:pt modelId="{BDEABA77-C63A-4151-AE71-39B90A8201B9}" type="pres">
+      <dgm:prSet presAssocID="{50DFBBC8-8FF5-4604-A8E1-89935978CDD7}" presName="parentText" presStyleLbl="node1" presStyleIdx="2" presStyleCnt="3">
+        <dgm:presLayoutVars>
+          <dgm:chMax val="0"/>
+          <dgm:bulletEnabled val="1"/>
+        </dgm:presLayoutVars>
+      </dgm:prSet>
+      <dgm:spPr/>
+    </dgm:pt>
+  </dgm:ptLst>
+  <dgm:cxnLst>
+    <dgm:cxn modelId="{6CA7970F-EBF3-44FC-B3C1-0CABBCF3F1BA}" type="presOf" srcId="{D4BCC64F-75AE-4FB6-9196-A5CBE60F7250}" destId="{3C2D7C41-E85F-48A1-9835-BFA74C4E8396}" srcOrd="0" destOrd="0" presId="urn:microsoft.com/office/officeart/2005/8/layout/vList2"/>
+    <dgm:cxn modelId="{C82D046C-5E9A-4A53-9353-5D96C51D402B}" srcId="{912192CF-FB3C-41BD-9993-3FB26C51161C}" destId="{50DFBBC8-8FF5-4604-A8E1-89935978CDD7}" srcOrd="2" destOrd="0" parTransId="{B838C7C1-3DAE-469B-9A0F-BB581245E1A0}" sibTransId="{FCA4E3FF-CFFA-4C9D-8225-AC2E15820AC7}"/>
+    <dgm:cxn modelId="{B4D3AD4F-3F03-40DA-97C5-B3AEF006F0A1}" srcId="{912192CF-FB3C-41BD-9993-3FB26C51161C}" destId="{D4BCC64F-75AE-4FB6-9196-A5CBE60F7250}" srcOrd="0" destOrd="0" parTransId="{B4368EFB-1563-4E5D-A52E-F4C250CECEA1}" sibTransId="{0A185FC4-96BC-40D6-92A8-4DFD385D6BF8}"/>
+    <dgm:cxn modelId="{93BAA490-09C0-4EC5-A055-C8FB95CFF237}" type="presOf" srcId="{912192CF-FB3C-41BD-9993-3FB26C51161C}" destId="{2D9AB90B-FD05-4830-BDC5-C3AFD292140A}" srcOrd="0" destOrd="0" presId="urn:microsoft.com/office/officeart/2005/8/layout/vList2"/>
+    <dgm:cxn modelId="{8129C49A-79D1-4468-B8A1-FC6877109ED0}" srcId="{912192CF-FB3C-41BD-9993-3FB26C51161C}" destId="{71923CD3-BE43-4228-A921-A90240175D92}" srcOrd="1" destOrd="0" parTransId="{64CF617C-F724-4983-A4FD-72D97C0A9E41}" sibTransId="{754CB044-3635-4106-BACB-2B43134BD154}"/>
+    <dgm:cxn modelId="{33FE10BD-35B6-4DE8-8536-0B418A2CB0BF}" type="presOf" srcId="{71923CD3-BE43-4228-A921-A90240175D92}" destId="{1E191BE8-C77C-407F-87AB-C55154433C08}" srcOrd="0" destOrd="0" presId="urn:microsoft.com/office/officeart/2005/8/layout/vList2"/>
+    <dgm:cxn modelId="{DED876D5-F382-43F5-9556-CAE420950C33}" type="presOf" srcId="{50DFBBC8-8FF5-4604-A8E1-89935978CDD7}" destId="{BDEABA77-C63A-4151-AE71-39B90A8201B9}" srcOrd="0" destOrd="0" presId="urn:microsoft.com/office/officeart/2005/8/layout/vList2"/>
+    <dgm:cxn modelId="{D8FA0216-EB1B-437C-AC9D-4FC06A4AC51D}" type="presParOf" srcId="{2D9AB90B-FD05-4830-BDC5-C3AFD292140A}" destId="{3C2D7C41-E85F-48A1-9835-BFA74C4E8396}" srcOrd="0" destOrd="0" presId="urn:microsoft.com/office/officeart/2005/8/layout/vList2"/>
+    <dgm:cxn modelId="{CC75E129-3D74-428E-90DD-49812CD1D960}" type="presParOf" srcId="{2D9AB90B-FD05-4830-BDC5-C3AFD292140A}" destId="{767BF393-3DB1-448D-B45C-294D6A8A0A3B}" srcOrd="1" destOrd="0" presId="urn:microsoft.com/office/officeart/2005/8/layout/vList2"/>
+    <dgm:cxn modelId="{A9644FF3-21C0-4F69-8BB2-9AE6ECF5A3CC}" type="presParOf" srcId="{2D9AB90B-FD05-4830-BDC5-C3AFD292140A}" destId="{1E191BE8-C77C-407F-87AB-C55154433C08}" srcOrd="2" destOrd="0" presId="urn:microsoft.com/office/officeart/2005/8/layout/vList2"/>
+    <dgm:cxn modelId="{FB1CF88F-413E-4E70-ACA7-3E6975EC8334}" type="presParOf" srcId="{2D9AB90B-FD05-4830-BDC5-C3AFD292140A}" destId="{0CC5E844-FF72-427C-8A17-D3E3B49C7738}" srcOrd="3" destOrd="0" presId="urn:microsoft.com/office/officeart/2005/8/layout/vList2"/>
+    <dgm:cxn modelId="{DCCC22CC-7297-43FF-A3F8-3D1277CC2866}" type="presParOf" srcId="{2D9AB90B-FD05-4830-BDC5-C3AFD292140A}" destId="{BDEABA77-C63A-4151-AE71-39B90A8201B9}" srcOrd="4" destOrd="0" presId="urn:microsoft.com/office/officeart/2005/8/layout/vList2"/>
   </dgm:cxnLst>
   <dgm:bg/>
   <dgm:whole/>
@@ -1598,6 +3729,571 @@
 </dsp:drawing>
 </file>
 
+<file path=ppt/diagrams/drawing2.xml><?xml version="1.0" encoding="utf-8"?>
+<dsp:drawing xmlns:dgm="http://schemas.openxmlformats.org/drawingml/2006/diagram" xmlns:dsp="http://schemas.microsoft.com/office/drawing/2008/diagram" xmlns:a="http://schemas.openxmlformats.org/drawingml/2006/main">
+  <dsp:spTree>
+    <dsp:nvGrpSpPr>
+      <dsp:cNvPr id="0" name=""/>
+      <dsp:cNvGrpSpPr/>
+    </dsp:nvGrpSpPr>
+    <dsp:grpSpPr/>
+    <dsp:sp modelId="{A29B3262-3C60-46CA-89D3-C67BB243F98F}">
+      <dsp:nvSpPr>
+        <dsp:cNvPr id="0" name=""/>
+        <dsp:cNvSpPr/>
+      </dsp:nvSpPr>
+      <dsp:spPr>
+        <a:xfrm>
+          <a:off x="0" y="708097"/>
+          <a:ext cx="10515600" cy="1307257"/>
+        </a:xfrm>
+        <a:prstGeom prst="roundRect">
+          <a:avLst>
+            <a:gd name="adj" fmla="val 10000"/>
+          </a:avLst>
+        </a:prstGeom>
+        <a:solidFill>
+          <a:schemeClr val="accent2">
+            <a:hueOff val="0"/>
+            <a:satOff val="0"/>
+            <a:lumOff val="0"/>
+            <a:alphaOff val="0"/>
+          </a:schemeClr>
+        </a:solidFill>
+        <a:ln>
+          <a:noFill/>
+        </a:ln>
+        <a:effectLst/>
+      </dsp:spPr>
+      <dsp:style>
+        <a:lnRef idx="0">
+          <a:scrgbClr r="0" g="0" b="0"/>
+        </a:lnRef>
+        <a:fillRef idx="1">
+          <a:scrgbClr r="0" g="0" b="0"/>
+        </a:fillRef>
+        <a:effectRef idx="0">
+          <a:scrgbClr r="0" g="0" b="0"/>
+        </a:effectRef>
+        <a:fontRef idx="minor"/>
+      </dsp:style>
+    </dsp:sp>
+    <dsp:sp modelId="{4A67C295-27FB-4EFF-9FF3-D698C17BE6B7}">
+      <dsp:nvSpPr>
+        <dsp:cNvPr id="0" name=""/>
+        <dsp:cNvSpPr/>
+      </dsp:nvSpPr>
+      <dsp:spPr>
+        <a:xfrm>
+          <a:off x="395445" y="1002230"/>
+          <a:ext cx="718991" cy="718991"/>
+        </a:xfrm>
+        <a:prstGeom prst="rect">
+          <a:avLst/>
+        </a:prstGeom>
+        <a:blipFill>
+          <a:blip xmlns:r="http://schemas.openxmlformats.org/officeDocument/2006/relationships" r:embed="rId1">
+            <a:extLst>
+              <a:ext uri="{28A0092B-C50C-407E-A947-70E740481C1C}">
+                <a14:useLocalDpi xmlns:a14="http://schemas.microsoft.com/office/drawing/2010/main" val="0"/>
+              </a:ext>
+              <a:ext uri="{96DAC541-7B7A-43D3-8B79-37D633B846F1}">
+                <asvg:svgBlip xmlns:asvg="http://schemas.microsoft.com/office/drawing/2016/SVG/main" r:embed="rId2"/>
+              </a:ext>
+            </a:extLst>
+          </a:blip>
+          <a:stretch>
+            <a:fillRect/>
+          </a:stretch>
+        </a:blipFill>
+        <a:ln w="19050" cap="flat" cmpd="sng" algn="ctr">
+          <a:noFill/>
+          <a:prstDash val="solid"/>
+          <a:miter lim="800000"/>
+        </a:ln>
+        <a:effectLst/>
+      </dsp:spPr>
+      <dsp:style>
+        <a:lnRef idx="2">
+          <a:scrgbClr r="0" g="0" b="0"/>
+        </a:lnRef>
+        <a:fillRef idx="1">
+          <a:scrgbClr r="0" g="0" b="0"/>
+        </a:fillRef>
+        <a:effectRef idx="0">
+          <a:scrgbClr r="0" g="0" b="0"/>
+        </a:effectRef>
+        <a:fontRef idx="minor">
+          <a:schemeClr val="lt1"/>
+        </a:fontRef>
+      </dsp:style>
+    </dsp:sp>
+    <dsp:sp modelId="{B25443FD-9AD9-4717-8737-070CF78DB2D5}">
+      <dsp:nvSpPr>
+        <dsp:cNvPr id="0" name=""/>
+        <dsp:cNvSpPr/>
+      </dsp:nvSpPr>
+      <dsp:spPr>
+        <a:xfrm>
+          <a:off x="1509882" y="708097"/>
+          <a:ext cx="9005717" cy="1307257"/>
+        </a:xfrm>
+        <a:prstGeom prst="rect">
+          <a:avLst/>
+        </a:prstGeom>
+        <a:noFill/>
+        <a:ln>
+          <a:noFill/>
+        </a:ln>
+        <a:effectLst/>
+      </dsp:spPr>
+      <dsp:style>
+        <a:lnRef idx="0">
+          <a:scrgbClr r="0" g="0" b="0"/>
+        </a:lnRef>
+        <a:fillRef idx="0">
+          <a:scrgbClr r="0" g="0" b="0"/>
+        </a:fillRef>
+        <a:effectRef idx="0">
+          <a:scrgbClr r="0" g="0" b="0"/>
+        </a:effectRef>
+        <a:fontRef idx="minor"/>
+      </dsp:style>
+      <dsp:txBody>
+        <a:bodyPr spcFirstLastPara="0" vert="horz" wrap="square" lIns="138351" tIns="138351" rIns="138351" bIns="138351" numCol="1" spcCol="1270" anchor="ctr" anchorCtr="0">
+          <a:noAutofit/>
+        </a:bodyPr>
+        <a:lstStyle/>
+        <a:p>
+          <a:pPr marL="0" lvl="0" indent="0" algn="l" defTabSz="1111250">
+            <a:lnSpc>
+              <a:spcPct val="90000"/>
+            </a:lnSpc>
+            <a:spcBef>
+              <a:spcPct val="0"/>
+            </a:spcBef>
+            <a:spcAft>
+              <a:spcPct val="35000"/>
+            </a:spcAft>
+            <a:buNone/>
+          </a:pPr>
+          <a:r>
+            <a:rPr lang="pt-PT" sz="2500" kern="1200"/>
+            <a:t>Foram utilizados vários modelos de classificação de modo a fazer previsões sobre um atributo.</a:t>
+          </a:r>
+          <a:endParaRPr lang="en-US" sz="2500" kern="1200"/>
+        </a:p>
+      </dsp:txBody>
+      <dsp:txXfrm>
+        <a:off x="1509882" y="708097"/>
+        <a:ext cx="9005717" cy="1307257"/>
+      </dsp:txXfrm>
+    </dsp:sp>
+    <dsp:sp modelId="{E00FF2E6-6CE9-406A-952E-B0E4B8BFB568}">
+      <dsp:nvSpPr>
+        <dsp:cNvPr id="0" name=""/>
+        <dsp:cNvSpPr/>
+      </dsp:nvSpPr>
+      <dsp:spPr>
+        <a:xfrm>
+          <a:off x="0" y="2342169"/>
+          <a:ext cx="10515600" cy="1307257"/>
+        </a:xfrm>
+        <a:prstGeom prst="roundRect">
+          <a:avLst>
+            <a:gd name="adj" fmla="val 10000"/>
+          </a:avLst>
+        </a:prstGeom>
+        <a:solidFill>
+          <a:schemeClr val="accent3">
+            <a:hueOff val="0"/>
+            <a:satOff val="0"/>
+            <a:lumOff val="0"/>
+            <a:alphaOff val="0"/>
+          </a:schemeClr>
+        </a:solidFill>
+        <a:ln>
+          <a:noFill/>
+        </a:ln>
+        <a:effectLst/>
+      </dsp:spPr>
+      <dsp:style>
+        <a:lnRef idx="0">
+          <a:scrgbClr r="0" g="0" b="0"/>
+        </a:lnRef>
+        <a:fillRef idx="1">
+          <a:scrgbClr r="0" g="0" b="0"/>
+        </a:fillRef>
+        <a:effectRef idx="0">
+          <a:scrgbClr r="0" g="0" b="0"/>
+        </a:effectRef>
+        <a:fontRef idx="minor"/>
+      </dsp:style>
+    </dsp:sp>
+    <dsp:sp modelId="{A00FD688-F9BF-4D79-BB1B-72AC63C57B55}">
+      <dsp:nvSpPr>
+        <dsp:cNvPr id="0" name=""/>
+        <dsp:cNvSpPr/>
+      </dsp:nvSpPr>
+      <dsp:spPr>
+        <a:xfrm>
+          <a:off x="395445" y="2636302"/>
+          <a:ext cx="718991" cy="718991"/>
+        </a:xfrm>
+        <a:prstGeom prst="rect">
+          <a:avLst/>
+        </a:prstGeom>
+        <a:blipFill>
+          <a:blip xmlns:r="http://schemas.openxmlformats.org/officeDocument/2006/relationships" r:embed="rId3">
+            <a:extLst>
+              <a:ext uri="{28A0092B-C50C-407E-A947-70E740481C1C}">
+                <a14:useLocalDpi xmlns:a14="http://schemas.microsoft.com/office/drawing/2010/main" val="0"/>
+              </a:ext>
+              <a:ext uri="{96DAC541-7B7A-43D3-8B79-37D633B846F1}">
+                <asvg:svgBlip xmlns:asvg="http://schemas.microsoft.com/office/drawing/2016/SVG/main" r:embed="rId4"/>
+              </a:ext>
+            </a:extLst>
+          </a:blip>
+          <a:stretch>
+            <a:fillRect/>
+          </a:stretch>
+        </a:blipFill>
+        <a:ln w="19050" cap="flat" cmpd="sng" algn="ctr">
+          <a:noFill/>
+          <a:prstDash val="solid"/>
+          <a:miter lim="800000"/>
+        </a:ln>
+        <a:effectLst/>
+      </dsp:spPr>
+      <dsp:style>
+        <a:lnRef idx="2">
+          <a:scrgbClr r="0" g="0" b="0"/>
+        </a:lnRef>
+        <a:fillRef idx="1">
+          <a:scrgbClr r="0" g="0" b="0"/>
+        </a:fillRef>
+        <a:effectRef idx="0">
+          <a:scrgbClr r="0" g="0" b="0"/>
+        </a:effectRef>
+        <a:fontRef idx="minor">
+          <a:schemeClr val="lt1"/>
+        </a:fontRef>
+      </dsp:style>
+    </dsp:sp>
+    <dsp:sp modelId="{7B40EACE-79E2-4810-A653-72025702A066}">
+      <dsp:nvSpPr>
+        <dsp:cNvPr id="0" name=""/>
+        <dsp:cNvSpPr/>
+      </dsp:nvSpPr>
+      <dsp:spPr>
+        <a:xfrm>
+          <a:off x="1509882" y="2342169"/>
+          <a:ext cx="9005717" cy="1307257"/>
+        </a:xfrm>
+        <a:prstGeom prst="rect">
+          <a:avLst/>
+        </a:prstGeom>
+        <a:noFill/>
+        <a:ln>
+          <a:noFill/>
+        </a:ln>
+        <a:effectLst/>
+      </dsp:spPr>
+      <dsp:style>
+        <a:lnRef idx="0">
+          <a:scrgbClr r="0" g="0" b="0"/>
+        </a:lnRef>
+        <a:fillRef idx="0">
+          <a:scrgbClr r="0" g="0" b="0"/>
+        </a:fillRef>
+        <a:effectRef idx="0">
+          <a:scrgbClr r="0" g="0" b="0"/>
+        </a:effectRef>
+        <a:fontRef idx="minor"/>
+      </dsp:style>
+      <dsp:txBody>
+        <a:bodyPr spcFirstLastPara="0" vert="horz" wrap="square" lIns="138351" tIns="138351" rIns="138351" bIns="138351" numCol="1" spcCol="1270" anchor="ctr" anchorCtr="0">
+          <a:noAutofit/>
+        </a:bodyPr>
+        <a:lstStyle/>
+        <a:p>
+          <a:pPr marL="0" lvl="0" indent="0" algn="l" defTabSz="1111250">
+            <a:lnSpc>
+              <a:spcPct val="90000"/>
+            </a:lnSpc>
+            <a:spcBef>
+              <a:spcPct val="0"/>
+            </a:spcBef>
+            <a:spcAft>
+              <a:spcPct val="35000"/>
+            </a:spcAft>
+            <a:buNone/>
+          </a:pPr>
+          <a:r>
+            <a:rPr lang="pt-PT" sz="2500" kern="1200"/>
+            <a:t>Árvore de decisão, rede neuronal, SVM e k-nearest neighbors</a:t>
+          </a:r>
+          <a:endParaRPr lang="en-US" sz="2500" kern="1200"/>
+        </a:p>
+      </dsp:txBody>
+      <dsp:txXfrm>
+        <a:off x="1509882" y="2342169"/>
+        <a:ext cx="9005717" cy="1307257"/>
+      </dsp:txXfrm>
+    </dsp:sp>
+  </dsp:spTree>
+</dsp:drawing>
+</file>
+
+<file path=ppt/diagrams/drawing3.xml><?xml version="1.0" encoding="utf-8"?>
+<dsp:drawing xmlns:dgm="http://schemas.openxmlformats.org/drawingml/2006/diagram" xmlns:dsp="http://schemas.microsoft.com/office/drawing/2008/diagram" xmlns:a="http://schemas.openxmlformats.org/drawingml/2006/main">
+  <dsp:spTree>
+    <dsp:nvGrpSpPr>
+      <dsp:cNvPr id="0" name=""/>
+      <dsp:cNvGrpSpPr/>
+    </dsp:nvGrpSpPr>
+    <dsp:grpSpPr/>
+    <dsp:sp modelId="{3C2D7C41-E85F-48A1-9835-BFA74C4E8396}">
+      <dsp:nvSpPr>
+        <dsp:cNvPr id="0" name=""/>
+        <dsp:cNvSpPr/>
+      </dsp:nvSpPr>
+      <dsp:spPr>
+        <a:xfrm>
+          <a:off x="0" y="44636"/>
+          <a:ext cx="10515600" cy="1374750"/>
+        </a:xfrm>
+        <a:prstGeom prst="roundRect">
+          <a:avLst/>
+        </a:prstGeom>
+        <a:solidFill>
+          <a:schemeClr val="accent2">
+            <a:hueOff val="0"/>
+            <a:satOff val="0"/>
+            <a:lumOff val="0"/>
+            <a:alphaOff val="0"/>
+          </a:schemeClr>
+        </a:solidFill>
+        <a:ln w="19050" cap="flat" cmpd="sng" algn="ctr">
+          <a:solidFill>
+            <a:schemeClr val="lt1">
+              <a:hueOff val="0"/>
+              <a:satOff val="0"/>
+              <a:lumOff val="0"/>
+              <a:alphaOff val="0"/>
+            </a:schemeClr>
+          </a:solidFill>
+          <a:prstDash val="solid"/>
+          <a:miter lim="800000"/>
+        </a:ln>
+        <a:effectLst/>
+      </dsp:spPr>
+      <dsp:style>
+        <a:lnRef idx="2">
+          <a:scrgbClr r="0" g="0" b="0"/>
+        </a:lnRef>
+        <a:fillRef idx="1">
+          <a:scrgbClr r="0" g="0" b="0"/>
+        </a:fillRef>
+        <a:effectRef idx="0">
+          <a:scrgbClr r="0" g="0" b="0"/>
+        </a:effectRef>
+        <a:fontRef idx="minor">
+          <a:schemeClr val="lt1"/>
+        </a:fontRef>
+      </dsp:style>
+      <dsp:txBody>
+        <a:bodyPr spcFirstLastPara="0" vert="horz" wrap="square" lIns="95250" tIns="95250" rIns="95250" bIns="95250" numCol="1" spcCol="1270" anchor="ctr" anchorCtr="0">
+          <a:noAutofit/>
+        </a:bodyPr>
+        <a:lstStyle/>
+        <a:p>
+          <a:pPr marL="0" lvl="0" indent="0" algn="l" defTabSz="1111250">
+            <a:lnSpc>
+              <a:spcPct val="90000"/>
+            </a:lnSpc>
+            <a:spcBef>
+              <a:spcPct val="0"/>
+            </a:spcBef>
+            <a:spcAft>
+              <a:spcPct val="35000"/>
+            </a:spcAft>
+            <a:buNone/>
+          </a:pPr>
+          <a:r>
+            <a:rPr lang="pt-PT" sz="2500" kern="1200"/>
+            <a:t>Partindo do atributo “Outcome”, foi derivado um novo atributo denominado “RespDisease”, que identifica se uma doença é respiratória ou não</a:t>
+          </a:r>
+          <a:endParaRPr lang="en-US" sz="2500" kern="1200"/>
+        </a:p>
+      </dsp:txBody>
+      <dsp:txXfrm>
+        <a:off x="67110" y="111746"/>
+        <a:ext cx="10381380" cy="1240530"/>
+      </dsp:txXfrm>
+    </dsp:sp>
+    <dsp:sp modelId="{1E191BE8-C77C-407F-87AB-C55154433C08}">
+      <dsp:nvSpPr>
+        <dsp:cNvPr id="0" name=""/>
+        <dsp:cNvSpPr/>
+      </dsp:nvSpPr>
+      <dsp:spPr>
+        <a:xfrm>
+          <a:off x="0" y="1491387"/>
+          <a:ext cx="10515600" cy="1374750"/>
+        </a:xfrm>
+        <a:prstGeom prst="roundRect">
+          <a:avLst/>
+        </a:prstGeom>
+        <a:solidFill>
+          <a:schemeClr val="accent2">
+            <a:hueOff val="3221807"/>
+            <a:satOff val="-9246"/>
+            <a:lumOff val="-14805"/>
+            <a:alphaOff val="0"/>
+          </a:schemeClr>
+        </a:solidFill>
+        <a:ln w="19050" cap="flat" cmpd="sng" algn="ctr">
+          <a:solidFill>
+            <a:schemeClr val="lt1">
+              <a:hueOff val="0"/>
+              <a:satOff val="0"/>
+              <a:lumOff val="0"/>
+              <a:alphaOff val="0"/>
+            </a:schemeClr>
+          </a:solidFill>
+          <a:prstDash val="solid"/>
+          <a:miter lim="800000"/>
+        </a:ln>
+        <a:effectLst/>
+      </dsp:spPr>
+      <dsp:style>
+        <a:lnRef idx="2">
+          <a:scrgbClr r="0" g="0" b="0"/>
+        </a:lnRef>
+        <a:fillRef idx="1">
+          <a:scrgbClr r="0" g="0" b="0"/>
+        </a:fillRef>
+        <a:effectRef idx="0">
+          <a:scrgbClr r="0" g="0" b="0"/>
+        </a:effectRef>
+        <a:fontRef idx="minor">
+          <a:schemeClr val="lt1"/>
+        </a:fontRef>
+      </dsp:style>
+      <dsp:txBody>
+        <a:bodyPr spcFirstLastPara="0" vert="horz" wrap="square" lIns="95250" tIns="95250" rIns="95250" bIns="95250" numCol="1" spcCol="1270" anchor="ctr" anchorCtr="0">
+          <a:noAutofit/>
+        </a:bodyPr>
+        <a:lstStyle/>
+        <a:p>
+          <a:pPr marL="0" lvl="0" indent="0" algn="l" defTabSz="1111250">
+            <a:lnSpc>
+              <a:spcPct val="90000"/>
+            </a:lnSpc>
+            <a:spcBef>
+              <a:spcPct val="0"/>
+            </a:spcBef>
+            <a:spcAft>
+              <a:spcPct val="35000"/>
+            </a:spcAft>
+            <a:buNone/>
+          </a:pPr>
+          <a:r>
+            <a:rPr lang="pt-PT" sz="2500" kern="1200"/>
+            <a:t>Foram consideradas doenças respiratórias “Asthma” e “Chronic obstructive pulmonary disease”</a:t>
+          </a:r>
+          <a:endParaRPr lang="en-US" sz="2500" kern="1200"/>
+        </a:p>
+      </dsp:txBody>
+      <dsp:txXfrm>
+        <a:off x="67110" y="1558497"/>
+        <a:ext cx="10381380" cy="1240530"/>
+      </dsp:txXfrm>
+    </dsp:sp>
+    <dsp:sp modelId="{BDEABA77-C63A-4151-AE71-39B90A8201B9}">
+      <dsp:nvSpPr>
+        <dsp:cNvPr id="0" name=""/>
+        <dsp:cNvSpPr/>
+      </dsp:nvSpPr>
+      <dsp:spPr>
+        <a:xfrm>
+          <a:off x="0" y="2938136"/>
+          <a:ext cx="10515600" cy="1374750"/>
+        </a:xfrm>
+        <a:prstGeom prst="roundRect">
+          <a:avLst/>
+        </a:prstGeom>
+        <a:solidFill>
+          <a:schemeClr val="accent2">
+            <a:hueOff val="6443614"/>
+            <a:satOff val="-18493"/>
+            <a:lumOff val="-29609"/>
+            <a:alphaOff val="0"/>
+          </a:schemeClr>
+        </a:solidFill>
+        <a:ln w="19050" cap="flat" cmpd="sng" algn="ctr">
+          <a:solidFill>
+            <a:schemeClr val="lt1">
+              <a:hueOff val="0"/>
+              <a:satOff val="0"/>
+              <a:lumOff val="0"/>
+              <a:alphaOff val="0"/>
+            </a:schemeClr>
+          </a:solidFill>
+          <a:prstDash val="solid"/>
+          <a:miter lim="800000"/>
+        </a:ln>
+        <a:effectLst/>
+      </dsp:spPr>
+      <dsp:style>
+        <a:lnRef idx="2">
+          <a:scrgbClr r="0" g="0" b="0"/>
+        </a:lnRef>
+        <a:fillRef idx="1">
+          <a:scrgbClr r="0" g="0" b="0"/>
+        </a:fillRef>
+        <a:effectRef idx="0">
+          <a:scrgbClr r="0" g="0" b="0"/>
+        </a:effectRef>
+        <a:fontRef idx="minor">
+          <a:schemeClr val="lt1"/>
+        </a:fontRef>
+      </dsp:style>
+      <dsp:txBody>
+        <a:bodyPr spcFirstLastPara="0" vert="horz" wrap="square" lIns="95250" tIns="95250" rIns="95250" bIns="95250" numCol="1" spcCol="1270" anchor="ctr" anchorCtr="0">
+          <a:noAutofit/>
+        </a:bodyPr>
+        <a:lstStyle/>
+        <a:p>
+          <a:pPr marL="0" lvl="0" indent="0" algn="l" defTabSz="1111250">
+            <a:lnSpc>
+              <a:spcPct val="90000"/>
+            </a:lnSpc>
+            <a:spcBef>
+              <a:spcPct val="0"/>
+            </a:spcBef>
+            <a:spcAft>
+              <a:spcPct val="35000"/>
+            </a:spcAft>
+            <a:buNone/>
+          </a:pPr>
+          <a:r>
+            <a:rPr lang="pt-PT" sz="2500" kern="1200"/>
+            <a:t>Classificação binária: 1 para doenças respiratórias e 0 para o oposto</a:t>
+          </a:r>
+          <a:endParaRPr lang="en-US" sz="2500" kern="1200"/>
+        </a:p>
+      </dsp:txBody>
+      <dsp:txXfrm>
+        <a:off x="67110" y="3005246"/>
+        <a:ext cx="10381380" cy="1240530"/>
+      </dsp:txXfrm>
+    </dsp:sp>
+  </dsp:spTree>
+</dsp:drawing>
+</file>
+
 <file path=ppt/diagrams/layout1.xml><?xml version="1.0" encoding="utf-8"?>
 <dgm:layoutDef xmlns:dgm="http://schemas.openxmlformats.org/drawingml/2006/diagram" xmlns:a="http://schemas.openxmlformats.org/drawingml/2006/main" uniqueId="urn:microsoft.com/office/officeart/2018/2/layout/IconCircleList">
   <dgm:title val="Icon Circle List"/>
@@ -1810,7 +4506,2536 @@
 </dgm:layoutDef>
 </file>
 
+<file path=ppt/diagrams/layout2.xml><?xml version="1.0" encoding="utf-8"?>
+<dgm:layoutDef xmlns:dgm="http://schemas.openxmlformats.org/drawingml/2006/diagram" xmlns:a="http://schemas.openxmlformats.org/drawingml/2006/main" uniqueId="urn:microsoft.com/office/officeart/2018/2/layout/IconVerticalSolidList">
+  <dgm:title val="Icon Vertical Solid List"/>
+  <dgm:desc val="Use to show a series of visuals from top to bottom with Level 1 or Level 1 and Level 2 text grouped in a shape. Works best with icons or small pictures with lengthier descriptions."/>
+  <dgm:catLst>
+    <dgm:cat type="icon" pri="500"/>
+  </dgm:catLst>
+  <dgm:sampData useDef="1">
+    <dgm:dataModel>
+      <dgm:ptLst/>
+      <dgm:bg/>
+      <dgm:whole/>
+    </dgm:dataModel>
+  </dgm:sampData>
+  <dgm:styleData useDef="1">
+    <dgm:dataModel>
+      <dgm:ptLst/>
+      <dgm:bg/>
+      <dgm:whole/>
+    </dgm:dataModel>
+  </dgm:styleData>
+  <dgm:clrData useDef="1">
+    <dgm:dataModel>
+      <dgm:ptLst/>
+      <dgm:bg/>
+      <dgm:whole/>
+    </dgm:dataModel>
+  </dgm:clrData>
+  <dgm:layoutNode name="root">
+    <dgm:varLst>
+      <dgm:dir/>
+      <dgm:resizeHandles val="exact"/>
+    </dgm:varLst>
+    <dgm:choose name="Name0">
+      <dgm:if name="Name1" axis="self" func="var" arg="dir" op="equ" val="norm">
+        <dgm:alg type="lin">
+          <dgm:param type="linDir" val="fromT"/>
+          <dgm:param type="nodeHorzAlign" val="l"/>
+        </dgm:alg>
+      </dgm:if>
+      <dgm:else name="Name2">
+        <dgm:alg type="lin">
+          <dgm:param type="linDir" val="fromT"/>
+          <dgm:param type="nodeHorzAlign" val="r"/>
+        </dgm:alg>
+      </dgm:else>
+    </dgm:choose>
+    <dgm:shape xmlns:r="http://schemas.openxmlformats.org/officeDocument/2006/relationships" r:blip="">
+      <dgm:adjLst/>
+    </dgm:shape>
+    <dgm:presOf/>
+    <dgm:choose name="Name3">
+      <dgm:if name="Name4" axis="ch" ptType="node" func="cnt" op="lte" val="3">
+        <dgm:constrLst>
+          <dgm:constr type="h" for="ch" forName="compNode" refType="h" fact="0.3"/>
+          <dgm:constr type="w" for="ch" forName="compNode" refType="w"/>
+          <dgm:constr type="h" for="ch" forName="sibTrans" refType="h" refFor="ch" refForName="compNode" fact="0.25"/>
+          <dgm:constr type="primFontSz" for="des" forName="parTx" val="25"/>
+          <dgm:constr type="primFontSz" for="des" forName="desTx" refType="primFontSz" refFor="des" refForName="parTx" op="lte" fact="0.75"/>
+          <dgm:constr type="h" for="des" forName="compNode" op="equ"/>
+          <dgm:constr type="h" for="des" forName="bgRect" op="equ"/>
+          <dgm:constr type="h" for="des" forName="iconRect" op="equ"/>
+          <dgm:constr type="w" for="des" forName="iconRect" op="equ"/>
+          <dgm:constr type="h" for="des" forName="spaceRect" op="equ"/>
+          <dgm:constr type="h" for="des" forName="parTx" op="equ"/>
+          <dgm:constr type="h" for="des" forName="desTx" op="equ"/>
+        </dgm:constrLst>
+      </dgm:if>
+      <dgm:if name="Name5" axis="ch" ptType="node" func="cnt" op="lte" val="4">
+        <dgm:constrLst>
+          <dgm:constr type="h" for="ch" forName="compNode" refType="h" fact="0.3"/>
+          <dgm:constr type="w" for="ch" forName="compNode" refType="w"/>
+          <dgm:constr type="h" for="ch" forName="sibTrans" refType="h" refFor="ch" refForName="compNode" fact="0.25"/>
+          <dgm:constr type="primFontSz" for="des" forName="parTx" val="22"/>
+          <dgm:constr type="primFontSz" for="des" forName="desTx" refType="primFontSz" refFor="des" refForName="parTx" op="lte" fact="0.75"/>
+          <dgm:constr type="h" for="des" forName="compNode" op="equ"/>
+          <dgm:constr type="h" for="des" forName="bgRect" op="equ"/>
+          <dgm:constr type="h" for="des" forName="iconRect" op="equ"/>
+          <dgm:constr type="w" for="des" forName="iconRect" op="equ"/>
+          <dgm:constr type="h" for="des" forName="spaceRect" op="equ"/>
+          <dgm:constr type="h" for="des" forName="parTx" op="equ"/>
+          <dgm:constr type="h" for="des" forName="desTx" op="equ"/>
+        </dgm:constrLst>
+      </dgm:if>
+      <dgm:if name="Name6" axis="ch" ptType="node" func="cnt" op="lte" val="6">
+        <dgm:constrLst>
+          <dgm:constr type="h" for="ch" forName="compNode" refType="h" fact="0.3"/>
+          <dgm:constr type="w" for="ch" forName="compNode" refType="w"/>
+          <dgm:constr type="h" for="ch" forName="sibTrans" refType="h" refFor="ch" refForName="compNode" fact="0.25"/>
+          <dgm:constr type="primFontSz" for="des" forName="parTx" val="19"/>
+          <dgm:constr type="primFontSz" for="des" forName="desTx" refType="primFontSz" refFor="des" refForName="parTx" op="lte" fact="0.75"/>
+          <dgm:constr type="h" for="des" forName="compNode" op="equ"/>
+          <dgm:constr type="h" for="des" forName="bgRect" op="equ"/>
+          <dgm:constr type="h" for="des" forName="iconRect" op="equ"/>
+          <dgm:constr type="w" for="des" forName="iconRect" op="equ"/>
+          <dgm:constr type="h" for="des" forName="spaceRect" op="equ"/>
+          <dgm:constr type="h" for="des" forName="parTx" op="equ"/>
+          <dgm:constr type="h" for="des" forName="desTx" op="equ"/>
+        </dgm:constrLst>
+      </dgm:if>
+      <dgm:else name="Name7">
+        <dgm:constrLst>
+          <dgm:constr type="h" for="ch" forName="compNode" refType="h" fact="0.3"/>
+          <dgm:constr type="w" for="ch" forName="compNode" refType="w"/>
+          <dgm:constr type="h" for="ch" forName="sibTrans" refType="h" refFor="ch" refForName="compNode" fact="0.25"/>
+          <dgm:constr type="primFontSz" for="des" forName="parTx" val="16"/>
+          <dgm:constr type="primFontSz" for="des" forName="desTx" refType="primFontSz" refFor="des" refForName="parTx" op="lte" fact="0.75"/>
+          <dgm:constr type="h" for="des" forName="compNode" op="equ"/>
+          <dgm:constr type="h" for="des" forName="bgRect" op="equ"/>
+          <dgm:constr type="h" for="des" forName="iconRect" op="equ"/>
+          <dgm:constr type="w" for="des" forName="iconRect" op="equ"/>
+          <dgm:constr type="h" for="des" forName="spaceRect" op="equ"/>
+          <dgm:constr type="h" for="des" forName="parTx" op="equ"/>
+          <dgm:constr type="h" for="des" forName="desTx" op="equ"/>
+        </dgm:constrLst>
+      </dgm:else>
+    </dgm:choose>
+    <dgm:ruleLst>
+      <dgm:rule type="h" for="ch" forName="compNode" val="0" fact="NaN" max="NaN"/>
+    </dgm:ruleLst>
+    <dgm:forEach name="Name8" axis="ch" ptType="node">
+      <dgm:layoutNode name="compNode">
+        <dgm:alg type="composite"/>
+        <dgm:shape xmlns:r="http://schemas.openxmlformats.org/officeDocument/2006/relationships" r:blip="">
+          <dgm:adjLst/>
+        </dgm:shape>
+        <dgm:presOf axis="self"/>
+        <dgm:choose name="Name9">
+          <dgm:if name="Name10" axis="ch" ptType="node" func="cnt" op="gte" val="1">
+            <dgm:constrLst>
+              <dgm:constr type="w" for="ch" forName="bgRect" refType="w"/>
+              <dgm:constr type="h" for="ch" forName="bgRect" refType="h"/>
+              <dgm:constr type="l" for="ch" forName="bgRect"/>
+              <dgm:constr type="t" for="ch" forName="bgRect"/>
+              <dgm:constr type="h" for="ch" forName="iconRect" refType="h" fact="0.55"/>
+              <dgm:constr type="w" for="ch" forName="iconRect" refType="h" refFor="ch" refForName="iconRect"/>
+              <dgm:constr type="l" for="ch" forName="iconRect" refType="h" refFor="ch" refForName="iconRect" fact="0.55"/>
+              <dgm:constr type="ctrY" for="ch" forName="iconRect" refType="ctrY" refFor="ch" refForName="bgRect"/>
+              <dgm:constr type="w" for="ch" forName="spaceRect" refType="l" refFor="ch" refForName="iconRect"/>
+              <dgm:constr type="h" for="ch" forName="spaceRect" refType="h"/>
+              <dgm:constr type="l" for="ch" forName="spaceRect" refType="r" refFor="ch" refForName="iconRect"/>
+              <dgm:constr type="t" for="ch" forName="spaceRect"/>
+              <dgm:constr type="w" for="ch" forName="parTx" refType="w" fact="0.45"/>
+              <dgm:constr type="h" for="ch" forName="parTx" refType="h"/>
+              <dgm:constr type="l" for="ch" forName="parTx" refType="r" refFor="ch" refForName="spaceRect"/>
+              <dgm:constr type="t" for="ch" forName="parTx"/>
+              <dgm:constr type="h" for="ch" forName="desTx" refType="h"/>
+              <dgm:constr type="l" for="ch" forName="desTx" refType="r" refFor="ch" refForName="parTx"/>
+              <dgm:constr type="t" for="ch" forName="desTx"/>
+            </dgm:constrLst>
+          </dgm:if>
+          <dgm:else name="Name11">
+            <dgm:constrLst>
+              <dgm:constr type="w" for="ch" forName="bgRect" refType="w"/>
+              <dgm:constr type="h" for="ch" forName="bgRect" refType="h"/>
+              <dgm:constr type="l" for="ch" forName="bgRect"/>
+              <dgm:constr type="t" for="ch" forName="bgRect"/>
+              <dgm:constr type="h" for="ch" forName="iconRect" refType="h" fact="0.55"/>
+              <dgm:constr type="w" for="ch" forName="iconRect" refType="h" refFor="ch" refForName="iconRect"/>
+              <dgm:constr type="l" for="ch" forName="iconRect" refType="h" refFor="ch" refForName="iconRect" fact="0.55"/>
+              <dgm:constr type="ctrY" for="ch" forName="iconRect" refType="ctrY" refFor="ch" refForName="bgRect"/>
+              <dgm:constr type="w" for="ch" forName="spaceRect" refType="l" refFor="ch" refForName="iconRect"/>
+              <dgm:constr type="h" for="ch" forName="spaceRect" refType="h"/>
+              <dgm:constr type="l" for="ch" forName="spaceRect" refType="r" refFor="ch" refForName="iconRect"/>
+              <dgm:constr type="t" for="ch" forName="spaceRect"/>
+              <dgm:constr type="h" for="ch" forName="parTx" refType="h"/>
+              <dgm:constr type="l" for="ch" forName="parTx" refType="r" refFor="ch" refForName="spaceRect"/>
+              <dgm:constr type="t" for="ch" forName="parTx"/>
+            </dgm:constrLst>
+          </dgm:else>
+        </dgm:choose>
+        <dgm:ruleLst>
+          <dgm:rule type="h" val="INF" fact="NaN" max="NaN"/>
+        </dgm:ruleLst>
+        <dgm:layoutNode name="bgRect" styleLbl="bgShp">
+          <dgm:alg type="sp"/>
+          <dgm:shape xmlns:r="http://schemas.openxmlformats.org/officeDocument/2006/relationships" type="roundRect" r:blip="">
+            <dgm:adjLst>
+              <dgm:adj idx="1" val="0.1"/>
+            </dgm:adjLst>
+          </dgm:shape>
+          <dgm:presOf/>
+          <dgm:constrLst/>
+          <dgm:ruleLst/>
+        </dgm:layoutNode>
+        <dgm:layoutNode name="iconRect" styleLbl="node1">
+          <dgm:alg type="sp"/>
+          <dgm:shape xmlns:r="http://schemas.openxmlformats.org/officeDocument/2006/relationships" type="rect" r:blip="" blipPhldr="1">
+            <dgm:adjLst/>
+          </dgm:shape>
+          <dgm:presOf/>
+          <dgm:constrLst/>
+          <dgm:ruleLst/>
+        </dgm:layoutNode>
+        <dgm:layoutNode name="spaceRect">
+          <dgm:alg type="sp"/>
+          <dgm:shape xmlns:r="http://schemas.openxmlformats.org/officeDocument/2006/relationships" r:blip="">
+            <dgm:adjLst/>
+          </dgm:shape>
+          <dgm:presOf/>
+          <dgm:constrLst/>
+          <dgm:ruleLst/>
+        </dgm:layoutNode>
+        <dgm:layoutNode name="parTx" styleLbl="revTx">
+          <dgm:varLst>
+            <dgm:chMax val="0"/>
+            <dgm:chPref val="0"/>
+          </dgm:varLst>
+          <dgm:alg type="tx">
+            <dgm:param type="txAnchorVert" val="mid"/>
+            <dgm:param type="parTxLTRAlign" val="l"/>
+            <dgm:param type="shpTxLTRAlignCh" val="l"/>
+            <dgm:param type="parTxRTLAlign" val="r"/>
+            <dgm:param type="shpTxRTLAlignCh" val="r"/>
+          </dgm:alg>
+          <dgm:shape xmlns:r="http://schemas.openxmlformats.org/officeDocument/2006/relationships" type="rect" r:blip="">
+            <dgm:adjLst/>
+          </dgm:shape>
+          <dgm:presOf axis="self" ptType="node"/>
+          <dgm:constrLst>
+            <dgm:constr type="lMarg" refType="h" fact="0.3"/>
+            <dgm:constr type="rMarg" refType="h" fact="0.3"/>
+            <dgm:constr type="tMarg" refType="h" fact="0.3"/>
+            <dgm:constr type="bMarg" refType="h" fact="0.3"/>
+          </dgm:constrLst>
+          <dgm:ruleLst>
+            <dgm:rule type="primFontSz" val="14" fact="NaN" max="NaN"/>
+            <dgm:rule type="h" val="INF" fact="NaN" max="NaN"/>
+          </dgm:ruleLst>
+        </dgm:layoutNode>
+        <dgm:choose name="Name12">
+          <dgm:if name="Name13" axis="ch" ptType="node" func="cnt" op="gte" val="1">
+            <dgm:layoutNode name="desTx" styleLbl="revTx">
+              <dgm:varLst/>
+              <dgm:alg type="tx">
+                <dgm:param type="txAnchorVertCh" val="mid"/>
+                <dgm:param type="parTxLTRAlign" val="l"/>
+                <dgm:param type="shpTxLTRAlignCh" val="l"/>
+                <dgm:param type="parTxRTLAlign" val="r"/>
+                <dgm:param type="shpTxRTLAlignCh" val="r"/>
+                <dgm:param type="stBulletLvl" val="0"/>
+              </dgm:alg>
+              <dgm:shape xmlns:r="http://schemas.openxmlformats.org/officeDocument/2006/relationships" type="rect" r:blip="">
+                <dgm:adjLst/>
+              </dgm:shape>
+              <dgm:presOf axis="des" ptType="node"/>
+              <dgm:constrLst>
+                <dgm:constr type="primFontSz" val="18"/>
+                <dgm:constr type="secFontSz" refType="primFontSz"/>
+                <dgm:constr type="lMarg" refType="h" fact="0.3"/>
+                <dgm:constr type="rMarg" refType="h" fact="0.3"/>
+                <dgm:constr type="tMarg" refType="h" fact="0.3"/>
+                <dgm:constr type="bMarg" refType="h" fact="0.3"/>
+              </dgm:constrLst>
+              <dgm:ruleLst>
+                <dgm:rule type="primFontSz" val="11" fact="NaN" max="NaN"/>
+              </dgm:ruleLst>
+            </dgm:layoutNode>
+          </dgm:if>
+          <dgm:else name="Name14"/>
+        </dgm:choose>
+      </dgm:layoutNode>
+      <dgm:forEach name="Name15" axis="followSib" ptType="sibTrans" cnt="1">
+        <dgm:layoutNode name="sibTrans">
+          <dgm:alg type="sp"/>
+          <dgm:shape xmlns:r="http://schemas.openxmlformats.org/officeDocument/2006/relationships" r:blip="">
+            <dgm:adjLst/>
+          </dgm:shape>
+          <dgm:presOf axis="self"/>
+          <dgm:constrLst/>
+          <dgm:ruleLst/>
+        </dgm:layoutNode>
+      </dgm:forEach>
+    </dgm:forEach>
+  </dgm:layoutNode>
+  <dgm:extLst>
+    <a:ext uri="{68A01E43-0DF5-4B5B-8FA6-DAF915123BFB}">
+      <dgm1612:lstStyle xmlns:dgm1612="http://schemas.microsoft.com/office/drawing/2016/12/diagram">
+        <a:lvl1pPr>
+          <a:lnSpc>
+            <a:spcPct val="100000"/>
+          </a:lnSpc>
+        </a:lvl1pPr>
+        <a:lvl2pPr>
+          <a:lnSpc>
+            <a:spcPct val="100000"/>
+          </a:lnSpc>
+        </a:lvl2pPr>
+      </dgm1612:lstStyle>
+    </a:ext>
+  </dgm:extLst>
+</dgm:layoutDef>
+</file>
+
+<file path=ppt/diagrams/layout3.xml><?xml version="1.0" encoding="utf-8"?>
+<dgm:layoutDef xmlns:dgm="http://schemas.openxmlformats.org/drawingml/2006/diagram" xmlns:a="http://schemas.openxmlformats.org/drawingml/2006/main" uniqueId="urn:microsoft.com/office/officeart/2005/8/layout/vList2">
+  <dgm:title val=""/>
+  <dgm:desc val=""/>
+  <dgm:catLst>
+    <dgm:cat type="list" pri="3000"/>
+    <dgm:cat type="convert" pri="1000"/>
+  </dgm:catLst>
+  <dgm:sampData>
+    <dgm:dataModel>
+      <dgm:ptLst>
+        <dgm:pt modelId="0" type="doc"/>
+        <dgm:pt modelId="1">
+          <dgm:prSet phldr="1"/>
+        </dgm:pt>
+        <dgm:pt modelId="11">
+          <dgm:prSet phldr="1"/>
+        </dgm:pt>
+        <dgm:pt modelId="2">
+          <dgm:prSet phldr="1"/>
+        </dgm:pt>
+        <dgm:pt modelId="21">
+          <dgm:prSet phldr="1"/>
+        </dgm:pt>
+      </dgm:ptLst>
+      <dgm:cxnLst>
+        <dgm:cxn modelId="4" srcId="0" destId="1" srcOrd="0" destOrd="0"/>
+        <dgm:cxn modelId="5" srcId="0" destId="2" srcOrd="1" destOrd="0"/>
+        <dgm:cxn modelId="12" srcId="1" destId="11" srcOrd="0" destOrd="0"/>
+        <dgm:cxn modelId="23" srcId="2" destId="21" srcOrd="0" destOrd="0"/>
+      </dgm:cxnLst>
+      <dgm:bg/>
+      <dgm:whole/>
+    </dgm:dataModel>
+  </dgm:sampData>
+  <dgm:styleData>
+    <dgm:dataModel>
+      <dgm:ptLst>
+        <dgm:pt modelId="0" type="doc"/>
+        <dgm:pt modelId="1"/>
+        <dgm:pt modelId="2"/>
+      </dgm:ptLst>
+      <dgm:cxnLst>
+        <dgm:cxn modelId="3" srcId="0" destId="1" srcOrd="0" destOrd="0"/>
+        <dgm:cxn modelId="4" srcId="0" destId="2" srcOrd="1" destOrd="0"/>
+      </dgm:cxnLst>
+      <dgm:bg/>
+      <dgm:whole/>
+    </dgm:dataModel>
+  </dgm:styleData>
+  <dgm:clrData>
+    <dgm:dataModel>
+      <dgm:ptLst>
+        <dgm:pt modelId="0" type="doc"/>
+        <dgm:pt modelId="1"/>
+        <dgm:pt modelId="2"/>
+        <dgm:pt modelId="3"/>
+        <dgm:pt modelId="4"/>
+      </dgm:ptLst>
+      <dgm:cxnLst>
+        <dgm:cxn modelId="5" srcId="0" destId="1" srcOrd="0" destOrd="0"/>
+        <dgm:cxn modelId="6" srcId="0" destId="2" srcOrd="1" destOrd="0"/>
+        <dgm:cxn modelId="7" srcId="0" destId="3" srcOrd="2" destOrd="0"/>
+        <dgm:cxn modelId="8" srcId="0" destId="4" srcOrd="3" destOrd="0"/>
+      </dgm:cxnLst>
+      <dgm:bg/>
+      <dgm:whole/>
+    </dgm:dataModel>
+  </dgm:clrData>
+  <dgm:layoutNode name="linear">
+    <dgm:varLst>
+      <dgm:animLvl val="lvl"/>
+      <dgm:resizeHandles val="exact"/>
+    </dgm:varLst>
+    <dgm:alg type="lin">
+      <dgm:param type="linDir" val="fromT"/>
+      <dgm:param type="vertAlign" val="mid"/>
+    </dgm:alg>
+    <dgm:shape xmlns:r="http://schemas.openxmlformats.org/officeDocument/2006/relationships" r:blip="">
+      <dgm:adjLst/>
+    </dgm:shape>
+    <dgm:presOf/>
+    <dgm:constrLst>
+      <dgm:constr type="w" for="ch" forName="parentText" refType="w"/>
+      <dgm:constr type="h" for="ch" forName="parentText" refType="primFontSz" refFor="ch" refForName="parentText" fact="0.52"/>
+      <dgm:constr type="w" for="ch" forName="childText" refType="w"/>
+      <dgm:constr type="h" for="ch" forName="childText" refType="primFontSz" refFor="ch" refForName="parentText" fact="0.46"/>
+      <dgm:constr type="h" for="ch" forName="parentText" op="equ"/>
+      <dgm:constr type="primFontSz" for="ch" forName="parentText" op="equ" val="65"/>
+      <dgm:constr type="primFontSz" for="ch" forName="childText" refType="primFontSz" refFor="ch" refForName="parentText" op="equ"/>
+      <dgm:constr type="h" for="ch" forName="spacer" refType="primFontSz" refFor="ch" refForName="parentText" fact="0.08"/>
+    </dgm:constrLst>
+    <dgm:ruleLst>
+      <dgm:rule type="primFontSz" for="ch" forName="parentText" val="5" fact="NaN" max="NaN"/>
+    </dgm:ruleLst>
+    <dgm:forEach name="Name0" axis="ch" ptType="node">
+      <dgm:layoutNode name="parentText" styleLbl="node1">
+        <dgm:varLst>
+          <dgm:chMax val="0"/>
+          <dgm:bulletEnabled val="1"/>
+        </dgm:varLst>
+        <dgm:alg type="tx">
+          <dgm:param type="parTxLTRAlign" val="l"/>
+          <dgm:param type="parTxRTLAlign" val="r"/>
+        </dgm:alg>
+        <dgm:shape xmlns:r="http://schemas.openxmlformats.org/officeDocument/2006/relationships" type="roundRect" r:blip="">
+          <dgm:adjLst/>
+        </dgm:shape>
+        <dgm:presOf axis="self"/>
+        <dgm:constrLst>
+          <dgm:constr type="tMarg" refType="primFontSz" fact="0.3"/>
+          <dgm:constr type="bMarg" refType="primFontSz" fact="0.3"/>
+          <dgm:constr type="lMarg" refType="primFontSz" fact="0.3"/>
+          <dgm:constr type="rMarg" refType="primFontSz" fact="0.3"/>
+        </dgm:constrLst>
+        <dgm:ruleLst>
+          <dgm:rule type="h" val="INF" fact="NaN" max="NaN"/>
+        </dgm:ruleLst>
+      </dgm:layoutNode>
+      <dgm:choose name="Name1">
+        <dgm:if name="Name2" axis="ch" ptType="node" func="cnt" op="gte" val="1">
+          <dgm:layoutNode name="childText" styleLbl="revTx">
+            <dgm:varLst>
+              <dgm:bulletEnabled val="1"/>
+            </dgm:varLst>
+            <dgm:alg type="tx">
+              <dgm:param type="stBulletLvl" val="1"/>
+              <dgm:param type="lnSpAfChP" val="20"/>
+            </dgm:alg>
+            <dgm:shape xmlns:r="http://schemas.openxmlformats.org/officeDocument/2006/relationships" type="rect" r:blip="">
+              <dgm:adjLst/>
+            </dgm:shape>
+            <dgm:presOf axis="des" ptType="node"/>
+            <dgm:constrLst>
+              <dgm:constr type="tMarg" refType="primFontSz" fact="0.1"/>
+              <dgm:constr type="bMarg" refType="primFontSz" fact="0.1"/>
+              <dgm:constr type="lMarg" refType="w" fact="0.09"/>
+            </dgm:constrLst>
+            <dgm:ruleLst>
+              <dgm:rule type="h" val="INF" fact="NaN" max="NaN"/>
+            </dgm:ruleLst>
+          </dgm:layoutNode>
+        </dgm:if>
+        <dgm:else name="Name3">
+          <dgm:choose name="Name4">
+            <dgm:if name="Name5" axis="par ch" ptType="doc node" func="cnt" op="gte" val="2">
+              <dgm:forEach name="Name6" axis="followSib" ptType="sibTrans" cnt="1">
+                <dgm:layoutNode name="spacer">
+                  <dgm:alg type="sp"/>
+                  <dgm:shape xmlns:r="http://schemas.openxmlformats.org/officeDocument/2006/relationships" r:blip="">
+                    <dgm:adjLst/>
+                  </dgm:shape>
+                  <dgm:presOf/>
+                  <dgm:constrLst/>
+                  <dgm:ruleLst/>
+                </dgm:layoutNode>
+              </dgm:forEach>
+            </dgm:if>
+            <dgm:else name="Name7"/>
+          </dgm:choose>
+        </dgm:else>
+      </dgm:choose>
+    </dgm:forEach>
+  </dgm:layoutNode>
+</dgm:layoutDef>
+</file>
+
 <file path=ppt/diagrams/quickStyle1.xml><?xml version="1.0" encoding="utf-8"?>
+<dgm:styleDef xmlns:dgm="http://schemas.openxmlformats.org/drawingml/2006/diagram" xmlns:a="http://schemas.openxmlformats.org/drawingml/2006/main" uniqueId="urn:microsoft.com/office/officeart/2005/8/quickstyle/simple1">
+  <dgm:title val=""/>
+  <dgm:desc val=""/>
+  <dgm:catLst>
+    <dgm:cat type="simple" pri="10100"/>
+  </dgm:catLst>
+  <dgm:scene3d>
+    <a:camera prst="orthographicFront"/>
+    <a:lightRig rig="threePt" dir="t"/>
+  </dgm:scene3d>
+  <dgm:styleLbl name="node0">
+    <dgm:scene3d>
+      <a:camera prst="orthographicFront"/>
+      <a:lightRig rig="threePt" dir="t"/>
+    </dgm:scene3d>
+    <dgm:sp3d/>
+    <dgm:txPr/>
+    <dgm:style>
+      <a:lnRef idx="2">
+        <a:scrgbClr r="0" g="0" b="0"/>
+      </a:lnRef>
+      <a:fillRef idx="1">
+        <a:scrgbClr r="0" g="0" b="0"/>
+      </a:fillRef>
+      <a:effectRef idx="0">
+        <a:scrgbClr r="0" g="0" b="0"/>
+      </a:effectRef>
+      <a:fontRef idx="minor">
+        <a:schemeClr val="lt1"/>
+      </a:fontRef>
+    </dgm:style>
+  </dgm:styleLbl>
+  <dgm:styleLbl name="lnNode1">
+    <dgm:scene3d>
+      <a:camera prst="orthographicFront"/>
+      <a:lightRig rig="threePt" dir="t"/>
+    </dgm:scene3d>
+    <dgm:sp3d/>
+    <dgm:txPr/>
+    <dgm:style>
+      <a:lnRef idx="2">
+        <a:scrgbClr r="0" g="0" b="0"/>
+      </a:lnRef>
+      <a:fillRef idx="1">
+        <a:scrgbClr r="0" g="0" b="0"/>
+      </a:fillRef>
+      <a:effectRef idx="0">
+        <a:scrgbClr r="0" g="0" b="0"/>
+      </a:effectRef>
+      <a:fontRef idx="minor">
+        <a:schemeClr val="lt1"/>
+      </a:fontRef>
+    </dgm:style>
+  </dgm:styleLbl>
+  <dgm:styleLbl name="vennNode1">
+    <dgm:scene3d>
+      <a:camera prst="orthographicFront"/>
+      <a:lightRig rig="threePt" dir="t"/>
+    </dgm:scene3d>
+    <dgm:sp3d/>
+    <dgm:txPr/>
+    <dgm:style>
+      <a:lnRef idx="2">
+        <a:scrgbClr r="0" g="0" b="0"/>
+      </a:lnRef>
+      <a:fillRef idx="1">
+        <a:scrgbClr r="0" g="0" b="0"/>
+      </a:fillRef>
+      <a:effectRef idx="0">
+        <a:scrgbClr r="0" g="0" b="0"/>
+      </a:effectRef>
+      <a:fontRef idx="minor">
+        <a:schemeClr val="tx1"/>
+      </a:fontRef>
+    </dgm:style>
+  </dgm:styleLbl>
+  <dgm:styleLbl name="alignNode1">
+    <dgm:scene3d>
+      <a:camera prst="orthographicFront"/>
+      <a:lightRig rig="threePt" dir="t"/>
+    </dgm:scene3d>
+    <dgm:sp3d/>
+    <dgm:txPr/>
+    <dgm:style>
+      <a:lnRef idx="2">
+        <a:scrgbClr r="0" g="0" b="0"/>
+      </a:lnRef>
+      <a:fillRef idx="1">
+        <a:scrgbClr r="0" g="0" b="0"/>
+      </a:fillRef>
+      <a:effectRef idx="0">
+        <a:scrgbClr r="0" g="0" b="0"/>
+      </a:effectRef>
+      <a:fontRef idx="minor">
+        <a:schemeClr val="lt1"/>
+      </a:fontRef>
+    </dgm:style>
+  </dgm:styleLbl>
+  <dgm:styleLbl name="node1">
+    <dgm:scene3d>
+      <a:camera prst="orthographicFront"/>
+      <a:lightRig rig="threePt" dir="t"/>
+    </dgm:scene3d>
+    <dgm:sp3d/>
+    <dgm:txPr/>
+    <dgm:style>
+      <a:lnRef idx="2">
+        <a:scrgbClr r="0" g="0" b="0"/>
+      </a:lnRef>
+      <a:fillRef idx="1">
+        <a:scrgbClr r="0" g="0" b="0"/>
+      </a:fillRef>
+      <a:effectRef idx="0">
+        <a:scrgbClr r="0" g="0" b="0"/>
+      </a:effectRef>
+      <a:fontRef idx="minor">
+        <a:schemeClr val="lt1"/>
+      </a:fontRef>
+    </dgm:style>
+  </dgm:styleLbl>
+  <dgm:styleLbl name="node2">
+    <dgm:scene3d>
+      <a:camera prst="orthographicFront"/>
+      <a:lightRig rig="threePt" dir="t"/>
+    </dgm:scene3d>
+    <dgm:sp3d/>
+    <dgm:txPr/>
+    <dgm:style>
+      <a:lnRef idx="2">
+        <a:scrgbClr r="0" g="0" b="0"/>
+      </a:lnRef>
+      <a:fillRef idx="1">
+        <a:scrgbClr r="0" g="0" b="0"/>
+      </a:fillRef>
+      <a:effectRef idx="0">
+        <a:scrgbClr r="0" g="0" b="0"/>
+      </a:effectRef>
+      <a:fontRef idx="minor">
+        <a:schemeClr val="lt1"/>
+      </a:fontRef>
+    </dgm:style>
+  </dgm:styleLbl>
+  <dgm:styleLbl name="node3">
+    <dgm:scene3d>
+      <a:camera prst="orthographicFront"/>
+      <a:lightRig rig="threePt" dir="t"/>
+    </dgm:scene3d>
+    <dgm:sp3d/>
+    <dgm:txPr/>
+    <dgm:style>
+      <a:lnRef idx="2">
+        <a:scrgbClr r="0" g="0" b="0"/>
+      </a:lnRef>
+      <a:fillRef idx="1">
+        <a:scrgbClr r="0" g="0" b="0"/>
+      </a:fillRef>
+      <a:effectRef idx="0">
+        <a:scrgbClr r="0" g="0" b="0"/>
+      </a:effectRef>
+      <a:fontRef idx="minor">
+        <a:schemeClr val="lt1"/>
+      </a:fontRef>
+    </dgm:style>
+  </dgm:styleLbl>
+  <dgm:styleLbl name="node4">
+    <dgm:scene3d>
+      <a:camera prst="orthographicFront"/>
+      <a:lightRig rig="threePt" dir="t"/>
+    </dgm:scene3d>
+    <dgm:sp3d/>
+    <dgm:txPr/>
+    <dgm:style>
+      <a:lnRef idx="2">
+        <a:scrgbClr r="0" g="0" b="0"/>
+      </a:lnRef>
+      <a:fillRef idx="1">
+        <a:scrgbClr r="0" g="0" b="0"/>
+      </a:fillRef>
+      <a:effectRef idx="0">
+        <a:scrgbClr r="0" g="0" b="0"/>
+      </a:effectRef>
+      <a:fontRef idx="minor">
+        <a:schemeClr val="lt1"/>
+      </a:fontRef>
+    </dgm:style>
+  </dgm:styleLbl>
+  <dgm:styleLbl name="fgImgPlace1">
+    <dgm:scene3d>
+      <a:camera prst="orthographicFront"/>
+      <a:lightRig rig="threePt" dir="t"/>
+    </dgm:scene3d>
+    <dgm:sp3d/>
+    <dgm:txPr/>
+    <dgm:style>
+      <a:lnRef idx="2">
+        <a:scrgbClr r="0" g="0" b="0"/>
+      </a:lnRef>
+      <a:fillRef idx="1">
+        <a:scrgbClr r="0" g="0" b="0"/>
+      </a:fillRef>
+      <a:effectRef idx="0">
+        <a:scrgbClr r="0" g="0" b="0"/>
+      </a:effectRef>
+      <a:fontRef idx="minor"/>
+    </dgm:style>
+  </dgm:styleLbl>
+  <dgm:styleLbl name="alignImgPlace1">
+    <dgm:scene3d>
+      <a:camera prst="orthographicFront"/>
+      <a:lightRig rig="threePt" dir="t"/>
+    </dgm:scene3d>
+    <dgm:sp3d/>
+    <dgm:txPr/>
+    <dgm:style>
+      <a:lnRef idx="2">
+        <a:scrgbClr r="0" g="0" b="0"/>
+      </a:lnRef>
+      <a:fillRef idx="1">
+        <a:scrgbClr r="0" g="0" b="0"/>
+      </a:fillRef>
+      <a:effectRef idx="0">
+        <a:scrgbClr r="0" g="0" b="0"/>
+      </a:effectRef>
+      <a:fontRef idx="minor"/>
+    </dgm:style>
+  </dgm:styleLbl>
+  <dgm:styleLbl name="bgImgPlace1">
+    <dgm:scene3d>
+      <a:camera prst="orthographicFront"/>
+      <a:lightRig rig="threePt" dir="t"/>
+    </dgm:scene3d>
+    <dgm:sp3d/>
+    <dgm:txPr/>
+    <dgm:style>
+      <a:lnRef idx="2">
+        <a:scrgbClr r="0" g="0" b="0"/>
+      </a:lnRef>
+      <a:fillRef idx="1">
+        <a:scrgbClr r="0" g="0" b="0"/>
+      </a:fillRef>
+      <a:effectRef idx="0">
+        <a:scrgbClr r="0" g="0" b="0"/>
+      </a:effectRef>
+      <a:fontRef idx="minor"/>
+    </dgm:style>
+  </dgm:styleLbl>
+  <dgm:styleLbl name="sibTrans2D1">
+    <dgm:scene3d>
+      <a:camera prst="orthographicFront"/>
+      <a:lightRig rig="threePt" dir="t"/>
+    </dgm:scene3d>
+    <dgm:sp3d/>
+    <dgm:txPr/>
+    <dgm:style>
+      <a:lnRef idx="0">
+        <a:scrgbClr r="0" g="0" b="0"/>
+      </a:lnRef>
+      <a:fillRef idx="1">
+        <a:scrgbClr r="0" g="0" b="0"/>
+      </a:fillRef>
+      <a:effectRef idx="0">
+        <a:scrgbClr r="0" g="0" b="0"/>
+      </a:effectRef>
+      <a:fontRef idx="minor">
+        <a:schemeClr val="lt1"/>
+      </a:fontRef>
+    </dgm:style>
+  </dgm:styleLbl>
+  <dgm:styleLbl name="fgSibTrans2D1">
+    <dgm:scene3d>
+      <a:camera prst="orthographicFront"/>
+      <a:lightRig rig="threePt" dir="t"/>
+    </dgm:scene3d>
+    <dgm:sp3d/>
+    <dgm:txPr/>
+    <dgm:style>
+      <a:lnRef idx="0">
+        <a:scrgbClr r="0" g="0" b="0"/>
+      </a:lnRef>
+      <a:fillRef idx="1">
+        <a:scrgbClr r="0" g="0" b="0"/>
+      </a:fillRef>
+      <a:effectRef idx="0">
+        <a:scrgbClr r="0" g="0" b="0"/>
+      </a:effectRef>
+      <a:fontRef idx="minor">
+        <a:schemeClr val="lt1"/>
+      </a:fontRef>
+    </dgm:style>
+  </dgm:styleLbl>
+  <dgm:styleLbl name="bgSibTrans2D1">
+    <dgm:scene3d>
+      <a:camera prst="orthographicFront"/>
+      <a:lightRig rig="threePt" dir="t"/>
+    </dgm:scene3d>
+    <dgm:sp3d/>
+    <dgm:txPr/>
+    <dgm:style>
+      <a:lnRef idx="0">
+        <a:scrgbClr r="0" g="0" b="0"/>
+      </a:lnRef>
+      <a:fillRef idx="1">
+        <a:scrgbClr r="0" g="0" b="0"/>
+      </a:fillRef>
+      <a:effectRef idx="0">
+        <a:scrgbClr r="0" g="0" b="0"/>
+      </a:effectRef>
+      <a:fontRef idx="minor">
+        <a:schemeClr val="lt1"/>
+      </a:fontRef>
+    </dgm:style>
+  </dgm:styleLbl>
+  <dgm:styleLbl name="sibTrans1D1">
+    <dgm:scene3d>
+      <a:camera prst="orthographicFront"/>
+      <a:lightRig rig="threePt" dir="t"/>
+    </dgm:scene3d>
+    <dgm:sp3d/>
+    <dgm:txPr/>
+    <dgm:style>
+      <a:lnRef idx="1">
+        <a:scrgbClr r="0" g="0" b="0"/>
+      </a:lnRef>
+      <a:fillRef idx="0">
+        <a:scrgbClr r="0" g="0" b="0"/>
+      </a:fillRef>
+      <a:effectRef idx="0">
+        <a:scrgbClr r="0" g="0" b="0"/>
+      </a:effectRef>
+      <a:fontRef idx="minor"/>
+    </dgm:style>
+  </dgm:styleLbl>
+  <dgm:styleLbl name="callout">
+    <dgm:scene3d>
+      <a:camera prst="orthographicFront"/>
+      <a:lightRig rig="threePt" dir="t"/>
+    </dgm:scene3d>
+    <dgm:sp3d/>
+    <dgm:txPr/>
+    <dgm:style>
+      <a:lnRef idx="2">
+        <a:scrgbClr r="0" g="0" b="0"/>
+      </a:lnRef>
+      <a:fillRef idx="1">
+        <a:scrgbClr r="0" g="0" b="0"/>
+      </a:fillRef>
+      <a:effectRef idx="0">
+        <a:scrgbClr r="0" g="0" b="0"/>
+      </a:effectRef>
+      <a:fontRef idx="minor"/>
+    </dgm:style>
+  </dgm:styleLbl>
+  <dgm:styleLbl name="asst0">
+    <dgm:scene3d>
+      <a:camera prst="orthographicFront"/>
+      <a:lightRig rig="threePt" dir="t"/>
+    </dgm:scene3d>
+    <dgm:sp3d/>
+    <dgm:txPr/>
+    <dgm:style>
+      <a:lnRef idx="2">
+        <a:scrgbClr r="0" g="0" b="0"/>
+      </a:lnRef>
+      <a:fillRef idx="1">
+        <a:scrgbClr r="0" g="0" b="0"/>
+      </a:fillRef>
+      <a:effectRef idx="0">
+        <a:scrgbClr r="0" g="0" b="0"/>
+      </a:effectRef>
+      <a:fontRef idx="minor">
+        <a:schemeClr val="lt1"/>
+      </a:fontRef>
+    </dgm:style>
+  </dgm:styleLbl>
+  <dgm:styleLbl name="asst1">
+    <dgm:scene3d>
+      <a:camera prst="orthographicFront"/>
+      <a:lightRig rig="threePt" dir="t"/>
+    </dgm:scene3d>
+    <dgm:sp3d/>
+    <dgm:txPr/>
+    <dgm:style>
+      <a:lnRef idx="2">
+        <a:scrgbClr r="0" g="0" b="0"/>
+      </a:lnRef>
+      <a:fillRef idx="1">
+        <a:scrgbClr r="0" g="0" b="0"/>
+      </a:fillRef>
+      <a:effectRef idx="0">
+        <a:scrgbClr r="0" g="0" b="0"/>
+      </a:effectRef>
+      <a:fontRef idx="minor">
+        <a:schemeClr val="lt1"/>
+      </a:fontRef>
+    </dgm:style>
+  </dgm:styleLbl>
+  <dgm:styleLbl name="asst2">
+    <dgm:scene3d>
+      <a:camera prst="orthographicFront"/>
+      <a:lightRig rig="threePt" dir="t"/>
+    </dgm:scene3d>
+    <dgm:sp3d/>
+    <dgm:txPr/>
+    <dgm:style>
+      <a:lnRef idx="2">
+        <a:scrgbClr r="0" g="0" b="0"/>
+      </a:lnRef>
+      <a:fillRef idx="1">
+        <a:scrgbClr r="0" g="0" b="0"/>
+      </a:fillRef>
+      <a:effectRef idx="0">
+        <a:scrgbClr r="0" g="0" b="0"/>
+      </a:effectRef>
+      <a:fontRef idx="minor">
+        <a:schemeClr val="lt1"/>
+      </a:fontRef>
+    </dgm:style>
+  </dgm:styleLbl>
+  <dgm:styleLbl name="asst3">
+    <dgm:scene3d>
+      <a:camera prst="orthographicFront"/>
+      <a:lightRig rig="threePt" dir="t"/>
+    </dgm:scene3d>
+    <dgm:sp3d/>
+    <dgm:txPr/>
+    <dgm:style>
+      <a:lnRef idx="2">
+        <a:scrgbClr r="0" g="0" b="0"/>
+      </a:lnRef>
+      <a:fillRef idx="1">
+        <a:scrgbClr r="0" g="0" b="0"/>
+      </a:fillRef>
+      <a:effectRef idx="0">
+        <a:scrgbClr r="0" g="0" b="0"/>
+      </a:effectRef>
+      <a:fontRef idx="minor">
+        <a:schemeClr val="lt1"/>
+      </a:fontRef>
+    </dgm:style>
+  </dgm:styleLbl>
+  <dgm:styleLbl name="asst4">
+    <dgm:scene3d>
+      <a:camera prst="orthographicFront"/>
+      <a:lightRig rig="threePt" dir="t"/>
+    </dgm:scene3d>
+    <dgm:sp3d/>
+    <dgm:txPr/>
+    <dgm:style>
+      <a:lnRef idx="2">
+        <a:scrgbClr r="0" g="0" b="0"/>
+      </a:lnRef>
+      <a:fillRef idx="1">
+        <a:scrgbClr r="0" g="0" b="0"/>
+      </a:fillRef>
+      <a:effectRef idx="0">
+        <a:scrgbClr r="0" g="0" b="0"/>
+      </a:effectRef>
+      <a:fontRef idx="minor">
+        <a:schemeClr val="lt1"/>
+      </a:fontRef>
+    </dgm:style>
+  </dgm:styleLbl>
+  <dgm:styleLbl name="parChTrans2D1">
+    <dgm:scene3d>
+      <a:camera prst="orthographicFront"/>
+      <a:lightRig rig="threePt" dir="t"/>
+    </dgm:scene3d>
+    <dgm:sp3d/>
+    <dgm:txPr/>
+    <dgm:style>
+      <a:lnRef idx="2">
+        <a:scrgbClr r="0" g="0" b="0"/>
+      </a:lnRef>
+      <a:fillRef idx="1">
+        <a:scrgbClr r="0" g="0" b="0"/>
+      </a:fillRef>
+      <a:effectRef idx="0">
+        <a:scrgbClr r="0" g="0" b="0"/>
+      </a:effectRef>
+      <a:fontRef idx="minor">
+        <a:schemeClr val="lt1"/>
+      </a:fontRef>
+    </dgm:style>
+  </dgm:styleLbl>
+  <dgm:styleLbl name="parChTrans2D2">
+    <dgm:scene3d>
+      <a:camera prst="orthographicFront"/>
+      <a:lightRig rig="threePt" dir="t"/>
+    </dgm:scene3d>
+    <dgm:sp3d/>
+    <dgm:txPr/>
+    <dgm:style>
+      <a:lnRef idx="2">
+        <a:scrgbClr r="0" g="0" b="0"/>
+      </a:lnRef>
+      <a:fillRef idx="1">
+        <a:scrgbClr r="0" g="0" b="0"/>
+      </a:fillRef>
+      <a:effectRef idx="0">
+        <a:scrgbClr r="0" g="0" b="0"/>
+      </a:effectRef>
+      <a:fontRef idx="minor">
+        <a:schemeClr val="lt1"/>
+      </a:fontRef>
+    </dgm:style>
+  </dgm:styleLbl>
+  <dgm:styleLbl name="parChTrans2D3">
+    <dgm:scene3d>
+      <a:camera prst="orthographicFront"/>
+      <a:lightRig rig="threePt" dir="t"/>
+    </dgm:scene3d>
+    <dgm:sp3d/>
+    <dgm:txPr/>
+    <dgm:style>
+      <a:lnRef idx="2">
+        <a:scrgbClr r="0" g="0" b="0"/>
+      </a:lnRef>
+      <a:fillRef idx="1">
+        <a:scrgbClr r="0" g="0" b="0"/>
+      </a:fillRef>
+      <a:effectRef idx="0">
+        <a:scrgbClr r="0" g="0" b="0"/>
+      </a:effectRef>
+      <a:fontRef idx="minor">
+        <a:schemeClr val="lt1"/>
+      </a:fontRef>
+    </dgm:style>
+  </dgm:styleLbl>
+  <dgm:styleLbl name="parChTrans2D4">
+    <dgm:scene3d>
+      <a:camera prst="orthographicFront"/>
+      <a:lightRig rig="threePt" dir="t"/>
+    </dgm:scene3d>
+    <dgm:sp3d/>
+    <dgm:txPr/>
+    <dgm:style>
+      <a:lnRef idx="2">
+        <a:scrgbClr r="0" g="0" b="0"/>
+      </a:lnRef>
+      <a:fillRef idx="1">
+        <a:scrgbClr r="0" g="0" b="0"/>
+      </a:fillRef>
+      <a:effectRef idx="0">
+        <a:scrgbClr r="0" g="0" b="0"/>
+      </a:effectRef>
+      <a:fontRef idx="minor">
+        <a:schemeClr val="lt1"/>
+      </a:fontRef>
+    </dgm:style>
+  </dgm:styleLbl>
+  <dgm:styleLbl name="parChTrans1D1">
+    <dgm:scene3d>
+      <a:camera prst="orthographicFront"/>
+      <a:lightRig rig="threePt" dir="t"/>
+    </dgm:scene3d>
+    <dgm:sp3d/>
+    <dgm:txPr/>
+    <dgm:style>
+      <a:lnRef idx="2">
+        <a:scrgbClr r="0" g="0" b="0"/>
+      </a:lnRef>
+      <a:fillRef idx="0">
+        <a:scrgbClr r="0" g="0" b="0"/>
+      </a:fillRef>
+      <a:effectRef idx="0">
+        <a:scrgbClr r="0" g="0" b="0"/>
+      </a:effectRef>
+      <a:fontRef idx="minor"/>
+    </dgm:style>
+  </dgm:styleLbl>
+  <dgm:styleLbl name="parChTrans1D2">
+    <dgm:scene3d>
+      <a:camera prst="orthographicFront"/>
+      <a:lightRig rig="threePt" dir="t"/>
+    </dgm:scene3d>
+    <dgm:sp3d/>
+    <dgm:txPr/>
+    <dgm:style>
+      <a:lnRef idx="2">
+        <a:scrgbClr r="0" g="0" b="0"/>
+      </a:lnRef>
+      <a:fillRef idx="0">
+        <a:scrgbClr r="0" g="0" b="0"/>
+      </a:fillRef>
+      <a:effectRef idx="0">
+        <a:scrgbClr r="0" g="0" b="0"/>
+      </a:effectRef>
+      <a:fontRef idx="minor"/>
+    </dgm:style>
+  </dgm:styleLbl>
+  <dgm:styleLbl name="parChTrans1D3">
+    <dgm:scene3d>
+      <a:camera prst="orthographicFront"/>
+      <a:lightRig rig="threePt" dir="t"/>
+    </dgm:scene3d>
+    <dgm:sp3d/>
+    <dgm:txPr/>
+    <dgm:style>
+      <a:lnRef idx="2">
+        <a:scrgbClr r="0" g="0" b="0"/>
+      </a:lnRef>
+      <a:fillRef idx="0">
+        <a:scrgbClr r="0" g="0" b="0"/>
+      </a:fillRef>
+      <a:effectRef idx="0">
+        <a:scrgbClr r="0" g="0" b="0"/>
+      </a:effectRef>
+      <a:fontRef idx="minor"/>
+    </dgm:style>
+  </dgm:styleLbl>
+  <dgm:styleLbl name="parChTrans1D4">
+    <dgm:scene3d>
+      <a:camera prst="orthographicFront"/>
+      <a:lightRig rig="threePt" dir="t"/>
+    </dgm:scene3d>
+    <dgm:sp3d/>
+    <dgm:txPr/>
+    <dgm:style>
+      <a:lnRef idx="2">
+        <a:scrgbClr r="0" g="0" b="0"/>
+      </a:lnRef>
+      <a:fillRef idx="0">
+        <a:scrgbClr r="0" g="0" b="0"/>
+      </a:fillRef>
+      <a:effectRef idx="0">
+        <a:scrgbClr r="0" g="0" b="0"/>
+      </a:effectRef>
+      <a:fontRef idx="minor"/>
+    </dgm:style>
+  </dgm:styleLbl>
+  <dgm:styleLbl name="fgAcc1">
+    <dgm:scene3d>
+      <a:camera prst="orthographicFront"/>
+      <a:lightRig rig="threePt" dir="t"/>
+    </dgm:scene3d>
+    <dgm:sp3d/>
+    <dgm:txPr/>
+    <dgm:style>
+      <a:lnRef idx="2">
+        <a:scrgbClr r="0" g="0" b="0"/>
+      </a:lnRef>
+      <a:fillRef idx="1">
+        <a:scrgbClr r="0" g="0" b="0"/>
+      </a:fillRef>
+      <a:effectRef idx="0">
+        <a:scrgbClr r="0" g="0" b="0"/>
+      </a:effectRef>
+      <a:fontRef idx="minor"/>
+    </dgm:style>
+  </dgm:styleLbl>
+  <dgm:styleLbl name="conFgAcc1">
+    <dgm:scene3d>
+      <a:camera prst="orthographicFront"/>
+      <a:lightRig rig="threePt" dir="t"/>
+    </dgm:scene3d>
+    <dgm:sp3d/>
+    <dgm:txPr/>
+    <dgm:style>
+      <a:lnRef idx="2">
+        <a:scrgbClr r="0" g="0" b="0"/>
+      </a:lnRef>
+      <a:fillRef idx="1">
+        <a:scrgbClr r="0" g="0" b="0"/>
+      </a:fillRef>
+      <a:effectRef idx="0">
+        <a:scrgbClr r="0" g="0" b="0"/>
+      </a:effectRef>
+      <a:fontRef idx="minor"/>
+    </dgm:style>
+  </dgm:styleLbl>
+  <dgm:styleLbl name="alignAcc1">
+    <dgm:scene3d>
+      <a:camera prst="orthographicFront"/>
+      <a:lightRig rig="threePt" dir="t"/>
+    </dgm:scene3d>
+    <dgm:sp3d/>
+    <dgm:txPr/>
+    <dgm:style>
+      <a:lnRef idx="2">
+        <a:scrgbClr r="0" g="0" b="0"/>
+      </a:lnRef>
+      <a:fillRef idx="1">
+        <a:scrgbClr r="0" g="0" b="0"/>
+      </a:fillRef>
+      <a:effectRef idx="0">
+        <a:scrgbClr r="0" g="0" b="0"/>
+      </a:effectRef>
+      <a:fontRef idx="minor"/>
+    </dgm:style>
+  </dgm:styleLbl>
+  <dgm:styleLbl name="trAlignAcc1">
+    <dgm:scene3d>
+      <a:camera prst="orthographicFront"/>
+      <a:lightRig rig="threePt" dir="t"/>
+    </dgm:scene3d>
+    <dgm:sp3d/>
+    <dgm:txPr/>
+    <dgm:style>
+      <a:lnRef idx="1">
+        <a:scrgbClr r="0" g="0" b="0"/>
+      </a:lnRef>
+      <a:fillRef idx="1">
+        <a:scrgbClr r="0" g="0" b="0"/>
+      </a:fillRef>
+      <a:effectRef idx="0">
+        <a:scrgbClr r="0" g="0" b="0"/>
+      </a:effectRef>
+      <a:fontRef idx="minor"/>
+    </dgm:style>
+  </dgm:styleLbl>
+  <dgm:styleLbl name="bgAcc1">
+    <dgm:scene3d>
+      <a:camera prst="orthographicFront"/>
+      <a:lightRig rig="threePt" dir="t"/>
+    </dgm:scene3d>
+    <dgm:sp3d/>
+    <dgm:txPr/>
+    <dgm:style>
+      <a:lnRef idx="2">
+        <a:scrgbClr r="0" g="0" b="0"/>
+      </a:lnRef>
+      <a:fillRef idx="1">
+        <a:scrgbClr r="0" g="0" b="0"/>
+      </a:fillRef>
+      <a:effectRef idx="0">
+        <a:scrgbClr r="0" g="0" b="0"/>
+      </a:effectRef>
+      <a:fontRef idx="minor"/>
+    </dgm:style>
+  </dgm:styleLbl>
+  <dgm:styleLbl name="solidFgAcc1">
+    <dgm:scene3d>
+      <a:camera prst="orthographicFront"/>
+      <a:lightRig rig="threePt" dir="t"/>
+    </dgm:scene3d>
+    <dgm:sp3d/>
+    <dgm:txPr/>
+    <dgm:style>
+      <a:lnRef idx="2">
+        <a:scrgbClr r="0" g="0" b="0"/>
+      </a:lnRef>
+      <a:fillRef idx="1">
+        <a:scrgbClr r="0" g="0" b="0"/>
+      </a:fillRef>
+      <a:effectRef idx="0">
+        <a:scrgbClr r="0" g="0" b="0"/>
+      </a:effectRef>
+      <a:fontRef idx="minor"/>
+    </dgm:style>
+  </dgm:styleLbl>
+  <dgm:styleLbl name="solidAlignAcc1">
+    <dgm:scene3d>
+      <a:camera prst="orthographicFront"/>
+      <a:lightRig rig="threePt" dir="t"/>
+    </dgm:scene3d>
+    <dgm:sp3d/>
+    <dgm:txPr/>
+    <dgm:style>
+      <a:lnRef idx="2">
+        <a:scrgbClr r="0" g="0" b="0"/>
+      </a:lnRef>
+      <a:fillRef idx="1">
+        <a:scrgbClr r="0" g="0" b="0"/>
+      </a:fillRef>
+      <a:effectRef idx="0">
+        <a:scrgbClr r="0" g="0" b="0"/>
+      </a:effectRef>
+      <a:fontRef idx="minor"/>
+    </dgm:style>
+  </dgm:styleLbl>
+  <dgm:styleLbl name="solidBgAcc1">
+    <dgm:scene3d>
+      <a:camera prst="orthographicFront"/>
+      <a:lightRig rig="threePt" dir="t"/>
+    </dgm:scene3d>
+    <dgm:sp3d/>
+    <dgm:txPr/>
+    <dgm:style>
+      <a:lnRef idx="2">
+        <a:scrgbClr r="0" g="0" b="0"/>
+      </a:lnRef>
+      <a:fillRef idx="1">
+        <a:scrgbClr r="0" g="0" b="0"/>
+      </a:fillRef>
+      <a:effectRef idx="0">
+        <a:scrgbClr r="0" g="0" b="0"/>
+      </a:effectRef>
+      <a:fontRef idx="minor"/>
+    </dgm:style>
+  </dgm:styleLbl>
+  <dgm:styleLbl name="fgAccFollowNode1">
+    <dgm:scene3d>
+      <a:camera prst="orthographicFront"/>
+      <a:lightRig rig="threePt" dir="t"/>
+    </dgm:scene3d>
+    <dgm:sp3d/>
+    <dgm:txPr/>
+    <dgm:style>
+      <a:lnRef idx="2">
+        <a:scrgbClr r="0" g="0" b="0"/>
+      </a:lnRef>
+      <a:fillRef idx="1">
+        <a:scrgbClr r="0" g="0" b="0"/>
+      </a:fillRef>
+      <a:effectRef idx="0">
+        <a:scrgbClr r="0" g="0" b="0"/>
+      </a:effectRef>
+      <a:fontRef idx="minor"/>
+    </dgm:style>
+  </dgm:styleLbl>
+  <dgm:styleLbl name="alignAccFollowNode1">
+    <dgm:scene3d>
+      <a:camera prst="orthographicFront"/>
+      <a:lightRig rig="threePt" dir="t"/>
+    </dgm:scene3d>
+    <dgm:sp3d/>
+    <dgm:txPr/>
+    <dgm:style>
+      <a:lnRef idx="2">
+        <a:scrgbClr r="0" g="0" b="0"/>
+      </a:lnRef>
+      <a:fillRef idx="1">
+        <a:scrgbClr r="0" g="0" b="0"/>
+      </a:fillRef>
+      <a:effectRef idx="0">
+        <a:scrgbClr r="0" g="0" b="0"/>
+      </a:effectRef>
+      <a:fontRef idx="minor"/>
+    </dgm:style>
+  </dgm:styleLbl>
+  <dgm:styleLbl name="bgAccFollowNode1">
+    <dgm:scene3d>
+      <a:camera prst="orthographicFront"/>
+      <a:lightRig rig="threePt" dir="t"/>
+    </dgm:scene3d>
+    <dgm:sp3d/>
+    <dgm:txPr/>
+    <dgm:style>
+      <a:lnRef idx="2">
+        <a:scrgbClr r="0" g="0" b="0"/>
+      </a:lnRef>
+      <a:fillRef idx="1">
+        <a:scrgbClr r="0" g="0" b="0"/>
+      </a:fillRef>
+      <a:effectRef idx="0">
+        <a:scrgbClr r="0" g="0" b="0"/>
+      </a:effectRef>
+      <a:fontRef idx="minor"/>
+    </dgm:style>
+  </dgm:styleLbl>
+  <dgm:styleLbl name="fgAcc0">
+    <dgm:scene3d>
+      <a:camera prst="orthographicFront"/>
+      <a:lightRig rig="threePt" dir="t"/>
+    </dgm:scene3d>
+    <dgm:sp3d/>
+    <dgm:txPr/>
+    <dgm:style>
+      <a:lnRef idx="2">
+        <a:scrgbClr r="0" g="0" b="0"/>
+      </a:lnRef>
+      <a:fillRef idx="1">
+        <a:scrgbClr r="0" g="0" b="0"/>
+      </a:fillRef>
+      <a:effectRef idx="0">
+        <a:scrgbClr r="0" g="0" b="0"/>
+      </a:effectRef>
+      <a:fontRef idx="minor"/>
+    </dgm:style>
+  </dgm:styleLbl>
+  <dgm:styleLbl name="fgAcc2">
+    <dgm:scene3d>
+      <a:camera prst="orthographicFront"/>
+      <a:lightRig rig="threePt" dir="t"/>
+    </dgm:scene3d>
+    <dgm:sp3d/>
+    <dgm:txPr/>
+    <dgm:style>
+      <a:lnRef idx="2">
+        <a:scrgbClr r="0" g="0" b="0"/>
+      </a:lnRef>
+      <a:fillRef idx="1">
+        <a:scrgbClr r="0" g="0" b="0"/>
+      </a:fillRef>
+      <a:effectRef idx="0">
+        <a:scrgbClr r="0" g="0" b="0"/>
+      </a:effectRef>
+      <a:fontRef idx="minor"/>
+    </dgm:style>
+  </dgm:styleLbl>
+  <dgm:styleLbl name="fgAcc3">
+    <dgm:scene3d>
+      <a:camera prst="orthographicFront"/>
+      <a:lightRig rig="threePt" dir="t"/>
+    </dgm:scene3d>
+    <dgm:sp3d/>
+    <dgm:txPr/>
+    <dgm:style>
+      <a:lnRef idx="2">
+        <a:scrgbClr r="0" g="0" b="0"/>
+      </a:lnRef>
+      <a:fillRef idx="1">
+        <a:scrgbClr r="0" g="0" b="0"/>
+      </a:fillRef>
+      <a:effectRef idx="0">
+        <a:scrgbClr r="0" g="0" b="0"/>
+      </a:effectRef>
+      <a:fontRef idx="minor"/>
+    </dgm:style>
+  </dgm:styleLbl>
+  <dgm:styleLbl name="fgAcc4">
+    <dgm:scene3d>
+      <a:camera prst="orthographicFront"/>
+      <a:lightRig rig="threePt" dir="t"/>
+    </dgm:scene3d>
+    <dgm:sp3d/>
+    <dgm:txPr/>
+    <dgm:style>
+      <a:lnRef idx="2">
+        <a:scrgbClr r="0" g="0" b="0"/>
+      </a:lnRef>
+      <a:fillRef idx="1">
+        <a:scrgbClr r="0" g="0" b="0"/>
+      </a:fillRef>
+      <a:effectRef idx="0">
+        <a:scrgbClr r="0" g="0" b="0"/>
+      </a:effectRef>
+      <a:fontRef idx="minor"/>
+    </dgm:style>
+  </dgm:styleLbl>
+  <dgm:styleLbl name="bgShp">
+    <dgm:scene3d>
+      <a:camera prst="orthographicFront"/>
+      <a:lightRig rig="threePt" dir="t"/>
+    </dgm:scene3d>
+    <dgm:sp3d/>
+    <dgm:txPr/>
+    <dgm:style>
+      <a:lnRef idx="0">
+        <a:scrgbClr r="0" g="0" b="0"/>
+      </a:lnRef>
+      <a:fillRef idx="1">
+        <a:scrgbClr r="0" g="0" b="0"/>
+      </a:fillRef>
+      <a:effectRef idx="0">
+        <a:scrgbClr r="0" g="0" b="0"/>
+      </a:effectRef>
+      <a:fontRef idx="minor"/>
+    </dgm:style>
+  </dgm:styleLbl>
+  <dgm:styleLbl name="dkBgShp">
+    <dgm:scene3d>
+      <a:camera prst="orthographicFront"/>
+      <a:lightRig rig="threePt" dir="t"/>
+    </dgm:scene3d>
+    <dgm:sp3d/>
+    <dgm:txPr/>
+    <dgm:style>
+      <a:lnRef idx="0">
+        <a:scrgbClr r="0" g="0" b="0"/>
+      </a:lnRef>
+      <a:fillRef idx="1">
+        <a:scrgbClr r="0" g="0" b="0"/>
+      </a:fillRef>
+      <a:effectRef idx="0">
+        <a:scrgbClr r="0" g="0" b="0"/>
+      </a:effectRef>
+      <a:fontRef idx="minor"/>
+    </dgm:style>
+  </dgm:styleLbl>
+  <dgm:styleLbl name="trBgShp">
+    <dgm:scene3d>
+      <a:camera prst="orthographicFront"/>
+      <a:lightRig rig="threePt" dir="t"/>
+    </dgm:scene3d>
+    <dgm:sp3d/>
+    <dgm:txPr/>
+    <dgm:style>
+      <a:lnRef idx="0">
+        <a:scrgbClr r="0" g="0" b="0"/>
+      </a:lnRef>
+      <a:fillRef idx="1">
+        <a:scrgbClr r="0" g="0" b="0"/>
+      </a:fillRef>
+      <a:effectRef idx="0">
+        <a:scrgbClr r="0" g="0" b="0"/>
+      </a:effectRef>
+      <a:fontRef idx="minor"/>
+    </dgm:style>
+  </dgm:styleLbl>
+  <dgm:styleLbl name="fgShp">
+    <dgm:scene3d>
+      <a:camera prst="orthographicFront"/>
+      <a:lightRig rig="threePt" dir="t"/>
+    </dgm:scene3d>
+    <dgm:sp3d/>
+    <dgm:txPr/>
+    <dgm:style>
+      <a:lnRef idx="2">
+        <a:scrgbClr r="0" g="0" b="0"/>
+      </a:lnRef>
+      <a:fillRef idx="1">
+        <a:scrgbClr r="0" g="0" b="0"/>
+      </a:fillRef>
+      <a:effectRef idx="0">
+        <a:scrgbClr r="0" g="0" b="0"/>
+      </a:effectRef>
+      <a:fontRef idx="minor"/>
+    </dgm:style>
+  </dgm:styleLbl>
+  <dgm:styleLbl name="revTx">
+    <dgm:scene3d>
+      <a:camera prst="orthographicFront"/>
+      <a:lightRig rig="threePt" dir="t"/>
+    </dgm:scene3d>
+    <dgm:sp3d/>
+    <dgm:txPr/>
+    <dgm:style>
+      <a:lnRef idx="0">
+        <a:scrgbClr r="0" g="0" b="0"/>
+      </a:lnRef>
+      <a:fillRef idx="0">
+        <a:scrgbClr r="0" g="0" b="0"/>
+      </a:fillRef>
+      <a:effectRef idx="0">
+        <a:scrgbClr r="0" g="0" b="0"/>
+      </a:effectRef>
+      <a:fontRef idx="minor"/>
+    </dgm:style>
+  </dgm:styleLbl>
+</dgm:styleDef>
+</file>
+
+<file path=ppt/diagrams/quickStyle2.xml><?xml version="1.0" encoding="utf-8"?>
+<dgm:styleDef xmlns:dgm="http://schemas.openxmlformats.org/drawingml/2006/diagram" xmlns:a="http://schemas.openxmlformats.org/drawingml/2006/main" uniqueId="urn:microsoft.com/office/officeart/2005/8/quickstyle/simple1">
+  <dgm:title val=""/>
+  <dgm:desc val=""/>
+  <dgm:catLst>
+    <dgm:cat type="simple" pri="10100"/>
+  </dgm:catLst>
+  <dgm:scene3d>
+    <a:camera prst="orthographicFront"/>
+    <a:lightRig rig="threePt" dir="t"/>
+  </dgm:scene3d>
+  <dgm:styleLbl name="node0">
+    <dgm:scene3d>
+      <a:camera prst="orthographicFront"/>
+      <a:lightRig rig="threePt" dir="t"/>
+    </dgm:scene3d>
+    <dgm:sp3d/>
+    <dgm:txPr/>
+    <dgm:style>
+      <a:lnRef idx="2">
+        <a:scrgbClr r="0" g="0" b="0"/>
+      </a:lnRef>
+      <a:fillRef idx="1">
+        <a:scrgbClr r="0" g="0" b="0"/>
+      </a:fillRef>
+      <a:effectRef idx="0">
+        <a:scrgbClr r="0" g="0" b="0"/>
+      </a:effectRef>
+      <a:fontRef idx="minor">
+        <a:schemeClr val="lt1"/>
+      </a:fontRef>
+    </dgm:style>
+  </dgm:styleLbl>
+  <dgm:styleLbl name="lnNode1">
+    <dgm:scene3d>
+      <a:camera prst="orthographicFront"/>
+      <a:lightRig rig="threePt" dir="t"/>
+    </dgm:scene3d>
+    <dgm:sp3d/>
+    <dgm:txPr/>
+    <dgm:style>
+      <a:lnRef idx="2">
+        <a:scrgbClr r="0" g="0" b="0"/>
+      </a:lnRef>
+      <a:fillRef idx="1">
+        <a:scrgbClr r="0" g="0" b="0"/>
+      </a:fillRef>
+      <a:effectRef idx="0">
+        <a:scrgbClr r="0" g="0" b="0"/>
+      </a:effectRef>
+      <a:fontRef idx="minor">
+        <a:schemeClr val="lt1"/>
+      </a:fontRef>
+    </dgm:style>
+  </dgm:styleLbl>
+  <dgm:styleLbl name="vennNode1">
+    <dgm:scene3d>
+      <a:camera prst="orthographicFront"/>
+      <a:lightRig rig="threePt" dir="t"/>
+    </dgm:scene3d>
+    <dgm:sp3d/>
+    <dgm:txPr/>
+    <dgm:style>
+      <a:lnRef idx="2">
+        <a:scrgbClr r="0" g="0" b="0"/>
+      </a:lnRef>
+      <a:fillRef idx="1">
+        <a:scrgbClr r="0" g="0" b="0"/>
+      </a:fillRef>
+      <a:effectRef idx="0">
+        <a:scrgbClr r="0" g="0" b="0"/>
+      </a:effectRef>
+      <a:fontRef idx="minor">
+        <a:schemeClr val="tx1"/>
+      </a:fontRef>
+    </dgm:style>
+  </dgm:styleLbl>
+  <dgm:styleLbl name="alignNode1">
+    <dgm:scene3d>
+      <a:camera prst="orthographicFront"/>
+      <a:lightRig rig="threePt" dir="t"/>
+    </dgm:scene3d>
+    <dgm:sp3d/>
+    <dgm:txPr/>
+    <dgm:style>
+      <a:lnRef idx="2">
+        <a:scrgbClr r="0" g="0" b="0"/>
+      </a:lnRef>
+      <a:fillRef idx="1">
+        <a:scrgbClr r="0" g="0" b="0"/>
+      </a:fillRef>
+      <a:effectRef idx="0">
+        <a:scrgbClr r="0" g="0" b="0"/>
+      </a:effectRef>
+      <a:fontRef idx="minor">
+        <a:schemeClr val="lt1"/>
+      </a:fontRef>
+    </dgm:style>
+  </dgm:styleLbl>
+  <dgm:styleLbl name="node1">
+    <dgm:scene3d>
+      <a:camera prst="orthographicFront"/>
+      <a:lightRig rig="threePt" dir="t"/>
+    </dgm:scene3d>
+    <dgm:sp3d/>
+    <dgm:txPr/>
+    <dgm:style>
+      <a:lnRef idx="2">
+        <a:scrgbClr r="0" g="0" b="0"/>
+      </a:lnRef>
+      <a:fillRef idx="1">
+        <a:scrgbClr r="0" g="0" b="0"/>
+      </a:fillRef>
+      <a:effectRef idx="0">
+        <a:scrgbClr r="0" g="0" b="0"/>
+      </a:effectRef>
+      <a:fontRef idx="minor">
+        <a:schemeClr val="lt1"/>
+      </a:fontRef>
+    </dgm:style>
+  </dgm:styleLbl>
+  <dgm:styleLbl name="node2">
+    <dgm:scene3d>
+      <a:camera prst="orthographicFront"/>
+      <a:lightRig rig="threePt" dir="t"/>
+    </dgm:scene3d>
+    <dgm:sp3d/>
+    <dgm:txPr/>
+    <dgm:style>
+      <a:lnRef idx="2">
+        <a:scrgbClr r="0" g="0" b="0"/>
+      </a:lnRef>
+      <a:fillRef idx="1">
+        <a:scrgbClr r="0" g="0" b="0"/>
+      </a:fillRef>
+      <a:effectRef idx="0">
+        <a:scrgbClr r="0" g="0" b="0"/>
+      </a:effectRef>
+      <a:fontRef idx="minor">
+        <a:schemeClr val="lt1"/>
+      </a:fontRef>
+    </dgm:style>
+  </dgm:styleLbl>
+  <dgm:styleLbl name="node3">
+    <dgm:scene3d>
+      <a:camera prst="orthographicFront"/>
+      <a:lightRig rig="threePt" dir="t"/>
+    </dgm:scene3d>
+    <dgm:sp3d/>
+    <dgm:txPr/>
+    <dgm:style>
+      <a:lnRef idx="2">
+        <a:scrgbClr r="0" g="0" b="0"/>
+      </a:lnRef>
+      <a:fillRef idx="1">
+        <a:scrgbClr r="0" g="0" b="0"/>
+      </a:fillRef>
+      <a:effectRef idx="0">
+        <a:scrgbClr r="0" g="0" b="0"/>
+      </a:effectRef>
+      <a:fontRef idx="minor">
+        <a:schemeClr val="lt1"/>
+      </a:fontRef>
+    </dgm:style>
+  </dgm:styleLbl>
+  <dgm:styleLbl name="node4">
+    <dgm:scene3d>
+      <a:camera prst="orthographicFront"/>
+      <a:lightRig rig="threePt" dir="t"/>
+    </dgm:scene3d>
+    <dgm:sp3d/>
+    <dgm:txPr/>
+    <dgm:style>
+      <a:lnRef idx="2">
+        <a:scrgbClr r="0" g="0" b="0"/>
+      </a:lnRef>
+      <a:fillRef idx="1">
+        <a:scrgbClr r="0" g="0" b="0"/>
+      </a:fillRef>
+      <a:effectRef idx="0">
+        <a:scrgbClr r="0" g="0" b="0"/>
+      </a:effectRef>
+      <a:fontRef idx="minor">
+        <a:schemeClr val="lt1"/>
+      </a:fontRef>
+    </dgm:style>
+  </dgm:styleLbl>
+  <dgm:styleLbl name="fgImgPlace1">
+    <dgm:scene3d>
+      <a:camera prst="orthographicFront"/>
+      <a:lightRig rig="threePt" dir="t"/>
+    </dgm:scene3d>
+    <dgm:sp3d/>
+    <dgm:txPr/>
+    <dgm:style>
+      <a:lnRef idx="2">
+        <a:scrgbClr r="0" g="0" b="0"/>
+      </a:lnRef>
+      <a:fillRef idx="1">
+        <a:scrgbClr r="0" g="0" b="0"/>
+      </a:fillRef>
+      <a:effectRef idx="0">
+        <a:scrgbClr r="0" g="0" b="0"/>
+      </a:effectRef>
+      <a:fontRef idx="minor"/>
+    </dgm:style>
+  </dgm:styleLbl>
+  <dgm:styleLbl name="alignImgPlace1">
+    <dgm:scene3d>
+      <a:camera prst="orthographicFront"/>
+      <a:lightRig rig="threePt" dir="t"/>
+    </dgm:scene3d>
+    <dgm:sp3d/>
+    <dgm:txPr/>
+    <dgm:style>
+      <a:lnRef idx="2">
+        <a:scrgbClr r="0" g="0" b="0"/>
+      </a:lnRef>
+      <a:fillRef idx="1">
+        <a:scrgbClr r="0" g="0" b="0"/>
+      </a:fillRef>
+      <a:effectRef idx="0">
+        <a:scrgbClr r="0" g="0" b="0"/>
+      </a:effectRef>
+      <a:fontRef idx="minor"/>
+    </dgm:style>
+  </dgm:styleLbl>
+  <dgm:styleLbl name="bgImgPlace1">
+    <dgm:scene3d>
+      <a:camera prst="orthographicFront"/>
+      <a:lightRig rig="threePt" dir="t"/>
+    </dgm:scene3d>
+    <dgm:sp3d/>
+    <dgm:txPr/>
+    <dgm:style>
+      <a:lnRef idx="2">
+        <a:scrgbClr r="0" g="0" b="0"/>
+      </a:lnRef>
+      <a:fillRef idx="1">
+        <a:scrgbClr r="0" g="0" b="0"/>
+      </a:fillRef>
+      <a:effectRef idx="0">
+        <a:scrgbClr r="0" g="0" b="0"/>
+      </a:effectRef>
+      <a:fontRef idx="minor"/>
+    </dgm:style>
+  </dgm:styleLbl>
+  <dgm:styleLbl name="sibTrans2D1">
+    <dgm:scene3d>
+      <a:camera prst="orthographicFront"/>
+      <a:lightRig rig="threePt" dir="t"/>
+    </dgm:scene3d>
+    <dgm:sp3d/>
+    <dgm:txPr/>
+    <dgm:style>
+      <a:lnRef idx="0">
+        <a:scrgbClr r="0" g="0" b="0"/>
+      </a:lnRef>
+      <a:fillRef idx="1">
+        <a:scrgbClr r="0" g="0" b="0"/>
+      </a:fillRef>
+      <a:effectRef idx="0">
+        <a:scrgbClr r="0" g="0" b="0"/>
+      </a:effectRef>
+      <a:fontRef idx="minor">
+        <a:schemeClr val="lt1"/>
+      </a:fontRef>
+    </dgm:style>
+  </dgm:styleLbl>
+  <dgm:styleLbl name="fgSibTrans2D1">
+    <dgm:scene3d>
+      <a:camera prst="orthographicFront"/>
+      <a:lightRig rig="threePt" dir="t"/>
+    </dgm:scene3d>
+    <dgm:sp3d/>
+    <dgm:txPr/>
+    <dgm:style>
+      <a:lnRef idx="0">
+        <a:scrgbClr r="0" g="0" b="0"/>
+      </a:lnRef>
+      <a:fillRef idx="1">
+        <a:scrgbClr r="0" g="0" b="0"/>
+      </a:fillRef>
+      <a:effectRef idx="0">
+        <a:scrgbClr r="0" g="0" b="0"/>
+      </a:effectRef>
+      <a:fontRef idx="minor">
+        <a:schemeClr val="lt1"/>
+      </a:fontRef>
+    </dgm:style>
+  </dgm:styleLbl>
+  <dgm:styleLbl name="bgSibTrans2D1">
+    <dgm:scene3d>
+      <a:camera prst="orthographicFront"/>
+      <a:lightRig rig="threePt" dir="t"/>
+    </dgm:scene3d>
+    <dgm:sp3d/>
+    <dgm:txPr/>
+    <dgm:style>
+      <a:lnRef idx="0">
+        <a:scrgbClr r="0" g="0" b="0"/>
+      </a:lnRef>
+      <a:fillRef idx="1">
+        <a:scrgbClr r="0" g="0" b="0"/>
+      </a:fillRef>
+      <a:effectRef idx="0">
+        <a:scrgbClr r="0" g="0" b="0"/>
+      </a:effectRef>
+      <a:fontRef idx="minor">
+        <a:schemeClr val="lt1"/>
+      </a:fontRef>
+    </dgm:style>
+  </dgm:styleLbl>
+  <dgm:styleLbl name="sibTrans1D1">
+    <dgm:scene3d>
+      <a:camera prst="orthographicFront"/>
+      <a:lightRig rig="threePt" dir="t"/>
+    </dgm:scene3d>
+    <dgm:sp3d/>
+    <dgm:txPr/>
+    <dgm:style>
+      <a:lnRef idx="1">
+        <a:scrgbClr r="0" g="0" b="0"/>
+      </a:lnRef>
+      <a:fillRef idx="0">
+        <a:scrgbClr r="0" g="0" b="0"/>
+      </a:fillRef>
+      <a:effectRef idx="0">
+        <a:scrgbClr r="0" g="0" b="0"/>
+      </a:effectRef>
+      <a:fontRef idx="minor"/>
+    </dgm:style>
+  </dgm:styleLbl>
+  <dgm:styleLbl name="callout">
+    <dgm:scene3d>
+      <a:camera prst="orthographicFront"/>
+      <a:lightRig rig="threePt" dir="t"/>
+    </dgm:scene3d>
+    <dgm:sp3d/>
+    <dgm:txPr/>
+    <dgm:style>
+      <a:lnRef idx="2">
+        <a:scrgbClr r="0" g="0" b="0"/>
+      </a:lnRef>
+      <a:fillRef idx="1">
+        <a:scrgbClr r="0" g="0" b="0"/>
+      </a:fillRef>
+      <a:effectRef idx="0">
+        <a:scrgbClr r="0" g="0" b="0"/>
+      </a:effectRef>
+      <a:fontRef idx="minor"/>
+    </dgm:style>
+  </dgm:styleLbl>
+  <dgm:styleLbl name="asst0">
+    <dgm:scene3d>
+      <a:camera prst="orthographicFront"/>
+      <a:lightRig rig="threePt" dir="t"/>
+    </dgm:scene3d>
+    <dgm:sp3d/>
+    <dgm:txPr/>
+    <dgm:style>
+      <a:lnRef idx="2">
+        <a:scrgbClr r="0" g="0" b="0"/>
+      </a:lnRef>
+      <a:fillRef idx="1">
+        <a:scrgbClr r="0" g="0" b="0"/>
+      </a:fillRef>
+      <a:effectRef idx="0">
+        <a:scrgbClr r="0" g="0" b="0"/>
+      </a:effectRef>
+      <a:fontRef idx="minor">
+        <a:schemeClr val="lt1"/>
+      </a:fontRef>
+    </dgm:style>
+  </dgm:styleLbl>
+  <dgm:styleLbl name="asst1">
+    <dgm:scene3d>
+      <a:camera prst="orthographicFront"/>
+      <a:lightRig rig="threePt" dir="t"/>
+    </dgm:scene3d>
+    <dgm:sp3d/>
+    <dgm:txPr/>
+    <dgm:style>
+      <a:lnRef idx="2">
+        <a:scrgbClr r="0" g="0" b="0"/>
+      </a:lnRef>
+      <a:fillRef idx="1">
+        <a:scrgbClr r="0" g="0" b="0"/>
+      </a:fillRef>
+      <a:effectRef idx="0">
+        <a:scrgbClr r="0" g="0" b="0"/>
+      </a:effectRef>
+      <a:fontRef idx="minor">
+        <a:schemeClr val="lt1"/>
+      </a:fontRef>
+    </dgm:style>
+  </dgm:styleLbl>
+  <dgm:styleLbl name="asst2">
+    <dgm:scene3d>
+      <a:camera prst="orthographicFront"/>
+      <a:lightRig rig="threePt" dir="t"/>
+    </dgm:scene3d>
+    <dgm:sp3d/>
+    <dgm:txPr/>
+    <dgm:style>
+      <a:lnRef idx="2">
+        <a:scrgbClr r="0" g="0" b="0"/>
+      </a:lnRef>
+      <a:fillRef idx="1">
+        <a:scrgbClr r="0" g="0" b="0"/>
+      </a:fillRef>
+      <a:effectRef idx="0">
+        <a:scrgbClr r="0" g="0" b="0"/>
+      </a:effectRef>
+      <a:fontRef idx="minor">
+        <a:schemeClr val="lt1"/>
+      </a:fontRef>
+    </dgm:style>
+  </dgm:styleLbl>
+  <dgm:styleLbl name="asst3">
+    <dgm:scene3d>
+      <a:camera prst="orthographicFront"/>
+      <a:lightRig rig="threePt" dir="t"/>
+    </dgm:scene3d>
+    <dgm:sp3d/>
+    <dgm:txPr/>
+    <dgm:style>
+      <a:lnRef idx="2">
+        <a:scrgbClr r="0" g="0" b="0"/>
+      </a:lnRef>
+      <a:fillRef idx="1">
+        <a:scrgbClr r="0" g="0" b="0"/>
+      </a:fillRef>
+      <a:effectRef idx="0">
+        <a:scrgbClr r="0" g="0" b="0"/>
+      </a:effectRef>
+      <a:fontRef idx="minor">
+        <a:schemeClr val="lt1"/>
+      </a:fontRef>
+    </dgm:style>
+  </dgm:styleLbl>
+  <dgm:styleLbl name="asst4">
+    <dgm:scene3d>
+      <a:camera prst="orthographicFront"/>
+      <a:lightRig rig="threePt" dir="t"/>
+    </dgm:scene3d>
+    <dgm:sp3d/>
+    <dgm:txPr/>
+    <dgm:style>
+      <a:lnRef idx="2">
+        <a:scrgbClr r="0" g="0" b="0"/>
+      </a:lnRef>
+      <a:fillRef idx="1">
+        <a:scrgbClr r="0" g="0" b="0"/>
+      </a:fillRef>
+      <a:effectRef idx="0">
+        <a:scrgbClr r="0" g="0" b="0"/>
+      </a:effectRef>
+      <a:fontRef idx="minor">
+        <a:schemeClr val="lt1"/>
+      </a:fontRef>
+    </dgm:style>
+  </dgm:styleLbl>
+  <dgm:styleLbl name="parChTrans2D1">
+    <dgm:scene3d>
+      <a:camera prst="orthographicFront"/>
+      <a:lightRig rig="threePt" dir="t"/>
+    </dgm:scene3d>
+    <dgm:sp3d/>
+    <dgm:txPr/>
+    <dgm:style>
+      <a:lnRef idx="2">
+        <a:scrgbClr r="0" g="0" b="0"/>
+      </a:lnRef>
+      <a:fillRef idx="1">
+        <a:scrgbClr r="0" g="0" b="0"/>
+      </a:fillRef>
+      <a:effectRef idx="0">
+        <a:scrgbClr r="0" g="0" b="0"/>
+      </a:effectRef>
+      <a:fontRef idx="minor">
+        <a:schemeClr val="lt1"/>
+      </a:fontRef>
+    </dgm:style>
+  </dgm:styleLbl>
+  <dgm:styleLbl name="parChTrans2D2">
+    <dgm:scene3d>
+      <a:camera prst="orthographicFront"/>
+      <a:lightRig rig="threePt" dir="t"/>
+    </dgm:scene3d>
+    <dgm:sp3d/>
+    <dgm:txPr/>
+    <dgm:style>
+      <a:lnRef idx="2">
+        <a:scrgbClr r="0" g="0" b="0"/>
+      </a:lnRef>
+      <a:fillRef idx="1">
+        <a:scrgbClr r="0" g="0" b="0"/>
+      </a:fillRef>
+      <a:effectRef idx="0">
+        <a:scrgbClr r="0" g="0" b="0"/>
+      </a:effectRef>
+      <a:fontRef idx="minor">
+        <a:schemeClr val="lt1"/>
+      </a:fontRef>
+    </dgm:style>
+  </dgm:styleLbl>
+  <dgm:styleLbl name="parChTrans2D3">
+    <dgm:scene3d>
+      <a:camera prst="orthographicFront"/>
+      <a:lightRig rig="threePt" dir="t"/>
+    </dgm:scene3d>
+    <dgm:sp3d/>
+    <dgm:txPr/>
+    <dgm:style>
+      <a:lnRef idx="2">
+        <a:scrgbClr r="0" g="0" b="0"/>
+      </a:lnRef>
+      <a:fillRef idx="1">
+        <a:scrgbClr r="0" g="0" b="0"/>
+      </a:fillRef>
+      <a:effectRef idx="0">
+        <a:scrgbClr r="0" g="0" b="0"/>
+      </a:effectRef>
+      <a:fontRef idx="minor">
+        <a:schemeClr val="lt1"/>
+      </a:fontRef>
+    </dgm:style>
+  </dgm:styleLbl>
+  <dgm:styleLbl name="parChTrans2D4">
+    <dgm:scene3d>
+      <a:camera prst="orthographicFront"/>
+      <a:lightRig rig="threePt" dir="t"/>
+    </dgm:scene3d>
+    <dgm:sp3d/>
+    <dgm:txPr/>
+    <dgm:style>
+      <a:lnRef idx="2">
+        <a:scrgbClr r="0" g="0" b="0"/>
+      </a:lnRef>
+      <a:fillRef idx="1">
+        <a:scrgbClr r="0" g="0" b="0"/>
+      </a:fillRef>
+      <a:effectRef idx="0">
+        <a:scrgbClr r="0" g="0" b="0"/>
+      </a:effectRef>
+      <a:fontRef idx="minor">
+        <a:schemeClr val="lt1"/>
+      </a:fontRef>
+    </dgm:style>
+  </dgm:styleLbl>
+  <dgm:styleLbl name="parChTrans1D1">
+    <dgm:scene3d>
+      <a:camera prst="orthographicFront"/>
+      <a:lightRig rig="threePt" dir="t"/>
+    </dgm:scene3d>
+    <dgm:sp3d/>
+    <dgm:txPr/>
+    <dgm:style>
+      <a:lnRef idx="2">
+        <a:scrgbClr r="0" g="0" b="0"/>
+      </a:lnRef>
+      <a:fillRef idx="0">
+        <a:scrgbClr r="0" g="0" b="0"/>
+      </a:fillRef>
+      <a:effectRef idx="0">
+        <a:scrgbClr r="0" g="0" b="0"/>
+      </a:effectRef>
+      <a:fontRef idx="minor"/>
+    </dgm:style>
+  </dgm:styleLbl>
+  <dgm:styleLbl name="parChTrans1D2">
+    <dgm:scene3d>
+      <a:camera prst="orthographicFront"/>
+      <a:lightRig rig="threePt" dir="t"/>
+    </dgm:scene3d>
+    <dgm:sp3d/>
+    <dgm:txPr/>
+    <dgm:style>
+      <a:lnRef idx="2">
+        <a:scrgbClr r="0" g="0" b="0"/>
+      </a:lnRef>
+      <a:fillRef idx="0">
+        <a:scrgbClr r="0" g="0" b="0"/>
+      </a:fillRef>
+      <a:effectRef idx="0">
+        <a:scrgbClr r="0" g="0" b="0"/>
+      </a:effectRef>
+      <a:fontRef idx="minor"/>
+    </dgm:style>
+  </dgm:styleLbl>
+  <dgm:styleLbl name="parChTrans1D3">
+    <dgm:scene3d>
+      <a:camera prst="orthographicFront"/>
+      <a:lightRig rig="threePt" dir="t"/>
+    </dgm:scene3d>
+    <dgm:sp3d/>
+    <dgm:txPr/>
+    <dgm:style>
+      <a:lnRef idx="2">
+        <a:scrgbClr r="0" g="0" b="0"/>
+      </a:lnRef>
+      <a:fillRef idx="0">
+        <a:scrgbClr r="0" g="0" b="0"/>
+      </a:fillRef>
+      <a:effectRef idx="0">
+        <a:scrgbClr r="0" g="0" b="0"/>
+      </a:effectRef>
+      <a:fontRef idx="minor"/>
+    </dgm:style>
+  </dgm:styleLbl>
+  <dgm:styleLbl name="parChTrans1D4">
+    <dgm:scene3d>
+      <a:camera prst="orthographicFront"/>
+      <a:lightRig rig="threePt" dir="t"/>
+    </dgm:scene3d>
+    <dgm:sp3d/>
+    <dgm:txPr/>
+    <dgm:style>
+      <a:lnRef idx="2">
+        <a:scrgbClr r="0" g="0" b="0"/>
+      </a:lnRef>
+      <a:fillRef idx="0">
+        <a:scrgbClr r="0" g="0" b="0"/>
+      </a:fillRef>
+      <a:effectRef idx="0">
+        <a:scrgbClr r="0" g="0" b="0"/>
+      </a:effectRef>
+      <a:fontRef idx="minor"/>
+    </dgm:style>
+  </dgm:styleLbl>
+  <dgm:styleLbl name="fgAcc1">
+    <dgm:scene3d>
+      <a:camera prst="orthographicFront"/>
+      <a:lightRig rig="threePt" dir="t"/>
+    </dgm:scene3d>
+    <dgm:sp3d/>
+    <dgm:txPr/>
+    <dgm:style>
+      <a:lnRef idx="2">
+        <a:scrgbClr r="0" g="0" b="0"/>
+      </a:lnRef>
+      <a:fillRef idx="1">
+        <a:scrgbClr r="0" g="0" b="0"/>
+      </a:fillRef>
+      <a:effectRef idx="0">
+        <a:scrgbClr r="0" g="0" b="0"/>
+      </a:effectRef>
+      <a:fontRef idx="minor"/>
+    </dgm:style>
+  </dgm:styleLbl>
+  <dgm:styleLbl name="conFgAcc1">
+    <dgm:scene3d>
+      <a:camera prst="orthographicFront"/>
+      <a:lightRig rig="threePt" dir="t"/>
+    </dgm:scene3d>
+    <dgm:sp3d/>
+    <dgm:txPr/>
+    <dgm:style>
+      <a:lnRef idx="2">
+        <a:scrgbClr r="0" g="0" b="0"/>
+      </a:lnRef>
+      <a:fillRef idx="1">
+        <a:scrgbClr r="0" g="0" b="0"/>
+      </a:fillRef>
+      <a:effectRef idx="0">
+        <a:scrgbClr r="0" g="0" b="0"/>
+      </a:effectRef>
+      <a:fontRef idx="minor"/>
+    </dgm:style>
+  </dgm:styleLbl>
+  <dgm:styleLbl name="alignAcc1">
+    <dgm:scene3d>
+      <a:camera prst="orthographicFront"/>
+      <a:lightRig rig="threePt" dir="t"/>
+    </dgm:scene3d>
+    <dgm:sp3d/>
+    <dgm:txPr/>
+    <dgm:style>
+      <a:lnRef idx="2">
+        <a:scrgbClr r="0" g="0" b="0"/>
+      </a:lnRef>
+      <a:fillRef idx="1">
+        <a:scrgbClr r="0" g="0" b="0"/>
+      </a:fillRef>
+      <a:effectRef idx="0">
+        <a:scrgbClr r="0" g="0" b="0"/>
+      </a:effectRef>
+      <a:fontRef idx="minor"/>
+    </dgm:style>
+  </dgm:styleLbl>
+  <dgm:styleLbl name="trAlignAcc1">
+    <dgm:scene3d>
+      <a:camera prst="orthographicFront"/>
+      <a:lightRig rig="threePt" dir="t"/>
+    </dgm:scene3d>
+    <dgm:sp3d/>
+    <dgm:txPr/>
+    <dgm:style>
+      <a:lnRef idx="1">
+        <a:scrgbClr r="0" g="0" b="0"/>
+      </a:lnRef>
+      <a:fillRef idx="1">
+        <a:scrgbClr r="0" g="0" b="0"/>
+      </a:fillRef>
+      <a:effectRef idx="0">
+        <a:scrgbClr r="0" g="0" b="0"/>
+      </a:effectRef>
+      <a:fontRef idx="minor"/>
+    </dgm:style>
+  </dgm:styleLbl>
+  <dgm:styleLbl name="bgAcc1">
+    <dgm:scene3d>
+      <a:camera prst="orthographicFront"/>
+      <a:lightRig rig="threePt" dir="t"/>
+    </dgm:scene3d>
+    <dgm:sp3d/>
+    <dgm:txPr/>
+    <dgm:style>
+      <a:lnRef idx="2">
+        <a:scrgbClr r="0" g="0" b="0"/>
+      </a:lnRef>
+      <a:fillRef idx="1">
+        <a:scrgbClr r="0" g="0" b="0"/>
+      </a:fillRef>
+      <a:effectRef idx="0">
+        <a:scrgbClr r="0" g="0" b="0"/>
+      </a:effectRef>
+      <a:fontRef idx="minor"/>
+    </dgm:style>
+  </dgm:styleLbl>
+  <dgm:styleLbl name="solidFgAcc1">
+    <dgm:scene3d>
+      <a:camera prst="orthographicFront"/>
+      <a:lightRig rig="threePt" dir="t"/>
+    </dgm:scene3d>
+    <dgm:sp3d/>
+    <dgm:txPr/>
+    <dgm:style>
+      <a:lnRef idx="2">
+        <a:scrgbClr r="0" g="0" b="0"/>
+      </a:lnRef>
+      <a:fillRef idx="1">
+        <a:scrgbClr r="0" g="0" b="0"/>
+      </a:fillRef>
+      <a:effectRef idx="0">
+        <a:scrgbClr r="0" g="0" b="0"/>
+      </a:effectRef>
+      <a:fontRef idx="minor"/>
+    </dgm:style>
+  </dgm:styleLbl>
+  <dgm:styleLbl name="solidAlignAcc1">
+    <dgm:scene3d>
+      <a:camera prst="orthographicFront"/>
+      <a:lightRig rig="threePt" dir="t"/>
+    </dgm:scene3d>
+    <dgm:sp3d/>
+    <dgm:txPr/>
+    <dgm:style>
+      <a:lnRef idx="2">
+        <a:scrgbClr r="0" g="0" b="0"/>
+      </a:lnRef>
+      <a:fillRef idx="1">
+        <a:scrgbClr r="0" g="0" b="0"/>
+      </a:fillRef>
+      <a:effectRef idx="0">
+        <a:scrgbClr r="0" g="0" b="0"/>
+      </a:effectRef>
+      <a:fontRef idx="minor"/>
+    </dgm:style>
+  </dgm:styleLbl>
+  <dgm:styleLbl name="solidBgAcc1">
+    <dgm:scene3d>
+      <a:camera prst="orthographicFront"/>
+      <a:lightRig rig="threePt" dir="t"/>
+    </dgm:scene3d>
+    <dgm:sp3d/>
+    <dgm:txPr/>
+    <dgm:style>
+      <a:lnRef idx="2">
+        <a:scrgbClr r="0" g="0" b="0"/>
+      </a:lnRef>
+      <a:fillRef idx="1">
+        <a:scrgbClr r="0" g="0" b="0"/>
+      </a:fillRef>
+      <a:effectRef idx="0">
+        <a:scrgbClr r="0" g="0" b="0"/>
+      </a:effectRef>
+      <a:fontRef idx="minor"/>
+    </dgm:style>
+  </dgm:styleLbl>
+  <dgm:styleLbl name="fgAccFollowNode1">
+    <dgm:scene3d>
+      <a:camera prst="orthographicFront"/>
+      <a:lightRig rig="threePt" dir="t"/>
+    </dgm:scene3d>
+    <dgm:sp3d/>
+    <dgm:txPr/>
+    <dgm:style>
+      <a:lnRef idx="2">
+        <a:scrgbClr r="0" g="0" b="0"/>
+      </a:lnRef>
+      <a:fillRef idx="1">
+        <a:scrgbClr r="0" g="0" b="0"/>
+      </a:fillRef>
+      <a:effectRef idx="0">
+        <a:scrgbClr r="0" g="0" b="0"/>
+      </a:effectRef>
+      <a:fontRef idx="minor"/>
+    </dgm:style>
+  </dgm:styleLbl>
+  <dgm:styleLbl name="alignAccFollowNode1">
+    <dgm:scene3d>
+      <a:camera prst="orthographicFront"/>
+      <a:lightRig rig="threePt" dir="t"/>
+    </dgm:scene3d>
+    <dgm:sp3d/>
+    <dgm:txPr/>
+    <dgm:style>
+      <a:lnRef idx="2">
+        <a:scrgbClr r="0" g="0" b="0"/>
+      </a:lnRef>
+      <a:fillRef idx="1">
+        <a:scrgbClr r="0" g="0" b="0"/>
+      </a:fillRef>
+      <a:effectRef idx="0">
+        <a:scrgbClr r="0" g="0" b="0"/>
+      </a:effectRef>
+      <a:fontRef idx="minor"/>
+    </dgm:style>
+  </dgm:styleLbl>
+  <dgm:styleLbl name="bgAccFollowNode1">
+    <dgm:scene3d>
+      <a:camera prst="orthographicFront"/>
+      <a:lightRig rig="threePt" dir="t"/>
+    </dgm:scene3d>
+    <dgm:sp3d/>
+    <dgm:txPr/>
+    <dgm:style>
+      <a:lnRef idx="2">
+        <a:scrgbClr r="0" g="0" b="0"/>
+      </a:lnRef>
+      <a:fillRef idx="1">
+        <a:scrgbClr r="0" g="0" b="0"/>
+      </a:fillRef>
+      <a:effectRef idx="0">
+        <a:scrgbClr r="0" g="0" b="0"/>
+      </a:effectRef>
+      <a:fontRef idx="minor"/>
+    </dgm:style>
+  </dgm:styleLbl>
+  <dgm:styleLbl name="fgAcc0">
+    <dgm:scene3d>
+      <a:camera prst="orthographicFront"/>
+      <a:lightRig rig="threePt" dir="t"/>
+    </dgm:scene3d>
+    <dgm:sp3d/>
+    <dgm:txPr/>
+    <dgm:style>
+      <a:lnRef idx="2">
+        <a:scrgbClr r="0" g="0" b="0"/>
+      </a:lnRef>
+      <a:fillRef idx="1">
+        <a:scrgbClr r="0" g="0" b="0"/>
+      </a:fillRef>
+      <a:effectRef idx="0">
+        <a:scrgbClr r="0" g="0" b="0"/>
+      </a:effectRef>
+      <a:fontRef idx="minor"/>
+    </dgm:style>
+  </dgm:styleLbl>
+  <dgm:styleLbl name="fgAcc2">
+    <dgm:scene3d>
+      <a:camera prst="orthographicFront"/>
+      <a:lightRig rig="threePt" dir="t"/>
+    </dgm:scene3d>
+    <dgm:sp3d/>
+    <dgm:txPr/>
+    <dgm:style>
+      <a:lnRef idx="2">
+        <a:scrgbClr r="0" g="0" b="0"/>
+      </a:lnRef>
+      <a:fillRef idx="1">
+        <a:scrgbClr r="0" g="0" b="0"/>
+      </a:fillRef>
+      <a:effectRef idx="0">
+        <a:scrgbClr r="0" g="0" b="0"/>
+      </a:effectRef>
+      <a:fontRef idx="minor"/>
+    </dgm:style>
+  </dgm:styleLbl>
+  <dgm:styleLbl name="fgAcc3">
+    <dgm:scene3d>
+      <a:camera prst="orthographicFront"/>
+      <a:lightRig rig="threePt" dir="t"/>
+    </dgm:scene3d>
+    <dgm:sp3d/>
+    <dgm:txPr/>
+    <dgm:style>
+      <a:lnRef idx="2">
+        <a:scrgbClr r="0" g="0" b="0"/>
+      </a:lnRef>
+      <a:fillRef idx="1">
+        <a:scrgbClr r="0" g="0" b="0"/>
+      </a:fillRef>
+      <a:effectRef idx="0">
+        <a:scrgbClr r="0" g="0" b="0"/>
+      </a:effectRef>
+      <a:fontRef idx="minor"/>
+    </dgm:style>
+  </dgm:styleLbl>
+  <dgm:styleLbl name="fgAcc4">
+    <dgm:scene3d>
+      <a:camera prst="orthographicFront"/>
+      <a:lightRig rig="threePt" dir="t"/>
+    </dgm:scene3d>
+    <dgm:sp3d/>
+    <dgm:txPr/>
+    <dgm:style>
+      <a:lnRef idx="2">
+        <a:scrgbClr r="0" g="0" b="0"/>
+      </a:lnRef>
+      <a:fillRef idx="1">
+        <a:scrgbClr r="0" g="0" b="0"/>
+      </a:fillRef>
+      <a:effectRef idx="0">
+        <a:scrgbClr r="0" g="0" b="0"/>
+      </a:effectRef>
+      <a:fontRef idx="minor"/>
+    </dgm:style>
+  </dgm:styleLbl>
+  <dgm:styleLbl name="bgShp">
+    <dgm:scene3d>
+      <a:camera prst="orthographicFront"/>
+      <a:lightRig rig="threePt" dir="t"/>
+    </dgm:scene3d>
+    <dgm:sp3d/>
+    <dgm:txPr/>
+    <dgm:style>
+      <a:lnRef idx="0">
+        <a:scrgbClr r="0" g="0" b="0"/>
+      </a:lnRef>
+      <a:fillRef idx="1">
+        <a:scrgbClr r="0" g="0" b="0"/>
+      </a:fillRef>
+      <a:effectRef idx="0">
+        <a:scrgbClr r="0" g="0" b="0"/>
+      </a:effectRef>
+      <a:fontRef idx="minor"/>
+    </dgm:style>
+  </dgm:styleLbl>
+  <dgm:styleLbl name="dkBgShp">
+    <dgm:scene3d>
+      <a:camera prst="orthographicFront"/>
+      <a:lightRig rig="threePt" dir="t"/>
+    </dgm:scene3d>
+    <dgm:sp3d/>
+    <dgm:txPr/>
+    <dgm:style>
+      <a:lnRef idx="0">
+        <a:scrgbClr r="0" g="0" b="0"/>
+      </a:lnRef>
+      <a:fillRef idx="1">
+        <a:scrgbClr r="0" g="0" b="0"/>
+      </a:fillRef>
+      <a:effectRef idx="0">
+        <a:scrgbClr r="0" g="0" b="0"/>
+      </a:effectRef>
+      <a:fontRef idx="minor"/>
+    </dgm:style>
+  </dgm:styleLbl>
+  <dgm:styleLbl name="trBgShp">
+    <dgm:scene3d>
+      <a:camera prst="orthographicFront"/>
+      <a:lightRig rig="threePt" dir="t"/>
+    </dgm:scene3d>
+    <dgm:sp3d/>
+    <dgm:txPr/>
+    <dgm:style>
+      <a:lnRef idx="0">
+        <a:scrgbClr r="0" g="0" b="0"/>
+      </a:lnRef>
+      <a:fillRef idx="1">
+        <a:scrgbClr r="0" g="0" b="0"/>
+      </a:fillRef>
+      <a:effectRef idx="0">
+        <a:scrgbClr r="0" g="0" b="0"/>
+      </a:effectRef>
+      <a:fontRef idx="minor"/>
+    </dgm:style>
+  </dgm:styleLbl>
+  <dgm:styleLbl name="fgShp">
+    <dgm:scene3d>
+      <a:camera prst="orthographicFront"/>
+      <a:lightRig rig="threePt" dir="t"/>
+    </dgm:scene3d>
+    <dgm:sp3d/>
+    <dgm:txPr/>
+    <dgm:style>
+      <a:lnRef idx="2">
+        <a:scrgbClr r="0" g="0" b="0"/>
+      </a:lnRef>
+      <a:fillRef idx="1">
+        <a:scrgbClr r="0" g="0" b="0"/>
+      </a:fillRef>
+      <a:effectRef idx="0">
+        <a:scrgbClr r="0" g="0" b="0"/>
+      </a:effectRef>
+      <a:fontRef idx="minor"/>
+    </dgm:style>
+  </dgm:styleLbl>
+  <dgm:styleLbl name="revTx">
+    <dgm:scene3d>
+      <a:camera prst="orthographicFront"/>
+      <a:lightRig rig="threePt" dir="t"/>
+    </dgm:scene3d>
+    <dgm:sp3d/>
+    <dgm:txPr/>
+    <dgm:style>
+      <a:lnRef idx="0">
+        <a:scrgbClr r="0" g="0" b="0"/>
+      </a:lnRef>
+      <a:fillRef idx="0">
+        <a:scrgbClr r="0" g="0" b="0"/>
+      </a:fillRef>
+      <a:effectRef idx="0">
+        <a:scrgbClr r="0" g="0" b="0"/>
+      </a:effectRef>
+      <a:fontRef idx="minor"/>
+    </dgm:style>
+  </dgm:styleLbl>
+</dgm:styleDef>
+</file>
+
+<file path=ppt/diagrams/quickStyle3.xml><?xml version="1.0" encoding="utf-8"?>
 <dgm:styleDef xmlns:dgm="http://schemas.openxmlformats.org/drawingml/2006/diagram" xmlns:a="http://schemas.openxmlformats.org/drawingml/2006/main" uniqueId="urn:microsoft.com/office/officeart/2005/8/quickstyle/simple1">
   <dgm:title val=""/>
   <dgm:desc val=""/>
@@ -7646,6 +12871,1991 @@
     <p:extLst>
       <p:ext uri="{BB962C8B-B14F-4D97-AF65-F5344CB8AC3E}">
         <p14:creationId xmlns:p14="http://schemas.microsoft.com/office/powerpoint/2010/main" val="4173212070"/>
+      </p:ext>
+    </p:extLst>
+  </p:cSld>
+  <p:clrMapOvr>
+    <a:masterClrMapping/>
+  </p:clrMapOvr>
+</p:sld>
+</file>
+
+<file path=ppt/slides/slide14.xml><?xml version="1.0" encoding="utf-8"?>
+<p:sld xmlns:a="http://schemas.openxmlformats.org/drawingml/2006/main" xmlns:r="http://schemas.openxmlformats.org/officeDocument/2006/relationships" xmlns:p="http://schemas.openxmlformats.org/presentationml/2006/main">
+  <p:cSld>
+    <p:bg>
+      <p:bgPr>
+        <a:solidFill>
+          <a:schemeClr val="bg1"/>
+        </a:solidFill>
+        <a:effectLst/>
+      </p:bgPr>
+    </p:bg>
+    <p:spTree>
+      <p:nvGrpSpPr>
+        <p:cNvPr id="1" name=""/>
+        <p:cNvGrpSpPr/>
+        <p:nvPr/>
+      </p:nvGrpSpPr>
+      <p:grpSpPr>
+        <a:xfrm>
+          <a:off x="0" y="0"/>
+          <a:ext cx="0" cy="0"/>
+          <a:chOff x="0" y="0"/>
+          <a:chExt cx="0" cy="0"/>
+        </a:xfrm>
+      </p:grpSpPr>
+      <p:sp useBgFill="1">
+        <p:nvSpPr>
+          <p:cNvPr id="9" name="Rectangle 8">
+            <a:extLst>
+              <a:ext uri="{FF2B5EF4-FFF2-40B4-BE49-F238E27FC236}">
+                <a16:creationId xmlns:a16="http://schemas.microsoft.com/office/drawing/2014/main" id="{53B021B3-DE93-4AB7-8A18-CF5F1CED88B8}"/>
+              </a:ext>
+              <a:ext uri="{C183D7F6-B498-43B3-948B-1728B52AA6E4}">
+                <adec:decorative xmlns:adec="http://schemas.microsoft.com/office/drawing/2017/decorative" val="1"/>
+              </a:ext>
+            </a:extLst>
+          </p:cNvPr>
+          <p:cNvSpPr>
+            <a:spLocks noGrp="1" noRot="1" noChangeAspect="1" noMove="1" noResize="1" noEditPoints="1" noAdjustHandles="1" noChangeArrowheads="1" noChangeShapeType="1" noTextEdit="1"/>
+          </p:cNvSpPr>
+          <p:nvPr>
+            <p:extLst>
+              <p:ext uri="{386F3935-93C4-4BCD-93E2-E3B085C9AB24}">
+                <p16:designElem xmlns:p16="http://schemas.microsoft.com/office/powerpoint/2015/main" val="1"/>
+              </p:ext>
+            </p:extLst>
+          </p:nvPr>
+        </p:nvSpPr>
+        <p:spPr>
+          <a:xfrm>
+            <a:off x="0" y="0"/>
+            <a:ext cx="12192000" cy="6858000"/>
+          </a:xfrm>
+          <a:prstGeom prst="rect">
+            <a:avLst/>
+          </a:prstGeom>
+          <a:ln>
+            <a:noFill/>
+          </a:ln>
+        </p:spPr>
+        <p:style>
+          <a:lnRef idx="2">
+            <a:schemeClr val="accent1">
+              <a:shade val="50000"/>
+            </a:schemeClr>
+          </a:lnRef>
+          <a:fillRef idx="1">
+            <a:schemeClr val="accent1"/>
+          </a:fillRef>
+          <a:effectRef idx="0">
+            <a:schemeClr val="accent1"/>
+          </a:effectRef>
+          <a:fontRef idx="minor">
+            <a:schemeClr val="lt1"/>
+          </a:fontRef>
+        </p:style>
+        <p:txBody>
+          <a:bodyPr rtlCol="0" anchor="ctr"/>
+          <a:lstStyle/>
+          <a:p>
+            <a:pPr algn="ctr"/>
+            <a:endParaRPr lang="en-US"/>
+          </a:p>
+        </p:txBody>
+      </p:sp>
+      <p:sp>
+        <p:nvSpPr>
+          <p:cNvPr id="2" name="Título 1">
+            <a:extLst>
+              <a:ext uri="{FF2B5EF4-FFF2-40B4-BE49-F238E27FC236}">
+                <a16:creationId xmlns:a16="http://schemas.microsoft.com/office/drawing/2014/main" id="{18E3AB60-8157-2865-20C3-556D02A870F2}"/>
+              </a:ext>
+            </a:extLst>
+          </p:cNvPr>
+          <p:cNvSpPr>
+            <a:spLocks noGrp="1"/>
+          </p:cNvSpPr>
+          <p:nvPr>
+            <p:ph type="title"/>
+          </p:nvPr>
+        </p:nvSpPr>
+        <p:spPr>
+          <a:xfrm>
+            <a:off x="841248" y="256032"/>
+            <a:ext cx="10506456" cy="1014984"/>
+          </a:xfrm>
+        </p:spPr>
+        <p:txBody>
+          <a:bodyPr anchor="b">
+            <a:normAutofit/>
+          </a:bodyPr>
+          <a:lstStyle/>
+          <a:p>
+            <a:r>
+              <a:rPr lang="pt-PT" dirty="0" err="1"/>
+              <a:t>Classificção</a:t>
+            </a:r>
+            <a:endParaRPr lang="pt-PT" dirty="0"/>
+          </a:p>
+        </p:txBody>
+      </p:sp>
+      <p:sp>
+        <p:nvSpPr>
+          <p:cNvPr id="11" name="Rectangle 10">
+            <a:extLst>
+              <a:ext uri="{FF2B5EF4-FFF2-40B4-BE49-F238E27FC236}">
+                <a16:creationId xmlns:a16="http://schemas.microsoft.com/office/drawing/2014/main" id="{52D502E5-F6B4-4D58-B4AE-FC466FF15EE8}"/>
+              </a:ext>
+              <a:ext uri="{C183D7F6-B498-43B3-948B-1728B52AA6E4}">
+                <adec:decorative xmlns:adec="http://schemas.microsoft.com/office/drawing/2017/decorative" val="1"/>
+              </a:ext>
+            </a:extLst>
+          </p:cNvPr>
+          <p:cNvSpPr>
+            <a:spLocks noGrp="1" noRot="1" noChangeAspect="1" noMove="1" noResize="1" noEditPoints="1" noAdjustHandles="1" noChangeArrowheads="1" noChangeShapeType="1" noTextEdit="1"/>
+          </p:cNvSpPr>
+          <p:nvPr>
+            <p:extLst>
+              <p:ext uri="{386F3935-93C4-4BCD-93E2-E3B085C9AB24}">
+                <p16:designElem xmlns:p16="http://schemas.microsoft.com/office/powerpoint/2015/main" val="1"/>
+              </p:ext>
+            </p:extLst>
+          </p:nvPr>
+        </p:nvSpPr>
+        <p:spPr>
+          <a:xfrm>
+            <a:off x="865953" y="1634502"/>
+            <a:ext cx="10451592" cy="18288"/>
+          </a:xfrm>
+          <a:prstGeom prst="rect">
+            <a:avLst/>
+          </a:prstGeom>
+          <a:solidFill>
+            <a:srgbClr val="D5D5D5"/>
+          </a:solidFill>
+          <a:ln w="3175">
+            <a:noFill/>
+          </a:ln>
+          <a:effectLst/>
+        </p:spPr>
+        <p:style>
+          <a:lnRef idx="2">
+            <a:schemeClr val="accent1">
+              <a:shade val="50000"/>
+            </a:schemeClr>
+          </a:lnRef>
+          <a:fillRef idx="1">
+            <a:schemeClr val="accent1"/>
+          </a:fillRef>
+          <a:effectRef idx="0">
+            <a:schemeClr val="accent1"/>
+          </a:effectRef>
+          <a:fontRef idx="minor">
+            <a:schemeClr val="lt1"/>
+          </a:fontRef>
+        </p:style>
+        <p:txBody>
+          <a:bodyPr rtlCol="0" anchor="ctr"/>
+          <a:lstStyle/>
+          <a:p>
+            <a:pPr algn="ctr"/>
+            <a:endParaRPr lang="en-US">
+              <a:solidFill>
+                <a:prstClr val="white"/>
+              </a:solidFill>
+              <a:latin typeface="Calibri" panose="020F0502020204030204"/>
+            </a:endParaRPr>
+          </a:p>
+        </p:txBody>
+      </p:sp>
+      <p:sp>
+        <p:nvSpPr>
+          <p:cNvPr id="13" name="Rectangle 12">
+            <a:extLst>
+              <a:ext uri="{FF2B5EF4-FFF2-40B4-BE49-F238E27FC236}">
+                <a16:creationId xmlns:a16="http://schemas.microsoft.com/office/drawing/2014/main" id="{9DECDBF4-02B6-4BB4-B65B-B8107AD6A9E8}"/>
+              </a:ext>
+              <a:ext uri="{C183D7F6-B498-43B3-948B-1728B52AA6E4}">
+                <adec:decorative xmlns:adec="http://schemas.microsoft.com/office/drawing/2017/decorative" val="1"/>
+              </a:ext>
+            </a:extLst>
+          </p:cNvPr>
+          <p:cNvSpPr>
+            <a:spLocks noGrp="1" noRot="1" noChangeAspect="1" noMove="1" noResize="1" noEditPoints="1" noAdjustHandles="1" noChangeArrowheads="1" noChangeShapeType="1" noTextEdit="1"/>
+          </p:cNvSpPr>
+          <p:nvPr>
+            <p:extLst>
+              <p:ext uri="{386F3935-93C4-4BCD-93E2-E3B085C9AB24}">
+                <p16:designElem xmlns:p16="http://schemas.microsoft.com/office/powerpoint/2015/main" val="1"/>
+              </p:ext>
+            </p:extLst>
+          </p:nvPr>
+        </p:nvSpPr>
+        <p:spPr>
+          <a:xfrm flipV="1">
+            <a:off x="841248" y="1538176"/>
+            <a:ext cx="1873457" cy="109814"/>
+          </a:xfrm>
+          <a:prstGeom prst="rect">
+            <a:avLst/>
+          </a:prstGeom>
+          <a:solidFill>
+            <a:schemeClr val="accent2"/>
+          </a:solidFill>
+          <a:ln>
+            <a:noFill/>
+          </a:ln>
+        </p:spPr>
+        <p:style>
+          <a:lnRef idx="2">
+            <a:schemeClr val="accent1">
+              <a:shade val="50000"/>
+            </a:schemeClr>
+          </a:lnRef>
+          <a:fillRef idx="1">
+            <a:schemeClr val="accent1"/>
+          </a:fillRef>
+          <a:effectRef idx="0">
+            <a:schemeClr val="accent1"/>
+          </a:effectRef>
+          <a:fontRef idx="minor">
+            <a:schemeClr val="lt1"/>
+          </a:fontRef>
+        </p:style>
+        <p:txBody>
+          <a:bodyPr rtlCol="0" anchor="ctr"/>
+          <a:lstStyle/>
+          <a:p>
+            <a:pPr algn="ctr"/>
+            <a:endParaRPr lang="en-US">
+              <a:solidFill>
+                <a:prstClr val="white"/>
+              </a:solidFill>
+              <a:latin typeface="Calibri" panose="020F0502020204030204"/>
+            </a:endParaRPr>
+          </a:p>
+        </p:txBody>
+      </p:sp>
+      <p:graphicFrame>
+        <p:nvGraphicFramePr>
+          <p:cNvPr id="5" name="Marcador de Posição de Conteúdo 2">
+            <a:extLst>
+              <a:ext uri="{FF2B5EF4-FFF2-40B4-BE49-F238E27FC236}">
+                <a16:creationId xmlns:a16="http://schemas.microsoft.com/office/drawing/2014/main" id="{47880D24-55DB-F799-C12E-C075F94B3AAE}"/>
+              </a:ext>
+            </a:extLst>
+          </p:cNvPr>
+          <p:cNvGraphicFramePr>
+            <a:graphicFrameLocks noGrp="1"/>
+          </p:cNvGraphicFramePr>
+          <p:nvPr>
+            <p:ph idx="1"/>
+            <p:extLst>
+              <p:ext uri="{D42A27DB-BD31-4B8C-83A1-F6EECF244321}">
+                <p14:modId xmlns:p14="http://schemas.microsoft.com/office/powerpoint/2010/main" val="1021126584"/>
+              </p:ext>
+            </p:extLst>
+          </p:nvPr>
+        </p:nvGraphicFramePr>
+        <p:xfrm>
+          <a:off x="838200" y="1926266"/>
+          <a:ext cx="10515600" cy="4357524"/>
+        </p:xfrm>
+        <a:graphic>
+          <a:graphicData uri="http://schemas.openxmlformats.org/drawingml/2006/diagram">
+            <dgm:relIds xmlns:dgm="http://schemas.openxmlformats.org/drawingml/2006/diagram" xmlns:r="http://schemas.openxmlformats.org/officeDocument/2006/relationships" r:dm="rId2" r:lo="rId3" r:qs="rId4" r:cs="rId5"/>
+          </a:graphicData>
+        </a:graphic>
+      </p:graphicFrame>
+    </p:spTree>
+    <p:extLst>
+      <p:ext uri="{BB962C8B-B14F-4D97-AF65-F5344CB8AC3E}">
+        <p14:creationId xmlns:p14="http://schemas.microsoft.com/office/powerpoint/2010/main" val="1125402032"/>
+      </p:ext>
+    </p:extLst>
+  </p:cSld>
+  <p:clrMapOvr>
+    <a:masterClrMapping/>
+  </p:clrMapOvr>
+</p:sld>
+</file>
+
+<file path=ppt/slides/slide15.xml><?xml version="1.0" encoding="utf-8"?>
+<p:sld xmlns:a="http://schemas.openxmlformats.org/drawingml/2006/main" xmlns:r="http://schemas.openxmlformats.org/officeDocument/2006/relationships" xmlns:p="http://schemas.openxmlformats.org/presentationml/2006/main">
+  <p:cSld>
+    <p:bg>
+      <p:bgPr>
+        <a:solidFill>
+          <a:schemeClr val="bg1"/>
+        </a:solidFill>
+        <a:effectLst/>
+      </p:bgPr>
+    </p:bg>
+    <p:spTree>
+      <p:nvGrpSpPr>
+        <p:cNvPr id="1" name=""/>
+        <p:cNvGrpSpPr/>
+        <p:nvPr/>
+      </p:nvGrpSpPr>
+      <p:grpSpPr>
+        <a:xfrm>
+          <a:off x="0" y="0"/>
+          <a:ext cx="0" cy="0"/>
+          <a:chOff x="0" y="0"/>
+          <a:chExt cx="0" cy="0"/>
+        </a:xfrm>
+      </p:grpSpPr>
+      <p:sp useBgFill="1">
+        <p:nvSpPr>
+          <p:cNvPr id="15" name="Rectangle 8">
+            <a:extLst>
+              <a:ext uri="{FF2B5EF4-FFF2-40B4-BE49-F238E27FC236}">
+                <a16:creationId xmlns:a16="http://schemas.microsoft.com/office/drawing/2014/main" id="{53B021B3-DE93-4AB7-8A18-CF5F1CED88B8}"/>
+              </a:ext>
+              <a:ext uri="{C183D7F6-B498-43B3-948B-1728B52AA6E4}">
+                <adec:decorative xmlns:adec="http://schemas.microsoft.com/office/drawing/2017/decorative" val="1"/>
+              </a:ext>
+            </a:extLst>
+          </p:cNvPr>
+          <p:cNvSpPr>
+            <a:spLocks noGrp="1" noRot="1" noChangeAspect="1" noMove="1" noResize="1" noEditPoints="1" noAdjustHandles="1" noChangeArrowheads="1" noChangeShapeType="1" noTextEdit="1"/>
+          </p:cNvSpPr>
+          <p:nvPr>
+            <p:extLst>
+              <p:ext uri="{386F3935-93C4-4BCD-93E2-E3B085C9AB24}">
+                <p16:designElem xmlns:p16="http://schemas.microsoft.com/office/powerpoint/2015/main" val="1"/>
+              </p:ext>
+            </p:extLst>
+          </p:nvPr>
+        </p:nvSpPr>
+        <p:spPr>
+          <a:xfrm>
+            <a:off x="0" y="0"/>
+            <a:ext cx="12192000" cy="6858000"/>
+          </a:xfrm>
+          <a:prstGeom prst="rect">
+            <a:avLst/>
+          </a:prstGeom>
+          <a:ln>
+            <a:noFill/>
+          </a:ln>
+        </p:spPr>
+        <p:style>
+          <a:lnRef idx="2">
+            <a:schemeClr val="accent1">
+              <a:shade val="50000"/>
+            </a:schemeClr>
+          </a:lnRef>
+          <a:fillRef idx="1">
+            <a:schemeClr val="accent1"/>
+          </a:fillRef>
+          <a:effectRef idx="0">
+            <a:schemeClr val="accent1"/>
+          </a:effectRef>
+          <a:fontRef idx="minor">
+            <a:schemeClr val="lt1"/>
+          </a:fontRef>
+        </p:style>
+        <p:txBody>
+          <a:bodyPr rtlCol="0" anchor="ctr"/>
+          <a:lstStyle/>
+          <a:p>
+            <a:pPr algn="ctr"/>
+            <a:endParaRPr lang="en-US"/>
+          </a:p>
+        </p:txBody>
+      </p:sp>
+      <p:sp>
+        <p:nvSpPr>
+          <p:cNvPr id="2" name="Título 1">
+            <a:extLst>
+              <a:ext uri="{FF2B5EF4-FFF2-40B4-BE49-F238E27FC236}">
+                <a16:creationId xmlns:a16="http://schemas.microsoft.com/office/drawing/2014/main" id="{4545157C-58F3-E636-6271-22F9ED40DC65}"/>
+              </a:ext>
+            </a:extLst>
+          </p:cNvPr>
+          <p:cNvSpPr>
+            <a:spLocks noGrp="1"/>
+          </p:cNvSpPr>
+          <p:nvPr>
+            <p:ph type="title"/>
+          </p:nvPr>
+        </p:nvSpPr>
+        <p:spPr>
+          <a:xfrm>
+            <a:off x="841248" y="256032"/>
+            <a:ext cx="10506456" cy="1014984"/>
+          </a:xfrm>
+        </p:spPr>
+        <p:txBody>
+          <a:bodyPr anchor="b">
+            <a:normAutofit/>
+          </a:bodyPr>
+          <a:lstStyle/>
+          <a:p>
+            <a:r>
+              <a:rPr lang="pt-PT" dirty="0"/>
+              <a:t>Criação de novo atributo</a:t>
+            </a:r>
+          </a:p>
+        </p:txBody>
+      </p:sp>
+      <p:sp>
+        <p:nvSpPr>
+          <p:cNvPr id="16" name="Rectangle 10">
+            <a:extLst>
+              <a:ext uri="{FF2B5EF4-FFF2-40B4-BE49-F238E27FC236}">
+                <a16:creationId xmlns:a16="http://schemas.microsoft.com/office/drawing/2014/main" id="{52D502E5-F6B4-4D58-B4AE-FC466FF15EE8}"/>
+              </a:ext>
+              <a:ext uri="{C183D7F6-B498-43B3-948B-1728B52AA6E4}">
+                <adec:decorative xmlns:adec="http://schemas.microsoft.com/office/drawing/2017/decorative" val="1"/>
+              </a:ext>
+            </a:extLst>
+          </p:cNvPr>
+          <p:cNvSpPr>
+            <a:spLocks noGrp="1" noRot="1" noChangeAspect="1" noMove="1" noResize="1" noEditPoints="1" noAdjustHandles="1" noChangeArrowheads="1" noChangeShapeType="1" noTextEdit="1"/>
+          </p:cNvSpPr>
+          <p:nvPr>
+            <p:extLst>
+              <p:ext uri="{386F3935-93C4-4BCD-93E2-E3B085C9AB24}">
+                <p16:designElem xmlns:p16="http://schemas.microsoft.com/office/powerpoint/2015/main" val="1"/>
+              </p:ext>
+            </p:extLst>
+          </p:nvPr>
+        </p:nvSpPr>
+        <p:spPr>
+          <a:xfrm>
+            <a:off x="865953" y="1634502"/>
+            <a:ext cx="10451592" cy="18288"/>
+          </a:xfrm>
+          <a:prstGeom prst="rect">
+            <a:avLst/>
+          </a:prstGeom>
+          <a:solidFill>
+            <a:srgbClr val="D5D5D5"/>
+          </a:solidFill>
+          <a:ln w="3175">
+            <a:noFill/>
+          </a:ln>
+          <a:effectLst/>
+        </p:spPr>
+        <p:style>
+          <a:lnRef idx="2">
+            <a:schemeClr val="accent1">
+              <a:shade val="50000"/>
+            </a:schemeClr>
+          </a:lnRef>
+          <a:fillRef idx="1">
+            <a:schemeClr val="accent1"/>
+          </a:fillRef>
+          <a:effectRef idx="0">
+            <a:schemeClr val="accent1"/>
+          </a:effectRef>
+          <a:fontRef idx="minor">
+            <a:schemeClr val="lt1"/>
+          </a:fontRef>
+        </p:style>
+        <p:txBody>
+          <a:bodyPr rtlCol="0" anchor="ctr"/>
+          <a:lstStyle/>
+          <a:p>
+            <a:pPr algn="ctr"/>
+            <a:endParaRPr lang="en-US">
+              <a:solidFill>
+                <a:prstClr val="white"/>
+              </a:solidFill>
+              <a:latin typeface="Calibri" panose="020F0502020204030204"/>
+            </a:endParaRPr>
+          </a:p>
+        </p:txBody>
+      </p:sp>
+      <p:sp>
+        <p:nvSpPr>
+          <p:cNvPr id="17" name="Rectangle 12">
+            <a:extLst>
+              <a:ext uri="{FF2B5EF4-FFF2-40B4-BE49-F238E27FC236}">
+                <a16:creationId xmlns:a16="http://schemas.microsoft.com/office/drawing/2014/main" id="{9DECDBF4-02B6-4BB4-B65B-B8107AD6A9E8}"/>
+              </a:ext>
+              <a:ext uri="{C183D7F6-B498-43B3-948B-1728B52AA6E4}">
+                <adec:decorative xmlns:adec="http://schemas.microsoft.com/office/drawing/2017/decorative" val="1"/>
+              </a:ext>
+            </a:extLst>
+          </p:cNvPr>
+          <p:cNvSpPr>
+            <a:spLocks noGrp="1" noRot="1" noChangeAspect="1" noMove="1" noResize="1" noEditPoints="1" noAdjustHandles="1" noChangeArrowheads="1" noChangeShapeType="1" noTextEdit="1"/>
+          </p:cNvSpPr>
+          <p:nvPr>
+            <p:extLst>
+              <p:ext uri="{386F3935-93C4-4BCD-93E2-E3B085C9AB24}">
+                <p16:designElem xmlns:p16="http://schemas.microsoft.com/office/powerpoint/2015/main" val="1"/>
+              </p:ext>
+            </p:extLst>
+          </p:nvPr>
+        </p:nvSpPr>
+        <p:spPr>
+          <a:xfrm flipV="1">
+            <a:off x="841248" y="1538176"/>
+            <a:ext cx="1873457" cy="109814"/>
+          </a:xfrm>
+          <a:prstGeom prst="rect">
+            <a:avLst/>
+          </a:prstGeom>
+          <a:solidFill>
+            <a:schemeClr val="accent2"/>
+          </a:solidFill>
+          <a:ln>
+            <a:noFill/>
+          </a:ln>
+        </p:spPr>
+        <p:style>
+          <a:lnRef idx="2">
+            <a:schemeClr val="accent1">
+              <a:shade val="50000"/>
+            </a:schemeClr>
+          </a:lnRef>
+          <a:fillRef idx="1">
+            <a:schemeClr val="accent1"/>
+          </a:fillRef>
+          <a:effectRef idx="0">
+            <a:schemeClr val="accent1"/>
+          </a:effectRef>
+          <a:fontRef idx="minor">
+            <a:schemeClr val="lt1"/>
+          </a:fontRef>
+        </p:style>
+        <p:txBody>
+          <a:bodyPr rtlCol="0" anchor="ctr"/>
+          <a:lstStyle/>
+          <a:p>
+            <a:pPr algn="ctr"/>
+            <a:endParaRPr lang="en-US">
+              <a:solidFill>
+                <a:prstClr val="white"/>
+              </a:solidFill>
+              <a:latin typeface="Calibri" panose="020F0502020204030204"/>
+            </a:endParaRPr>
+          </a:p>
+        </p:txBody>
+      </p:sp>
+      <p:graphicFrame>
+        <p:nvGraphicFramePr>
+          <p:cNvPr id="18" name="Marcador de Posição de Conteúdo 2">
+            <a:extLst>
+              <a:ext uri="{FF2B5EF4-FFF2-40B4-BE49-F238E27FC236}">
+                <a16:creationId xmlns:a16="http://schemas.microsoft.com/office/drawing/2014/main" id="{D4956DB9-EF13-FD9B-8959-BC12550D563F}"/>
+              </a:ext>
+            </a:extLst>
+          </p:cNvPr>
+          <p:cNvGraphicFramePr>
+            <a:graphicFrameLocks noGrp="1"/>
+          </p:cNvGraphicFramePr>
+          <p:nvPr>
+            <p:ph idx="1"/>
+            <p:extLst>
+              <p:ext uri="{D42A27DB-BD31-4B8C-83A1-F6EECF244321}">
+                <p14:modId xmlns:p14="http://schemas.microsoft.com/office/powerpoint/2010/main" val="3884994562"/>
+              </p:ext>
+            </p:extLst>
+          </p:nvPr>
+        </p:nvGraphicFramePr>
+        <p:xfrm>
+          <a:off x="838200" y="1926266"/>
+          <a:ext cx="10515600" cy="4357524"/>
+        </p:xfrm>
+        <a:graphic>
+          <a:graphicData uri="http://schemas.openxmlformats.org/drawingml/2006/diagram">
+            <dgm:relIds xmlns:dgm="http://schemas.openxmlformats.org/drawingml/2006/diagram" xmlns:r="http://schemas.openxmlformats.org/officeDocument/2006/relationships" r:dm="rId2" r:lo="rId3" r:qs="rId4" r:cs="rId5"/>
+          </a:graphicData>
+        </a:graphic>
+      </p:graphicFrame>
+    </p:spTree>
+    <p:extLst>
+      <p:ext uri="{BB962C8B-B14F-4D97-AF65-F5344CB8AC3E}">
+        <p14:creationId xmlns:p14="http://schemas.microsoft.com/office/powerpoint/2010/main" val="3802728089"/>
+      </p:ext>
+    </p:extLst>
+  </p:cSld>
+  <p:clrMapOvr>
+    <a:masterClrMapping/>
+  </p:clrMapOvr>
+</p:sld>
+</file>
+
+<file path=ppt/slides/slide16.xml><?xml version="1.0" encoding="utf-8"?>
+<p:sld xmlns:a="http://schemas.openxmlformats.org/drawingml/2006/main" xmlns:r="http://schemas.openxmlformats.org/officeDocument/2006/relationships" xmlns:p="http://schemas.openxmlformats.org/presentationml/2006/main">
+  <p:cSld>
+    <p:bg>
+      <p:bgPr>
+        <a:solidFill>
+          <a:schemeClr val="bg1"/>
+        </a:solidFill>
+        <a:effectLst/>
+      </p:bgPr>
+    </p:bg>
+    <p:spTree>
+      <p:nvGrpSpPr>
+        <p:cNvPr id="1" name=""/>
+        <p:cNvGrpSpPr/>
+        <p:nvPr/>
+      </p:nvGrpSpPr>
+      <p:grpSpPr>
+        <a:xfrm>
+          <a:off x="0" y="0"/>
+          <a:ext cx="0" cy="0"/>
+          <a:chOff x="0" y="0"/>
+          <a:chExt cx="0" cy="0"/>
+        </a:xfrm>
+      </p:grpSpPr>
+      <p:sp useBgFill="1">
+        <p:nvSpPr>
+          <p:cNvPr id="12" name="Rectangle 11">
+            <a:extLst>
+              <a:ext uri="{FF2B5EF4-FFF2-40B4-BE49-F238E27FC236}">
+                <a16:creationId xmlns:a16="http://schemas.microsoft.com/office/drawing/2014/main" id="{C4879EFC-8E62-4E00-973C-C45EE9EC676D}"/>
+              </a:ext>
+              <a:ext uri="{C183D7F6-B498-43B3-948B-1728B52AA6E4}">
+                <adec:decorative xmlns:adec="http://schemas.microsoft.com/office/drawing/2017/decorative" val="1"/>
+              </a:ext>
+            </a:extLst>
+          </p:cNvPr>
+          <p:cNvSpPr>
+            <a:spLocks noGrp="1" noRot="1" noChangeAspect="1" noMove="1" noResize="1" noEditPoints="1" noAdjustHandles="1" noChangeArrowheads="1" noChangeShapeType="1" noTextEdit="1"/>
+          </p:cNvSpPr>
+          <p:nvPr>
+            <p:extLst>
+              <p:ext uri="{386F3935-93C4-4BCD-93E2-E3B085C9AB24}">
+                <p16:designElem xmlns:p16="http://schemas.microsoft.com/office/powerpoint/2015/main" val="1"/>
+              </p:ext>
+            </p:extLst>
+          </p:nvPr>
+        </p:nvSpPr>
+        <p:spPr>
+          <a:xfrm>
+            <a:off x="0" y="0"/>
+            <a:ext cx="12188952" cy="6858000"/>
+          </a:xfrm>
+          <a:prstGeom prst="rect">
+            <a:avLst/>
+          </a:prstGeom>
+          <a:ln>
+            <a:noFill/>
+          </a:ln>
+        </p:spPr>
+        <p:style>
+          <a:lnRef idx="2">
+            <a:schemeClr val="accent1">
+              <a:shade val="50000"/>
+            </a:schemeClr>
+          </a:lnRef>
+          <a:fillRef idx="1">
+            <a:schemeClr val="accent1"/>
+          </a:fillRef>
+          <a:effectRef idx="0">
+            <a:schemeClr val="accent1"/>
+          </a:effectRef>
+          <a:fontRef idx="minor">
+            <a:schemeClr val="lt1"/>
+          </a:fontRef>
+        </p:style>
+        <p:txBody>
+          <a:bodyPr rtlCol="0" anchor="ctr"/>
+          <a:lstStyle/>
+          <a:p>
+            <a:pPr algn="ctr"/>
+            <a:endParaRPr lang="en-US"/>
+          </a:p>
+        </p:txBody>
+      </p:sp>
+      <p:sp>
+        <p:nvSpPr>
+          <p:cNvPr id="2" name="Título 1">
+            <a:extLst>
+              <a:ext uri="{FF2B5EF4-FFF2-40B4-BE49-F238E27FC236}">
+                <a16:creationId xmlns:a16="http://schemas.microsoft.com/office/drawing/2014/main" id="{E5E12770-DE2F-BCDD-3780-CD5FBF5AD71D}"/>
+              </a:ext>
+            </a:extLst>
+          </p:cNvPr>
+          <p:cNvSpPr>
+            <a:spLocks noGrp="1"/>
+          </p:cNvSpPr>
+          <p:nvPr>
+            <p:ph type="title"/>
+          </p:nvPr>
+        </p:nvSpPr>
+        <p:spPr>
+          <a:xfrm>
+            <a:off x="638881" y="457200"/>
+            <a:ext cx="10909640" cy="1368614"/>
+          </a:xfrm>
+        </p:spPr>
+        <p:txBody>
+          <a:bodyPr vert="horz" lIns="91440" tIns="45720" rIns="91440" bIns="45720" rtlCol="0" anchor="ctr">
+            <a:normAutofit/>
+          </a:bodyPr>
+          <a:lstStyle/>
+          <a:p>
+            <a:pPr algn="ctr"/>
+            <a:r>
+              <a:rPr lang="en-US" sz="6600"/>
+              <a:t>Árvore de decisão </a:t>
+            </a:r>
+          </a:p>
+        </p:txBody>
+      </p:sp>
+      <p:sp>
+        <p:nvSpPr>
+          <p:cNvPr id="14" name="sketch line">
+            <a:extLst>
+              <a:ext uri="{FF2B5EF4-FFF2-40B4-BE49-F238E27FC236}">
+                <a16:creationId xmlns:a16="http://schemas.microsoft.com/office/drawing/2014/main" id="{D6A9C53F-5F90-40A5-8C85-5412D39C8C68}"/>
+              </a:ext>
+              <a:ext uri="{C183D7F6-B498-43B3-948B-1728B52AA6E4}">
+                <adec:decorative xmlns:adec="http://schemas.microsoft.com/office/drawing/2017/decorative" val="1"/>
+              </a:ext>
+            </a:extLst>
+          </p:cNvPr>
+          <p:cNvSpPr>
+            <a:spLocks noGrp="1" noRot="1" noChangeAspect="1" noMove="1" noResize="1" noEditPoints="1" noAdjustHandles="1" noChangeArrowheads="1" noChangeShapeType="1" noTextEdit="1"/>
+          </p:cNvSpPr>
+          <p:nvPr>
+            <p:extLst>
+              <p:ext uri="{386F3935-93C4-4BCD-93E2-E3B085C9AB24}">
+                <p16:designElem xmlns:p16="http://schemas.microsoft.com/office/powerpoint/2015/main" val="1"/>
+              </p:ext>
+            </p:extLst>
+          </p:nvPr>
+        </p:nvSpPr>
+        <p:spPr>
+          <a:xfrm>
+            <a:off x="4450080" y="1850683"/>
+            <a:ext cx="3291840" cy="18288"/>
+          </a:xfrm>
+          <a:custGeom>
+            <a:avLst/>
+            <a:gdLst>
+              <a:gd name="connsiteX0" fmla="*/ 0 w 3291840"/>
+              <a:gd name="connsiteY0" fmla="*/ 0 h 18288"/>
+              <a:gd name="connsiteX1" fmla="*/ 658368 w 3291840"/>
+              <a:gd name="connsiteY1" fmla="*/ 0 h 18288"/>
+              <a:gd name="connsiteX2" fmla="*/ 1283818 w 3291840"/>
+              <a:gd name="connsiteY2" fmla="*/ 0 h 18288"/>
+              <a:gd name="connsiteX3" fmla="*/ 1909267 w 3291840"/>
+              <a:gd name="connsiteY3" fmla="*/ 0 h 18288"/>
+              <a:gd name="connsiteX4" fmla="*/ 2633472 w 3291840"/>
+              <a:gd name="connsiteY4" fmla="*/ 0 h 18288"/>
+              <a:gd name="connsiteX5" fmla="*/ 3291840 w 3291840"/>
+              <a:gd name="connsiteY5" fmla="*/ 0 h 18288"/>
+              <a:gd name="connsiteX6" fmla="*/ 3291840 w 3291840"/>
+              <a:gd name="connsiteY6" fmla="*/ 18288 h 18288"/>
+              <a:gd name="connsiteX7" fmla="*/ 2633472 w 3291840"/>
+              <a:gd name="connsiteY7" fmla="*/ 18288 h 18288"/>
+              <a:gd name="connsiteX8" fmla="*/ 2073859 w 3291840"/>
+              <a:gd name="connsiteY8" fmla="*/ 18288 h 18288"/>
+              <a:gd name="connsiteX9" fmla="*/ 1448410 w 3291840"/>
+              <a:gd name="connsiteY9" fmla="*/ 18288 h 18288"/>
+              <a:gd name="connsiteX10" fmla="*/ 822960 w 3291840"/>
+              <a:gd name="connsiteY10" fmla="*/ 18288 h 18288"/>
+              <a:gd name="connsiteX11" fmla="*/ 0 w 3291840"/>
+              <a:gd name="connsiteY11" fmla="*/ 18288 h 18288"/>
+              <a:gd name="connsiteX12" fmla="*/ 0 w 3291840"/>
+              <a:gd name="connsiteY12" fmla="*/ 0 h 18288"/>
+            </a:gdLst>
+            <a:ahLst/>
+            <a:cxnLst>
+              <a:cxn ang="0">
+                <a:pos x="connsiteX0" y="connsiteY0"/>
+              </a:cxn>
+              <a:cxn ang="0">
+                <a:pos x="connsiteX1" y="connsiteY1"/>
+              </a:cxn>
+              <a:cxn ang="0">
+                <a:pos x="connsiteX2" y="connsiteY2"/>
+              </a:cxn>
+              <a:cxn ang="0">
+                <a:pos x="connsiteX3" y="connsiteY3"/>
+              </a:cxn>
+              <a:cxn ang="0">
+                <a:pos x="connsiteX4" y="connsiteY4"/>
+              </a:cxn>
+              <a:cxn ang="0">
+                <a:pos x="connsiteX5" y="connsiteY5"/>
+              </a:cxn>
+              <a:cxn ang="0">
+                <a:pos x="connsiteX6" y="connsiteY6"/>
+              </a:cxn>
+              <a:cxn ang="0">
+                <a:pos x="connsiteX7" y="connsiteY7"/>
+              </a:cxn>
+              <a:cxn ang="0">
+                <a:pos x="connsiteX8" y="connsiteY8"/>
+              </a:cxn>
+              <a:cxn ang="0">
+                <a:pos x="connsiteX9" y="connsiteY9"/>
+              </a:cxn>
+              <a:cxn ang="0">
+                <a:pos x="connsiteX10" y="connsiteY10"/>
+              </a:cxn>
+              <a:cxn ang="0">
+                <a:pos x="connsiteX11" y="connsiteY11"/>
+              </a:cxn>
+              <a:cxn ang="0">
+                <a:pos x="connsiteX12" y="connsiteY12"/>
+              </a:cxn>
+            </a:cxnLst>
+            <a:rect l="l" t="t" r="r" b="b"/>
+            <a:pathLst>
+              <a:path w="3291840" h="18288" fill="none" extrusionOk="0">
+                <a:moveTo>
+                  <a:pt x="0" y="0"/>
+                </a:moveTo>
+                <a:cubicBezTo>
+                  <a:pt x="173077" y="-20031"/>
+                  <a:pt x="443104" y="6424"/>
+                  <a:pt x="658368" y="0"/>
+                </a:cubicBezTo>
+                <a:cubicBezTo>
+                  <a:pt x="873632" y="-6424"/>
+                  <a:pt x="1034028" y="11764"/>
+                  <a:pt x="1283818" y="0"/>
+                </a:cubicBezTo>
+                <a:cubicBezTo>
+                  <a:pt x="1533608" y="-11764"/>
+                  <a:pt x="1691227" y="-30112"/>
+                  <a:pt x="1909267" y="0"/>
+                </a:cubicBezTo>
+                <a:cubicBezTo>
+                  <a:pt x="2127307" y="30112"/>
+                  <a:pt x="2272465" y="-18735"/>
+                  <a:pt x="2633472" y="0"/>
+                </a:cubicBezTo>
+                <a:cubicBezTo>
+                  <a:pt x="2994479" y="18735"/>
+                  <a:pt x="3023324" y="-32030"/>
+                  <a:pt x="3291840" y="0"/>
+                </a:cubicBezTo>
+                <a:cubicBezTo>
+                  <a:pt x="3291406" y="7551"/>
+                  <a:pt x="3291373" y="9822"/>
+                  <a:pt x="3291840" y="18288"/>
+                </a:cubicBezTo>
+                <a:cubicBezTo>
+                  <a:pt x="3048445" y="38989"/>
+                  <a:pt x="2846548" y="-14400"/>
+                  <a:pt x="2633472" y="18288"/>
+                </a:cubicBezTo>
+                <a:cubicBezTo>
+                  <a:pt x="2420396" y="50976"/>
+                  <a:pt x="2304099" y="6336"/>
+                  <a:pt x="2073859" y="18288"/>
+                </a:cubicBezTo>
+                <a:cubicBezTo>
+                  <a:pt x="1843619" y="30240"/>
+                  <a:pt x="1706926" y="10778"/>
+                  <a:pt x="1448410" y="18288"/>
+                </a:cubicBezTo>
+                <a:cubicBezTo>
+                  <a:pt x="1189894" y="25798"/>
+                  <a:pt x="1002278" y="8992"/>
+                  <a:pt x="822960" y="18288"/>
+                </a:cubicBezTo>
+                <a:cubicBezTo>
+                  <a:pt x="643642" y="27585"/>
+                  <a:pt x="307039" y="38051"/>
+                  <a:pt x="0" y="18288"/>
+                </a:cubicBezTo>
+                <a:cubicBezTo>
+                  <a:pt x="60" y="11696"/>
+                  <a:pt x="66" y="3758"/>
+                  <a:pt x="0" y="0"/>
+                </a:cubicBezTo>
+                <a:close/>
+              </a:path>
+              <a:path w="3291840" h="18288" stroke="0" extrusionOk="0">
+                <a:moveTo>
+                  <a:pt x="0" y="0"/>
+                </a:moveTo>
+                <a:cubicBezTo>
+                  <a:pt x="195850" y="28018"/>
+                  <a:pt x="434891" y="17390"/>
+                  <a:pt x="592531" y="0"/>
+                </a:cubicBezTo>
+                <a:cubicBezTo>
+                  <a:pt x="750171" y="-17390"/>
+                  <a:pt x="1018709" y="32200"/>
+                  <a:pt x="1316736" y="0"/>
+                </a:cubicBezTo>
+                <a:cubicBezTo>
+                  <a:pt x="1614763" y="-32200"/>
+                  <a:pt x="1696480" y="-11367"/>
+                  <a:pt x="1876349" y="0"/>
+                </a:cubicBezTo>
+                <a:cubicBezTo>
+                  <a:pt x="2056218" y="11367"/>
+                  <a:pt x="2193364" y="13433"/>
+                  <a:pt x="2435962" y="0"/>
+                </a:cubicBezTo>
+                <a:cubicBezTo>
+                  <a:pt x="2678560" y="-13433"/>
+                  <a:pt x="3010901" y="-42367"/>
+                  <a:pt x="3291840" y="0"/>
+                </a:cubicBezTo>
+                <a:cubicBezTo>
+                  <a:pt x="3291758" y="4406"/>
+                  <a:pt x="3291751" y="9982"/>
+                  <a:pt x="3291840" y="18288"/>
+                </a:cubicBezTo>
+                <a:cubicBezTo>
+                  <a:pt x="3108993" y="14228"/>
+                  <a:pt x="2952658" y="46900"/>
+                  <a:pt x="2666390" y="18288"/>
+                </a:cubicBezTo>
+                <a:cubicBezTo>
+                  <a:pt x="2380122" y="-10324"/>
+                  <a:pt x="2263855" y="41055"/>
+                  <a:pt x="2040941" y="18288"/>
+                </a:cubicBezTo>
+                <a:cubicBezTo>
+                  <a:pt x="1818027" y="-4479"/>
+                  <a:pt x="1675097" y="6509"/>
+                  <a:pt x="1415491" y="18288"/>
+                </a:cubicBezTo>
+                <a:cubicBezTo>
+                  <a:pt x="1155885" y="30068"/>
+                  <a:pt x="852976" y="36210"/>
+                  <a:pt x="691286" y="18288"/>
+                </a:cubicBezTo>
+                <a:cubicBezTo>
+                  <a:pt x="529596" y="366"/>
+                  <a:pt x="187183" y="13912"/>
+                  <a:pt x="0" y="18288"/>
+                </a:cubicBezTo>
+                <a:cubicBezTo>
+                  <a:pt x="189" y="14288"/>
+                  <a:pt x="-703" y="3747"/>
+                  <a:pt x="0" y="0"/>
+                </a:cubicBezTo>
+                <a:close/>
+              </a:path>
+            </a:pathLst>
+          </a:custGeom>
+          <a:solidFill>
+            <a:schemeClr val="accent2"/>
+          </a:solidFill>
+          <a:ln w="41275" cap="rnd">
+            <a:solidFill>
+              <a:schemeClr val="accent2"/>
+            </a:solidFill>
+            <a:round/>
+            <a:extLst>
+              <a:ext uri="{C807C97D-BFC1-408E-A445-0C87EB9F89A2}">
+                <ask:lineSketchStyleProps xmlns:ask="http://schemas.microsoft.com/office/drawing/2018/sketchyshapes" sd="2863741219">
+                  <a:prstGeom prst="rect">
+                    <a:avLst/>
+                  </a:prstGeom>
+                  <ask:type>
+                    <ask:lineSketchFreehand/>
+                  </ask:type>
+                </ask:lineSketchStyleProps>
+              </a:ext>
+            </a:extLst>
+          </a:ln>
+        </p:spPr>
+        <p:style>
+          <a:lnRef idx="2">
+            <a:schemeClr val="accent1">
+              <a:shade val="50000"/>
+            </a:schemeClr>
+          </a:lnRef>
+          <a:fillRef idx="1">
+            <a:schemeClr val="accent1"/>
+          </a:fillRef>
+          <a:effectRef idx="0">
+            <a:schemeClr val="accent1"/>
+          </a:effectRef>
+          <a:fontRef idx="minor">
+            <a:schemeClr val="lt1"/>
+          </a:fontRef>
+        </p:style>
+        <p:txBody>
+          <a:bodyPr rtlCol="0" anchor="ctr"/>
+          <a:lstStyle/>
+          <a:p>
+            <a:pPr algn="ctr"/>
+            <a:endParaRPr lang="en-US"/>
+          </a:p>
+        </p:txBody>
+      </p:sp>
+      <p:pic>
+        <p:nvPicPr>
+          <p:cNvPr id="7" name="Imagem 6" descr="Uma imagem com diagrama, Esquema, Retângulo, file&#10;&#10;Os conteúdos gerados por IA podem estar incorretos.">
+            <a:extLst>
+              <a:ext uri="{FF2B5EF4-FFF2-40B4-BE49-F238E27FC236}">
+                <a16:creationId xmlns:a16="http://schemas.microsoft.com/office/drawing/2014/main" id="{99BBD666-4837-4818-0FDD-AB69742B93C7}"/>
+              </a:ext>
+            </a:extLst>
+          </p:cNvPr>
+          <p:cNvPicPr>
+            <a:picLocks noChangeAspect="1"/>
+          </p:cNvPicPr>
+          <p:nvPr/>
+        </p:nvPicPr>
+        <p:blipFill>
+          <a:blip r:embed="rId2">
+            <a:extLst>
+              <a:ext uri="{28A0092B-C50C-407E-A947-70E740481C1C}">
+                <a14:useLocalDpi xmlns:a14="http://schemas.microsoft.com/office/drawing/2010/main" val="0"/>
+              </a:ext>
+            </a:extLst>
+          </a:blip>
+          <a:stretch>
+            <a:fillRect/>
+          </a:stretch>
+        </p:blipFill>
+        <p:spPr>
+          <a:xfrm>
+            <a:off x="320040" y="3161211"/>
+            <a:ext cx="5614416" cy="2568594"/>
+          </a:xfrm>
+          <a:prstGeom prst="rect">
+            <a:avLst/>
+          </a:prstGeom>
+        </p:spPr>
+      </p:pic>
+      <p:pic>
+        <p:nvPicPr>
+          <p:cNvPr id="5" name="Marcador de Posição de Conteúdo 4" descr="Uma imagem com texto, Tipo de letra, captura de ecrã, algebra&#10;&#10;Os conteúdos gerados por IA podem estar incorretos.">
+            <a:extLst>
+              <a:ext uri="{FF2B5EF4-FFF2-40B4-BE49-F238E27FC236}">
+                <a16:creationId xmlns:a16="http://schemas.microsoft.com/office/drawing/2014/main" id="{058E9F7A-4D93-4471-30B5-A619AA60AB9C}"/>
+              </a:ext>
+            </a:extLst>
+          </p:cNvPr>
+          <p:cNvPicPr>
+            <a:picLocks noGrp="1" noChangeAspect="1"/>
+          </p:cNvPicPr>
+          <p:nvPr>
+            <p:ph idx="1"/>
+          </p:nvPr>
+        </p:nvPicPr>
+        <p:blipFill>
+          <a:blip r:embed="rId3">
+            <a:extLst>
+              <a:ext uri="{28A0092B-C50C-407E-A947-70E740481C1C}">
+                <a14:useLocalDpi xmlns:a14="http://schemas.microsoft.com/office/drawing/2010/main" val="0"/>
+              </a:ext>
+            </a:extLst>
+          </a:blip>
+          <a:stretch>
+            <a:fillRect/>
+          </a:stretch>
+        </p:blipFill>
+        <p:spPr>
+          <a:xfrm>
+            <a:off x="6254496" y="3725124"/>
+            <a:ext cx="5614416" cy="1440767"/>
+          </a:xfrm>
+          <a:prstGeom prst="rect">
+            <a:avLst/>
+          </a:prstGeom>
+        </p:spPr>
+      </p:pic>
+    </p:spTree>
+    <p:extLst>
+      <p:ext uri="{BB962C8B-B14F-4D97-AF65-F5344CB8AC3E}">
+        <p14:creationId xmlns:p14="http://schemas.microsoft.com/office/powerpoint/2010/main" val="3489977499"/>
+      </p:ext>
+    </p:extLst>
+  </p:cSld>
+  <p:clrMapOvr>
+    <a:masterClrMapping/>
+  </p:clrMapOvr>
+</p:sld>
+</file>
+
+<file path=ppt/slides/slide17.xml><?xml version="1.0" encoding="utf-8"?>
+<p:sld xmlns:a="http://schemas.openxmlformats.org/drawingml/2006/main" xmlns:r="http://schemas.openxmlformats.org/officeDocument/2006/relationships" xmlns:p="http://schemas.openxmlformats.org/presentationml/2006/main">
+  <p:cSld>
+    <p:bg>
+      <p:bgPr>
+        <a:solidFill>
+          <a:schemeClr val="bg1"/>
+        </a:solidFill>
+        <a:effectLst/>
+      </p:bgPr>
+    </p:bg>
+    <p:spTree>
+      <p:nvGrpSpPr>
+        <p:cNvPr id="1" name=""/>
+        <p:cNvGrpSpPr/>
+        <p:nvPr/>
+      </p:nvGrpSpPr>
+      <p:grpSpPr>
+        <a:xfrm>
+          <a:off x="0" y="0"/>
+          <a:ext cx="0" cy="0"/>
+          <a:chOff x="0" y="0"/>
+          <a:chExt cx="0" cy="0"/>
+        </a:xfrm>
+      </p:grpSpPr>
+      <p:sp useBgFill="1">
+        <p:nvSpPr>
+          <p:cNvPr id="12" name="Rectangle 11">
+            <a:extLst>
+              <a:ext uri="{FF2B5EF4-FFF2-40B4-BE49-F238E27FC236}">
+                <a16:creationId xmlns:a16="http://schemas.microsoft.com/office/drawing/2014/main" id="{C4879EFC-8E62-4E00-973C-C45EE9EC676D}"/>
+              </a:ext>
+              <a:ext uri="{C183D7F6-B498-43B3-948B-1728B52AA6E4}">
+                <adec:decorative xmlns:adec="http://schemas.microsoft.com/office/drawing/2017/decorative" val="1"/>
+              </a:ext>
+            </a:extLst>
+          </p:cNvPr>
+          <p:cNvSpPr>
+            <a:spLocks noGrp="1" noRot="1" noChangeAspect="1" noMove="1" noResize="1" noEditPoints="1" noAdjustHandles="1" noChangeArrowheads="1" noChangeShapeType="1" noTextEdit="1"/>
+          </p:cNvSpPr>
+          <p:nvPr>
+            <p:extLst>
+              <p:ext uri="{386F3935-93C4-4BCD-93E2-E3B085C9AB24}">
+                <p16:designElem xmlns:p16="http://schemas.microsoft.com/office/powerpoint/2015/main" val="1"/>
+              </p:ext>
+            </p:extLst>
+          </p:nvPr>
+        </p:nvSpPr>
+        <p:spPr>
+          <a:xfrm>
+            <a:off x="0" y="0"/>
+            <a:ext cx="12188952" cy="6858000"/>
+          </a:xfrm>
+          <a:prstGeom prst="rect">
+            <a:avLst/>
+          </a:prstGeom>
+          <a:ln>
+            <a:noFill/>
+          </a:ln>
+        </p:spPr>
+        <p:style>
+          <a:lnRef idx="2">
+            <a:schemeClr val="accent1">
+              <a:shade val="50000"/>
+            </a:schemeClr>
+          </a:lnRef>
+          <a:fillRef idx="1">
+            <a:schemeClr val="accent1"/>
+          </a:fillRef>
+          <a:effectRef idx="0">
+            <a:schemeClr val="accent1"/>
+          </a:effectRef>
+          <a:fontRef idx="minor">
+            <a:schemeClr val="lt1"/>
+          </a:fontRef>
+        </p:style>
+        <p:txBody>
+          <a:bodyPr rtlCol="0" anchor="ctr"/>
+          <a:lstStyle/>
+          <a:p>
+            <a:pPr algn="ctr"/>
+            <a:endParaRPr lang="en-US"/>
+          </a:p>
+        </p:txBody>
+      </p:sp>
+      <p:sp>
+        <p:nvSpPr>
+          <p:cNvPr id="2" name="Título 1">
+            <a:extLst>
+              <a:ext uri="{FF2B5EF4-FFF2-40B4-BE49-F238E27FC236}">
+                <a16:creationId xmlns:a16="http://schemas.microsoft.com/office/drawing/2014/main" id="{9DDC0C14-FD4F-BD56-4848-C6A122207651}"/>
+              </a:ext>
+            </a:extLst>
+          </p:cNvPr>
+          <p:cNvSpPr>
+            <a:spLocks noGrp="1"/>
+          </p:cNvSpPr>
+          <p:nvPr>
+            <p:ph type="title"/>
+          </p:nvPr>
+        </p:nvSpPr>
+        <p:spPr>
+          <a:xfrm>
+            <a:off x="638881" y="457200"/>
+            <a:ext cx="10909640" cy="1368614"/>
+          </a:xfrm>
+        </p:spPr>
+        <p:txBody>
+          <a:bodyPr vert="horz" lIns="91440" tIns="45720" rIns="91440" bIns="45720" rtlCol="0" anchor="ctr">
+            <a:normAutofit/>
+          </a:bodyPr>
+          <a:lstStyle/>
+          <a:p>
+            <a:pPr algn="ctr"/>
+            <a:r>
+              <a:rPr lang="en-US" sz="6600"/>
+              <a:t>Rede Neuronal</a:t>
+            </a:r>
+          </a:p>
+        </p:txBody>
+      </p:sp>
+      <p:sp>
+        <p:nvSpPr>
+          <p:cNvPr id="14" name="sketch line">
+            <a:extLst>
+              <a:ext uri="{FF2B5EF4-FFF2-40B4-BE49-F238E27FC236}">
+                <a16:creationId xmlns:a16="http://schemas.microsoft.com/office/drawing/2014/main" id="{D6A9C53F-5F90-40A5-8C85-5412D39C8C68}"/>
+              </a:ext>
+              <a:ext uri="{C183D7F6-B498-43B3-948B-1728B52AA6E4}">
+                <adec:decorative xmlns:adec="http://schemas.microsoft.com/office/drawing/2017/decorative" val="1"/>
+              </a:ext>
+            </a:extLst>
+          </p:cNvPr>
+          <p:cNvSpPr>
+            <a:spLocks noGrp="1" noRot="1" noChangeAspect="1" noMove="1" noResize="1" noEditPoints="1" noAdjustHandles="1" noChangeArrowheads="1" noChangeShapeType="1" noTextEdit="1"/>
+          </p:cNvSpPr>
+          <p:nvPr>
+            <p:extLst>
+              <p:ext uri="{386F3935-93C4-4BCD-93E2-E3B085C9AB24}">
+                <p16:designElem xmlns:p16="http://schemas.microsoft.com/office/powerpoint/2015/main" val="1"/>
+              </p:ext>
+            </p:extLst>
+          </p:nvPr>
+        </p:nvSpPr>
+        <p:spPr>
+          <a:xfrm>
+            <a:off x="4450080" y="1850683"/>
+            <a:ext cx="3291840" cy="18288"/>
+          </a:xfrm>
+          <a:custGeom>
+            <a:avLst/>
+            <a:gdLst>
+              <a:gd name="connsiteX0" fmla="*/ 0 w 3291840"/>
+              <a:gd name="connsiteY0" fmla="*/ 0 h 18288"/>
+              <a:gd name="connsiteX1" fmla="*/ 658368 w 3291840"/>
+              <a:gd name="connsiteY1" fmla="*/ 0 h 18288"/>
+              <a:gd name="connsiteX2" fmla="*/ 1283818 w 3291840"/>
+              <a:gd name="connsiteY2" fmla="*/ 0 h 18288"/>
+              <a:gd name="connsiteX3" fmla="*/ 1909267 w 3291840"/>
+              <a:gd name="connsiteY3" fmla="*/ 0 h 18288"/>
+              <a:gd name="connsiteX4" fmla="*/ 2633472 w 3291840"/>
+              <a:gd name="connsiteY4" fmla="*/ 0 h 18288"/>
+              <a:gd name="connsiteX5" fmla="*/ 3291840 w 3291840"/>
+              <a:gd name="connsiteY5" fmla="*/ 0 h 18288"/>
+              <a:gd name="connsiteX6" fmla="*/ 3291840 w 3291840"/>
+              <a:gd name="connsiteY6" fmla="*/ 18288 h 18288"/>
+              <a:gd name="connsiteX7" fmla="*/ 2633472 w 3291840"/>
+              <a:gd name="connsiteY7" fmla="*/ 18288 h 18288"/>
+              <a:gd name="connsiteX8" fmla="*/ 2073859 w 3291840"/>
+              <a:gd name="connsiteY8" fmla="*/ 18288 h 18288"/>
+              <a:gd name="connsiteX9" fmla="*/ 1448410 w 3291840"/>
+              <a:gd name="connsiteY9" fmla="*/ 18288 h 18288"/>
+              <a:gd name="connsiteX10" fmla="*/ 822960 w 3291840"/>
+              <a:gd name="connsiteY10" fmla="*/ 18288 h 18288"/>
+              <a:gd name="connsiteX11" fmla="*/ 0 w 3291840"/>
+              <a:gd name="connsiteY11" fmla="*/ 18288 h 18288"/>
+              <a:gd name="connsiteX12" fmla="*/ 0 w 3291840"/>
+              <a:gd name="connsiteY12" fmla="*/ 0 h 18288"/>
+            </a:gdLst>
+            <a:ahLst/>
+            <a:cxnLst>
+              <a:cxn ang="0">
+                <a:pos x="connsiteX0" y="connsiteY0"/>
+              </a:cxn>
+              <a:cxn ang="0">
+                <a:pos x="connsiteX1" y="connsiteY1"/>
+              </a:cxn>
+              <a:cxn ang="0">
+                <a:pos x="connsiteX2" y="connsiteY2"/>
+              </a:cxn>
+              <a:cxn ang="0">
+                <a:pos x="connsiteX3" y="connsiteY3"/>
+              </a:cxn>
+              <a:cxn ang="0">
+                <a:pos x="connsiteX4" y="connsiteY4"/>
+              </a:cxn>
+              <a:cxn ang="0">
+                <a:pos x="connsiteX5" y="connsiteY5"/>
+              </a:cxn>
+              <a:cxn ang="0">
+                <a:pos x="connsiteX6" y="connsiteY6"/>
+              </a:cxn>
+              <a:cxn ang="0">
+                <a:pos x="connsiteX7" y="connsiteY7"/>
+              </a:cxn>
+              <a:cxn ang="0">
+                <a:pos x="connsiteX8" y="connsiteY8"/>
+              </a:cxn>
+              <a:cxn ang="0">
+                <a:pos x="connsiteX9" y="connsiteY9"/>
+              </a:cxn>
+              <a:cxn ang="0">
+                <a:pos x="connsiteX10" y="connsiteY10"/>
+              </a:cxn>
+              <a:cxn ang="0">
+                <a:pos x="connsiteX11" y="connsiteY11"/>
+              </a:cxn>
+              <a:cxn ang="0">
+                <a:pos x="connsiteX12" y="connsiteY12"/>
+              </a:cxn>
+            </a:cxnLst>
+            <a:rect l="l" t="t" r="r" b="b"/>
+            <a:pathLst>
+              <a:path w="3291840" h="18288" fill="none" extrusionOk="0">
+                <a:moveTo>
+                  <a:pt x="0" y="0"/>
+                </a:moveTo>
+                <a:cubicBezTo>
+                  <a:pt x="173077" y="-20031"/>
+                  <a:pt x="443104" y="6424"/>
+                  <a:pt x="658368" y="0"/>
+                </a:cubicBezTo>
+                <a:cubicBezTo>
+                  <a:pt x="873632" y="-6424"/>
+                  <a:pt x="1034028" y="11764"/>
+                  <a:pt x="1283818" y="0"/>
+                </a:cubicBezTo>
+                <a:cubicBezTo>
+                  <a:pt x="1533608" y="-11764"/>
+                  <a:pt x="1691227" y="-30112"/>
+                  <a:pt x="1909267" y="0"/>
+                </a:cubicBezTo>
+                <a:cubicBezTo>
+                  <a:pt x="2127307" y="30112"/>
+                  <a:pt x="2272465" y="-18735"/>
+                  <a:pt x="2633472" y="0"/>
+                </a:cubicBezTo>
+                <a:cubicBezTo>
+                  <a:pt x="2994479" y="18735"/>
+                  <a:pt x="3023324" y="-32030"/>
+                  <a:pt x="3291840" y="0"/>
+                </a:cubicBezTo>
+                <a:cubicBezTo>
+                  <a:pt x="3291406" y="7551"/>
+                  <a:pt x="3291373" y="9822"/>
+                  <a:pt x="3291840" y="18288"/>
+                </a:cubicBezTo>
+                <a:cubicBezTo>
+                  <a:pt x="3048445" y="38989"/>
+                  <a:pt x="2846548" y="-14400"/>
+                  <a:pt x="2633472" y="18288"/>
+                </a:cubicBezTo>
+                <a:cubicBezTo>
+                  <a:pt x="2420396" y="50976"/>
+                  <a:pt x="2304099" y="6336"/>
+                  <a:pt x="2073859" y="18288"/>
+                </a:cubicBezTo>
+                <a:cubicBezTo>
+                  <a:pt x="1843619" y="30240"/>
+                  <a:pt x="1706926" y="10778"/>
+                  <a:pt x="1448410" y="18288"/>
+                </a:cubicBezTo>
+                <a:cubicBezTo>
+                  <a:pt x="1189894" y="25798"/>
+                  <a:pt x="1002278" y="8992"/>
+                  <a:pt x="822960" y="18288"/>
+                </a:cubicBezTo>
+                <a:cubicBezTo>
+                  <a:pt x="643642" y="27585"/>
+                  <a:pt x="307039" y="38051"/>
+                  <a:pt x="0" y="18288"/>
+                </a:cubicBezTo>
+                <a:cubicBezTo>
+                  <a:pt x="60" y="11696"/>
+                  <a:pt x="66" y="3758"/>
+                  <a:pt x="0" y="0"/>
+                </a:cubicBezTo>
+                <a:close/>
+              </a:path>
+              <a:path w="3291840" h="18288" stroke="0" extrusionOk="0">
+                <a:moveTo>
+                  <a:pt x="0" y="0"/>
+                </a:moveTo>
+                <a:cubicBezTo>
+                  <a:pt x="195850" y="28018"/>
+                  <a:pt x="434891" y="17390"/>
+                  <a:pt x="592531" y="0"/>
+                </a:cubicBezTo>
+                <a:cubicBezTo>
+                  <a:pt x="750171" y="-17390"/>
+                  <a:pt x="1018709" y="32200"/>
+                  <a:pt x="1316736" y="0"/>
+                </a:cubicBezTo>
+                <a:cubicBezTo>
+                  <a:pt x="1614763" y="-32200"/>
+                  <a:pt x="1696480" y="-11367"/>
+                  <a:pt x="1876349" y="0"/>
+                </a:cubicBezTo>
+                <a:cubicBezTo>
+                  <a:pt x="2056218" y="11367"/>
+                  <a:pt x="2193364" y="13433"/>
+                  <a:pt x="2435962" y="0"/>
+                </a:cubicBezTo>
+                <a:cubicBezTo>
+                  <a:pt x="2678560" y="-13433"/>
+                  <a:pt x="3010901" y="-42367"/>
+                  <a:pt x="3291840" y="0"/>
+                </a:cubicBezTo>
+                <a:cubicBezTo>
+                  <a:pt x="3291758" y="4406"/>
+                  <a:pt x="3291751" y="9982"/>
+                  <a:pt x="3291840" y="18288"/>
+                </a:cubicBezTo>
+                <a:cubicBezTo>
+                  <a:pt x="3108993" y="14228"/>
+                  <a:pt x="2952658" y="46900"/>
+                  <a:pt x="2666390" y="18288"/>
+                </a:cubicBezTo>
+                <a:cubicBezTo>
+                  <a:pt x="2380122" y="-10324"/>
+                  <a:pt x="2263855" y="41055"/>
+                  <a:pt x="2040941" y="18288"/>
+                </a:cubicBezTo>
+                <a:cubicBezTo>
+                  <a:pt x="1818027" y="-4479"/>
+                  <a:pt x="1675097" y="6509"/>
+                  <a:pt x="1415491" y="18288"/>
+                </a:cubicBezTo>
+                <a:cubicBezTo>
+                  <a:pt x="1155885" y="30068"/>
+                  <a:pt x="852976" y="36210"/>
+                  <a:pt x="691286" y="18288"/>
+                </a:cubicBezTo>
+                <a:cubicBezTo>
+                  <a:pt x="529596" y="366"/>
+                  <a:pt x="187183" y="13912"/>
+                  <a:pt x="0" y="18288"/>
+                </a:cubicBezTo>
+                <a:cubicBezTo>
+                  <a:pt x="189" y="14288"/>
+                  <a:pt x="-703" y="3747"/>
+                  <a:pt x="0" y="0"/>
+                </a:cubicBezTo>
+                <a:close/>
+              </a:path>
+            </a:pathLst>
+          </a:custGeom>
+          <a:solidFill>
+            <a:schemeClr val="accent2"/>
+          </a:solidFill>
+          <a:ln w="41275" cap="rnd">
+            <a:solidFill>
+              <a:schemeClr val="accent2"/>
+            </a:solidFill>
+            <a:round/>
+            <a:extLst>
+              <a:ext uri="{C807C97D-BFC1-408E-A445-0C87EB9F89A2}">
+                <ask:lineSketchStyleProps xmlns:ask="http://schemas.microsoft.com/office/drawing/2018/sketchyshapes" sd="2863741219">
+                  <a:prstGeom prst="rect">
+                    <a:avLst/>
+                  </a:prstGeom>
+                  <ask:type>
+                    <ask:lineSketchFreehand/>
+                  </ask:type>
+                </ask:lineSketchStyleProps>
+              </a:ext>
+            </a:extLst>
+          </a:ln>
+        </p:spPr>
+        <p:style>
+          <a:lnRef idx="2">
+            <a:schemeClr val="accent1">
+              <a:shade val="50000"/>
+            </a:schemeClr>
+          </a:lnRef>
+          <a:fillRef idx="1">
+            <a:schemeClr val="accent1"/>
+          </a:fillRef>
+          <a:effectRef idx="0">
+            <a:schemeClr val="accent1"/>
+          </a:effectRef>
+          <a:fontRef idx="minor">
+            <a:schemeClr val="lt1"/>
+          </a:fontRef>
+        </p:style>
+        <p:txBody>
+          <a:bodyPr rtlCol="0" anchor="ctr"/>
+          <a:lstStyle/>
+          <a:p>
+            <a:pPr algn="ctr"/>
+            <a:endParaRPr lang="en-US"/>
+          </a:p>
+        </p:txBody>
+      </p:sp>
+      <p:pic>
+        <p:nvPicPr>
+          <p:cNvPr id="5" name="Marcador de Posição de Conteúdo 4" descr="Uma imagem com texto, captura de ecrã, Tipo de letra&#10;&#10;Os conteúdos gerados por IA podem estar incorretos.">
+            <a:extLst>
+              <a:ext uri="{FF2B5EF4-FFF2-40B4-BE49-F238E27FC236}">
+                <a16:creationId xmlns:a16="http://schemas.microsoft.com/office/drawing/2014/main" id="{A96A5F65-06A7-4E6A-B8C4-3E4A6CB90B08}"/>
+              </a:ext>
+            </a:extLst>
+          </p:cNvPr>
+          <p:cNvPicPr>
+            <a:picLocks noGrp="1" noChangeAspect="1"/>
+          </p:cNvPicPr>
+          <p:nvPr>
+            <p:ph idx="1"/>
+          </p:nvPr>
+        </p:nvPicPr>
+        <p:blipFill>
+          <a:blip r:embed="rId2">
+            <a:extLst>
+              <a:ext uri="{28A0092B-C50C-407E-A947-70E740481C1C}">
+                <a14:useLocalDpi xmlns:a14="http://schemas.microsoft.com/office/drawing/2010/main" val="0"/>
+              </a:ext>
+            </a:extLst>
+          </a:blip>
+          <a:stretch>
+            <a:fillRect/>
+          </a:stretch>
+        </p:blipFill>
+        <p:spPr>
+          <a:xfrm>
+            <a:off x="320040" y="2864751"/>
+            <a:ext cx="5614416" cy="3161514"/>
+          </a:xfrm>
+          <a:prstGeom prst="rect">
+            <a:avLst/>
+          </a:prstGeom>
+        </p:spPr>
+      </p:pic>
+      <p:pic>
+        <p:nvPicPr>
+          <p:cNvPr id="7" name="Imagem 6" descr="Uma imagem com texto, captura de ecrã, Tipo de letra, algebra&#10;&#10;Os conteúdos gerados por IA podem estar incorretos.">
+            <a:extLst>
+              <a:ext uri="{FF2B5EF4-FFF2-40B4-BE49-F238E27FC236}">
+                <a16:creationId xmlns:a16="http://schemas.microsoft.com/office/drawing/2014/main" id="{23DE99E3-2FC7-7004-655B-DBDA0EFF42CA}"/>
+              </a:ext>
+            </a:extLst>
+          </p:cNvPr>
+          <p:cNvPicPr>
+            <a:picLocks noChangeAspect="1"/>
+          </p:cNvPicPr>
+          <p:nvPr/>
+        </p:nvPicPr>
+        <p:blipFill>
+          <a:blip r:embed="rId3">
+            <a:extLst>
+              <a:ext uri="{28A0092B-C50C-407E-A947-70E740481C1C}">
+                <a14:useLocalDpi xmlns:a14="http://schemas.microsoft.com/office/drawing/2010/main" val="0"/>
+              </a:ext>
+            </a:extLst>
+          </a:blip>
+          <a:stretch>
+            <a:fillRect/>
+          </a:stretch>
+        </p:blipFill>
+        <p:spPr>
+          <a:xfrm>
+            <a:off x="6254496" y="3669294"/>
+            <a:ext cx="5614416" cy="1552427"/>
+          </a:xfrm>
+          <a:prstGeom prst="rect">
+            <a:avLst/>
+          </a:prstGeom>
+        </p:spPr>
+      </p:pic>
+    </p:spTree>
+    <p:extLst>
+      <p:ext uri="{BB962C8B-B14F-4D97-AF65-F5344CB8AC3E}">
+        <p14:creationId xmlns:p14="http://schemas.microsoft.com/office/powerpoint/2010/main" val="2133320672"/>
+      </p:ext>
+    </p:extLst>
+  </p:cSld>
+  <p:clrMapOvr>
+    <a:masterClrMapping/>
+  </p:clrMapOvr>
+</p:sld>
+</file>
+
+<file path=ppt/slides/slide18.xml><?xml version="1.0" encoding="utf-8"?>
+<p:sld xmlns:a="http://schemas.openxmlformats.org/drawingml/2006/main" xmlns:r="http://schemas.openxmlformats.org/officeDocument/2006/relationships" xmlns:p="http://schemas.openxmlformats.org/presentationml/2006/main">
+  <p:cSld>
+    <p:bg>
+      <p:bgPr>
+        <a:solidFill>
+          <a:schemeClr val="bg1"/>
+        </a:solidFill>
+        <a:effectLst/>
+      </p:bgPr>
+    </p:bg>
+    <p:spTree>
+      <p:nvGrpSpPr>
+        <p:cNvPr id="1" name=""/>
+        <p:cNvGrpSpPr/>
+        <p:nvPr/>
+      </p:nvGrpSpPr>
+      <p:grpSpPr>
+        <a:xfrm>
+          <a:off x="0" y="0"/>
+          <a:ext cx="0" cy="0"/>
+          <a:chOff x="0" y="0"/>
+          <a:chExt cx="0" cy="0"/>
+        </a:xfrm>
+      </p:grpSpPr>
+      <p:sp useBgFill="1">
+        <p:nvSpPr>
+          <p:cNvPr id="16" name="Rectangle 11">
+            <a:extLst>
+              <a:ext uri="{FF2B5EF4-FFF2-40B4-BE49-F238E27FC236}">
+                <a16:creationId xmlns:a16="http://schemas.microsoft.com/office/drawing/2014/main" id="{022BDE4A-8A20-4A69-9C5A-581C82036A4D}"/>
+              </a:ext>
+              <a:ext uri="{C183D7F6-B498-43B3-948B-1728B52AA6E4}">
+                <adec:decorative xmlns:adec="http://schemas.microsoft.com/office/drawing/2017/decorative" val="1"/>
+              </a:ext>
+            </a:extLst>
+          </p:cNvPr>
+          <p:cNvSpPr>
+            <a:spLocks noGrp="1" noRot="1" noChangeAspect="1" noMove="1" noResize="1" noEditPoints="1" noAdjustHandles="1" noChangeArrowheads="1" noChangeShapeType="1" noTextEdit="1"/>
+          </p:cNvSpPr>
+          <p:nvPr>
+            <p:extLst>
+              <p:ext uri="{386F3935-93C4-4BCD-93E2-E3B085C9AB24}">
+                <p16:designElem xmlns:p16="http://schemas.microsoft.com/office/powerpoint/2015/main" val="1"/>
+              </p:ext>
+            </p:extLst>
+          </p:nvPr>
+        </p:nvSpPr>
+        <p:spPr>
+          <a:xfrm>
+            <a:off x="-1" y="0"/>
+            <a:ext cx="12188952" cy="6858000"/>
+          </a:xfrm>
+          <a:prstGeom prst="rect">
+            <a:avLst/>
+          </a:prstGeom>
+          <a:ln>
+            <a:noFill/>
+          </a:ln>
+        </p:spPr>
+        <p:style>
+          <a:lnRef idx="2">
+            <a:schemeClr val="accent1">
+              <a:shade val="50000"/>
+            </a:schemeClr>
+          </a:lnRef>
+          <a:fillRef idx="1">
+            <a:schemeClr val="accent1"/>
+          </a:fillRef>
+          <a:effectRef idx="0">
+            <a:schemeClr val="accent1"/>
+          </a:effectRef>
+          <a:fontRef idx="minor">
+            <a:schemeClr val="lt1"/>
+          </a:fontRef>
+        </p:style>
+        <p:txBody>
+          <a:bodyPr rtlCol="0" anchor="ctr"/>
+          <a:lstStyle/>
+          <a:p>
+            <a:pPr algn="ctr"/>
+            <a:endParaRPr lang="en-US"/>
+          </a:p>
+        </p:txBody>
+      </p:sp>
+      <p:sp>
+        <p:nvSpPr>
+          <p:cNvPr id="2" name="Título 1">
+            <a:extLst>
+              <a:ext uri="{FF2B5EF4-FFF2-40B4-BE49-F238E27FC236}">
+                <a16:creationId xmlns:a16="http://schemas.microsoft.com/office/drawing/2014/main" id="{A04DD395-DEA6-132E-0335-6ACDD90CCBF1}"/>
+              </a:ext>
+            </a:extLst>
+          </p:cNvPr>
+          <p:cNvSpPr>
+            <a:spLocks noGrp="1"/>
+          </p:cNvSpPr>
+          <p:nvPr>
+            <p:ph type="title"/>
+          </p:nvPr>
+        </p:nvSpPr>
+        <p:spPr>
+          <a:xfrm>
+            <a:off x="1001684" y="170412"/>
+            <a:ext cx="10178934" cy="1328730"/>
+          </a:xfrm>
+        </p:spPr>
+        <p:txBody>
+          <a:bodyPr vert="horz" lIns="91440" tIns="45720" rIns="91440" bIns="45720" rtlCol="0" anchor="b">
+            <a:normAutofit/>
+          </a:bodyPr>
+          <a:lstStyle/>
+          <a:p>
+            <a:pPr algn="ctr"/>
+            <a:r>
+              <a:rPr lang="en-US" sz="5200" kern="1200">
+                <a:solidFill>
+                  <a:schemeClr val="tx1"/>
+                </a:solidFill>
+                <a:latin typeface="+mj-lt"/>
+                <a:ea typeface="+mj-ea"/>
+                <a:cs typeface="+mj-cs"/>
+              </a:rPr>
+              <a:t>K-nearest neighbors</a:t>
+            </a:r>
+          </a:p>
+        </p:txBody>
+      </p:sp>
+      <p:pic>
+        <p:nvPicPr>
+          <p:cNvPr id="5" name="Marcador de Posição de Conteúdo 4" descr="Uma imagem com texto, diagrama, file, Gráfico&#10;&#10;Os conteúdos gerados por IA podem estar incorretos.">
+            <a:extLst>
+              <a:ext uri="{FF2B5EF4-FFF2-40B4-BE49-F238E27FC236}">
+                <a16:creationId xmlns:a16="http://schemas.microsoft.com/office/drawing/2014/main" id="{2B441BA3-B997-7EE2-4E69-D05538EB7F39}"/>
+              </a:ext>
+            </a:extLst>
+          </p:cNvPr>
+          <p:cNvPicPr>
+            <a:picLocks noGrp="1" noChangeAspect="1"/>
+          </p:cNvPicPr>
+          <p:nvPr>
+            <p:ph idx="1"/>
+          </p:nvPr>
+        </p:nvPicPr>
+        <p:blipFill>
+          <a:blip r:embed="rId2">
+            <a:extLst>
+              <a:ext uri="{28A0092B-C50C-407E-A947-70E740481C1C}">
+                <a14:useLocalDpi xmlns:a14="http://schemas.microsoft.com/office/drawing/2010/main" val="0"/>
+              </a:ext>
+            </a:extLst>
+          </a:blip>
+          <a:srcRect r="798" b="-3"/>
+          <a:stretch>
+            <a:fillRect/>
+          </a:stretch>
+        </p:blipFill>
+        <p:spPr>
+          <a:xfrm>
+            <a:off x="198741" y="2410448"/>
+            <a:ext cx="5803323" cy="3890357"/>
+          </a:xfrm>
+          <a:prstGeom prst="rect">
+            <a:avLst/>
+          </a:prstGeom>
+        </p:spPr>
+      </p:pic>
+      <p:pic>
+        <p:nvPicPr>
+          <p:cNvPr id="7" name="Imagem 6" descr="Uma imagem com texto, captura de ecrã, Tipo de letra, número&#10;&#10;Os conteúdos gerados por IA podem estar incorretos.">
+            <a:extLst>
+              <a:ext uri="{FF2B5EF4-FFF2-40B4-BE49-F238E27FC236}">
+                <a16:creationId xmlns:a16="http://schemas.microsoft.com/office/drawing/2014/main" id="{625249D0-F3BA-CB84-96FF-2F9D71782B23}"/>
+              </a:ext>
+            </a:extLst>
+          </p:cNvPr>
+          <p:cNvPicPr>
+            <a:picLocks noChangeAspect="1"/>
+          </p:cNvPicPr>
+          <p:nvPr/>
+        </p:nvPicPr>
+        <p:blipFill>
+          <a:blip r:embed="rId3">
+            <a:extLst>
+              <a:ext uri="{28A0092B-C50C-407E-A947-70E740481C1C}">
+                <a14:useLocalDpi xmlns:a14="http://schemas.microsoft.com/office/drawing/2010/main" val="0"/>
+              </a:ext>
+            </a:extLst>
+          </a:blip>
+          <a:srcRect r="-4" b="821"/>
+          <a:stretch>
+            <a:fillRect/>
+          </a:stretch>
+        </p:blipFill>
+        <p:spPr>
+          <a:xfrm>
+            <a:off x="6189934" y="2410448"/>
+            <a:ext cx="5803323" cy="3890357"/>
+          </a:xfrm>
+          <a:prstGeom prst="rect">
+            <a:avLst/>
+          </a:prstGeom>
+        </p:spPr>
+      </p:pic>
+    </p:spTree>
+    <p:extLst>
+      <p:ext uri="{BB962C8B-B14F-4D97-AF65-F5344CB8AC3E}">
+        <p14:creationId xmlns:p14="http://schemas.microsoft.com/office/powerpoint/2010/main" val="2998917061"/>
+      </p:ext>
+    </p:extLst>
+  </p:cSld>
+  <p:clrMapOvr>
+    <a:masterClrMapping/>
+  </p:clrMapOvr>
+</p:sld>
+</file>
+
+<file path=ppt/slides/slide19.xml><?xml version="1.0" encoding="utf-8"?>
+<p:sld xmlns:a="http://schemas.openxmlformats.org/drawingml/2006/main" xmlns:r="http://schemas.openxmlformats.org/officeDocument/2006/relationships" xmlns:p="http://schemas.openxmlformats.org/presentationml/2006/main">
+  <p:cSld>
+    <p:spTree>
+      <p:nvGrpSpPr>
+        <p:cNvPr id="1" name=""/>
+        <p:cNvGrpSpPr/>
+        <p:nvPr/>
+      </p:nvGrpSpPr>
+      <p:grpSpPr>
+        <a:xfrm>
+          <a:off x="0" y="0"/>
+          <a:ext cx="0" cy="0"/>
+          <a:chOff x="0" y="0"/>
+          <a:chExt cx="0" cy="0"/>
+        </a:xfrm>
+      </p:grpSpPr>
+      <p:sp>
+        <p:nvSpPr>
+          <p:cNvPr id="2" name="Título 1">
+            <a:extLst>
+              <a:ext uri="{FF2B5EF4-FFF2-40B4-BE49-F238E27FC236}">
+                <a16:creationId xmlns:a16="http://schemas.microsoft.com/office/drawing/2014/main" id="{A8B493A4-C297-4B44-4398-F9D310977FC4}"/>
+              </a:ext>
+            </a:extLst>
+          </p:cNvPr>
+          <p:cNvSpPr>
+            <a:spLocks noGrp="1"/>
+          </p:cNvSpPr>
+          <p:nvPr>
+            <p:ph type="title"/>
+          </p:nvPr>
+        </p:nvSpPr>
+        <p:spPr/>
+        <p:txBody>
+          <a:bodyPr/>
+          <a:lstStyle/>
+          <a:p>
+            <a:r>
+              <a:rPr lang="pt-PT" dirty="0"/>
+              <a:t>Comparação de modelos</a:t>
+            </a:r>
+          </a:p>
+        </p:txBody>
+      </p:sp>
+      <p:sp>
+        <p:nvSpPr>
+          <p:cNvPr id="3" name="Marcador de Posição de Conteúdo 2">
+            <a:extLst>
+              <a:ext uri="{FF2B5EF4-FFF2-40B4-BE49-F238E27FC236}">
+                <a16:creationId xmlns:a16="http://schemas.microsoft.com/office/drawing/2014/main" id="{F3C17BC6-5FCE-7BF2-0C04-E9DC2DC5304D}"/>
+              </a:ext>
+            </a:extLst>
+          </p:cNvPr>
+          <p:cNvSpPr>
+            <a:spLocks noGrp="1"/>
+          </p:cNvSpPr>
+          <p:nvPr>
+            <p:ph idx="1"/>
+          </p:nvPr>
+        </p:nvSpPr>
+        <p:spPr/>
+        <p:txBody>
+          <a:bodyPr/>
+          <a:lstStyle/>
+          <a:p>
+            <a:r>
+              <a:rPr lang="pt-PT" dirty="0"/>
+              <a:t>Foram comparados os dois melhores modelos (rede neuronal e k-</a:t>
+            </a:r>
+            <a:r>
+              <a:rPr lang="pt-PT" dirty="0" err="1"/>
+              <a:t>nearest</a:t>
+            </a:r>
+            <a:r>
+              <a:rPr lang="pt-PT" dirty="0"/>
+              <a:t> </a:t>
+            </a:r>
+            <a:r>
+              <a:rPr lang="pt-PT" dirty="0" err="1"/>
+              <a:t>neighbors</a:t>
+            </a:r>
+            <a:r>
+              <a:rPr lang="pt-PT" dirty="0"/>
+              <a:t>) de modo a verificar se existe uma diferença significativa entre os mesmos</a:t>
+            </a:r>
+          </a:p>
+          <a:p>
+            <a:r>
+              <a:rPr lang="pt-PT" dirty="0"/>
+              <a:t>Teste t-</a:t>
+            </a:r>
+            <a:r>
+              <a:rPr lang="pt-PT" dirty="0" err="1"/>
+              <a:t>student</a:t>
+            </a:r>
+            <a:r>
+              <a:rPr lang="pt-PT" dirty="0"/>
+              <a:t> entre os valores de </a:t>
+            </a:r>
+            <a:r>
+              <a:rPr lang="pt-PT" dirty="0" err="1"/>
+              <a:t>accuracy</a:t>
+            </a:r>
+            <a:r>
+              <a:rPr lang="pt-PT" dirty="0"/>
+              <a:t> de cada </a:t>
+            </a:r>
+            <a:r>
+              <a:rPr lang="pt-PT" dirty="0" err="1"/>
+              <a:t>fold</a:t>
+            </a:r>
+            <a:endParaRPr lang="pt-PT" dirty="0"/>
+          </a:p>
+          <a:p>
+            <a:r>
+              <a:rPr lang="pt-PT" dirty="0"/>
+              <a:t>Diferença significativa encontrada</a:t>
+            </a:r>
+          </a:p>
+          <a:p>
+            <a:r>
+              <a:rPr lang="pt-PT" dirty="0"/>
+              <a:t>Rede neuronal como melhor modelo</a:t>
+            </a:r>
+          </a:p>
+          <a:p>
+            <a:pPr marL="0" indent="0">
+              <a:buNone/>
+            </a:pPr>
+            <a:endParaRPr lang="pt-PT" dirty="0"/>
+          </a:p>
+        </p:txBody>
+      </p:sp>
+      <p:pic>
+        <p:nvPicPr>
+          <p:cNvPr id="5" name="Imagem 4">
+            <a:extLst>
+              <a:ext uri="{FF2B5EF4-FFF2-40B4-BE49-F238E27FC236}">
+                <a16:creationId xmlns:a16="http://schemas.microsoft.com/office/drawing/2014/main" id="{73DE3299-50DA-9D2A-66D8-16F84E22F8FE}"/>
+              </a:ext>
+            </a:extLst>
+          </p:cNvPr>
+          <p:cNvPicPr>
+            <a:picLocks noChangeAspect="1"/>
+          </p:cNvPicPr>
+          <p:nvPr/>
+        </p:nvPicPr>
+        <p:blipFill>
+          <a:blip r:embed="rId2">
+            <a:extLst>
+              <a:ext uri="{28A0092B-C50C-407E-A947-70E740481C1C}">
+                <a14:useLocalDpi xmlns:a14="http://schemas.microsoft.com/office/drawing/2010/main" val="0"/>
+              </a:ext>
+            </a:extLst>
+          </a:blip>
+          <a:stretch>
+            <a:fillRect/>
+          </a:stretch>
+        </p:blipFill>
+        <p:spPr>
+          <a:xfrm>
+            <a:off x="641742" y="4927650"/>
+            <a:ext cx="10712058" cy="1062703"/>
+          </a:xfrm>
+          <a:prstGeom prst="rect">
+            <a:avLst/>
+          </a:prstGeom>
+        </p:spPr>
+      </p:pic>
+    </p:spTree>
+    <p:extLst>
+      <p:ext uri="{BB962C8B-B14F-4D97-AF65-F5344CB8AC3E}">
+        <p14:creationId xmlns:p14="http://schemas.microsoft.com/office/powerpoint/2010/main" val="3846716569"/>
       </p:ext>
     </p:extLst>
   </p:cSld>
